--- a/Insights.pptx
+++ b/Insights.pptx
@@ -8,8 +8,13 @@
     <p:sldId id="256" r:id="rId2"/>
     <p:sldId id="257" r:id="rId3"/>
     <p:sldId id="260" r:id="rId4"/>
-    <p:sldId id="258" r:id="rId5"/>
-    <p:sldId id="259" r:id="rId6"/>
+    <p:sldId id="267" r:id="rId5"/>
+    <p:sldId id="261" r:id="rId6"/>
+    <p:sldId id="263" r:id="rId7"/>
+    <p:sldId id="264" r:id="rId8"/>
+    <p:sldId id="265" r:id="rId9"/>
+    <p:sldId id="258" r:id="rId10"/>
+    <p:sldId id="259" r:id="rId11"/>
   </p:sldIdLst>
   <p:sldSz cx="12192000" cy="6858000"/>
   <p:notesSz cx="6858000" cy="9144000"/>
@@ -3409,6 +3414,86 @@
 </p:sld>
 </file>
 
+<file path=ppt/slides/slide10.xml><?xml version="1.0" encoding="utf-8"?>
+<p:sld xmlns:a="http://schemas.openxmlformats.org/drawingml/2006/main" xmlns:r="http://schemas.openxmlformats.org/officeDocument/2006/relationships" xmlns:p="http://schemas.openxmlformats.org/presentationml/2006/main">
+  <p:cSld>
+    <p:spTree>
+      <p:nvGrpSpPr>
+        <p:cNvPr id="1" name=""/>
+        <p:cNvGrpSpPr/>
+        <p:nvPr/>
+      </p:nvGrpSpPr>
+      <p:grpSpPr>
+        <a:xfrm>
+          <a:off x="0" y="0"/>
+          <a:ext cx="0" cy="0"/>
+          <a:chOff x="0" y="0"/>
+          <a:chExt cx="0" cy="0"/>
+        </a:xfrm>
+      </p:grpSpPr>
+      <p:sp>
+        <p:nvSpPr>
+          <p:cNvPr id="2" name="Title 1">
+            <a:extLst>
+              <a:ext uri="{FF2B5EF4-FFF2-40B4-BE49-F238E27FC236}">
+                <a16:creationId xmlns:a16="http://schemas.microsoft.com/office/drawing/2014/main" id="{481CC8F1-92C8-2C36-7E3A-C18FEA5CBDEF}"/>
+              </a:ext>
+            </a:extLst>
+          </p:cNvPr>
+          <p:cNvSpPr>
+            <a:spLocks noGrp="1"/>
+          </p:cNvSpPr>
+          <p:nvPr>
+            <p:ph type="title"/>
+          </p:nvPr>
+        </p:nvSpPr>
+        <p:spPr/>
+        <p:txBody>
+          <a:bodyPr/>
+          <a:lstStyle/>
+          <a:p>
+            <a:endParaRPr lang="en-US"/>
+          </a:p>
+        </p:txBody>
+      </p:sp>
+      <p:sp>
+        <p:nvSpPr>
+          <p:cNvPr id="3" name="Content Placeholder 2">
+            <a:extLst>
+              <a:ext uri="{FF2B5EF4-FFF2-40B4-BE49-F238E27FC236}">
+                <a16:creationId xmlns:a16="http://schemas.microsoft.com/office/drawing/2014/main" id="{A00C3110-4BBC-027D-656C-D1E2250CC2CE}"/>
+              </a:ext>
+            </a:extLst>
+          </p:cNvPr>
+          <p:cNvSpPr>
+            <a:spLocks noGrp="1"/>
+          </p:cNvSpPr>
+          <p:nvPr>
+            <p:ph idx="1"/>
+          </p:nvPr>
+        </p:nvSpPr>
+        <p:spPr/>
+        <p:txBody>
+          <a:bodyPr/>
+          <a:lstStyle/>
+          <a:p>
+            <a:endParaRPr lang="en-US"/>
+          </a:p>
+        </p:txBody>
+      </p:sp>
+    </p:spTree>
+    <p:extLst>
+      <p:ext uri="{BB962C8B-B14F-4D97-AF65-F5344CB8AC3E}">
+        <p14:creationId xmlns:p14="http://schemas.microsoft.com/office/powerpoint/2010/main" val="3680336890"/>
+      </p:ext>
+    </p:extLst>
+  </p:cSld>
+  <p:clrMapOvr>
+    <a:masterClrMapping/>
+  </p:clrMapOvr>
+</p:sld>
+</file>
+
 <file path=ppt/slides/slide2.xml><?xml version="1.0" encoding="utf-8"?>
 <p:sld xmlns:a="http://schemas.openxmlformats.org/drawingml/2006/main" xmlns:r="http://schemas.openxmlformats.org/officeDocument/2006/relationships" xmlns:p="http://schemas.openxmlformats.org/presentationml/2006/main">
   <p:cSld>
@@ -3610,10 +3695,10 @@
       </p:grpSpPr>
       <p:sp>
         <p:nvSpPr>
-          <p:cNvPr id="2" name="Title 1">
-            <a:extLst>
-              <a:ext uri="{FF2B5EF4-FFF2-40B4-BE49-F238E27FC236}">
-                <a16:creationId xmlns:a16="http://schemas.microsoft.com/office/drawing/2014/main" id="{22B331C4-56D0-735C-0FB9-B5B4009756BB}"/>
+          <p:cNvPr id="7" name="Title 1">
+            <a:extLst>
+              <a:ext uri="{FF2B5EF4-FFF2-40B4-BE49-F238E27FC236}">
+                <a16:creationId xmlns:a16="http://schemas.microsoft.com/office/drawing/2014/main" id="{E6427DA3-4F5B-23BB-32EC-9EE25EBF4FA7}"/>
               </a:ext>
             </a:extLst>
           </p:cNvPr>
@@ -3624,21 +3709,29 @@
             <p:ph type="title"/>
           </p:nvPr>
         </p:nvSpPr>
-        <p:spPr/>
-        <p:txBody>
-          <a:bodyPr/>
-          <a:lstStyle/>
-          <a:p>
-            <a:endParaRPr lang="en-US"/>
-          </a:p>
-        </p:txBody>
-      </p:sp>
-      <p:sp>
-        <p:nvSpPr>
-          <p:cNvPr id="3" name="Content Placeholder 2">
-            <a:extLst>
-              <a:ext uri="{FF2B5EF4-FFF2-40B4-BE49-F238E27FC236}">
-                <a16:creationId xmlns:a16="http://schemas.microsoft.com/office/drawing/2014/main" id="{38A9F4B2-5E9E-061C-0498-EE42DA20CD04}"/>
+        <p:spPr>
+          <a:xfrm>
+            <a:off x="695193" y="315021"/>
+            <a:ext cx="10515600" cy="1325563"/>
+          </a:xfrm>
+        </p:spPr>
+        <p:txBody>
+          <a:bodyPr/>
+          <a:lstStyle/>
+          <a:p>
+            <a:r>
+              <a:rPr lang="en-US" dirty="0"/>
+              <a:t>Conclusion</a:t>
+            </a:r>
+          </a:p>
+        </p:txBody>
+      </p:sp>
+      <p:sp>
+        <p:nvSpPr>
+          <p:cNvPr id="10" name="Content Placeholder 9">
+            <a:extLst>
+              <a:ext uri="{FF2B5EF4-FFF2-40B4-BE49-F238E27FC236}">
+                <a16:creationId xmlns:a16="http://schemas.microsoft.com/office/drawing/2014/main" id="{2FFF1BF7-4939-F1C0-F776-656E4923C074}"/>
               </a:ext>
             </a:extLst>
           </p:cNvPr>
@@ -3649,19 +3742,74 @@
             <p:ph idx="1"/>
           </p:nvPr>
         </p:nvSpPr>
-        <p:spPr/>
-        <p:txBody>
-          <a:bodyPr/>
-          <a:lstStyle/>
-          <a:p>
-            <a:endParaRPr lang="en-US"/>
-          </a:p>
-        </p:txBody>
-      </p:sp>
+        <p:spPr>
+          <a:xfrm>
+            <a:off x="695193" y="1478843"/>
+            <a:ext cx="3839229" cy="4558702"/>
+          </a:xfrm>
+        </p:spPr>
+        <p:txBody>
+          <a:bodyPr>
+            <a:normAutofit fontScale="92500" lnSpcReduction="10000"/>
+          </a:bodyPr>
+          <a:lstStyle/>
+          <a:p>
+            <a:r>
+              <a:rPr lang="en-US" dirty="0"/>
+              <a:t>The fig shows the chances of default across the “term” categories</a:t>
+            </a:r>
+          </a:p>
+          <a:p>
+            <a:r>
+              <a:rPr lang="en-US" dirty="0"/>
+              <a:t>For Ex: at least 1 out of 4 loans (&gt;25%) in “60 months” end up defaulting</a:t>
+            </a:r>
+          </a:p>
+          <a:p>
+            <a:r>
+              <a:rPr lang="en-US" dirty="0"/>
+              <a:t>This helps the company to manage their portfolio by not allocating a high number of loans in the high risk “term” categories </a:t>
+            </a:r>
+          </a:p>
+          <a:p>
+            <a:endParaRPr lang="en-US" dirty="0"/>
+          </a:p>
+        </p:txBody>
+      </p:sp>
+      <p:pic>
+        <p:nvPicPr>
+          <p:cNvPr id="2" name="Picture 1">
+            <a:extLst>
+              <a:ext uri="{FF2B5EF4-FFF2-40B4-BE49-F238E27FC236}">
+                <a16:creationId xmlns:a16="http://schemas.microsoft.com/office/drawing/2014/main" id="{EDE47A01-33CA-AC68-9276-3F7B1E972504}"/>
+              </a:ext>
+            </a:extLst>
+          </p:cNvPr>
+          <p:cNvPicPr>
+            <a:picLocks noChangeAspect="1"/>
+          </p:cNvPicPr>
+          <p:nvPr/>
+        </p:nvPicPr>
+        <p:blipFill>
+          <a:blip r:embed="rId2"/>
+          <a:stretch>
+            <a:fillRect/>
+          </a:stretch>
+        </p:blipFill>
+        <p:spPr>
+          <a:xfrm>
+            <a:off x="5682537" y="1640584"/>
+            <a:ext cx="5814270" cy="3656991"/>
+          </a:xfrm>
+          <a:prstGeom prst="rect">
+            <a:avLst/>
+          </a:prstGeom>
+        </p:spPr>
+      </p:pic>
     </p:spTree>
     <p:extLst>
       <p:ext uri="{BB962C8B-B14F-4D97-AF65-F5344CB8AC3E}">
-        <p14:creationId xmlns:p14="http://schemas.microsoft.com/office/powerpoint/2010/main" val="1698439335"/>
+        <p14:creationId xmlns:p14="http://schemas.microsoft.com/office/powerpoint/2010/main" val="2758493559"/>
       </p:ext>
     </p:extLst>
   </p:cSld>
@@ -3688,12 +3836,42 @@
           <a:chExt cx="0" cy="0"/>
         </a:xfrm>
       </p:grpSpPr>
-      <p:sp>
-        <p:nvSpPr>
-          <p:cNvPr id="2" name="Title 1">
-            <a:extLst>
-              <a:ext uri="{FF2B5EF4-FFF2-40B4-BE49-F238E27FC236}">
-                <a16:creationId xmlns:a16="http://schemas.microsoft.com/office/drawing/2014/main" id="{481CC8F1-92C8-2C36-7E3A-C18FEA5CBDEF}"/>
+      <p:pic>
+        <p:nvPicPr>
+          <p:cNvPr id="6" name="Picture 5">
+            <a:extLst>
+              <a:ext uri="{FF2B5EF4-FFF2-40B4-BE49-F238E27FC236}">
+                <a16:creationId xmlns:a16="http://schemas.microsoft.com/office/drawing/2014/main" id="{5DF6D78D-0AC0-08DE-C31D-D7F39554F3DE}"/>
+              </a:ext>
+            </a:extLst>
+          </p:cNvPr>
+          <p:cNvPicPr>
+            <a:picLocks noChangeAspect="1"/>
+          </p:cNvPicPr>
+          <p:nvPr/>
+        </p:nvPicPr>
+        <p:blipFill>
+          <a:blip r:embed="rId2"/>
+          <a:stretch>
+            <a:fillRect/>
+          </a:stretch>
+        </p:blipFill>
+        <p:spPr>
+          <a:xfrm>
+            <a:off x="4534422" y="1726842"/>
+            <a:ext cx="7478732" cy="3412443"/>
+          </a:xfrm>
+          <a:prstGeom prst="rect">
+            <a:avLst/>
+          </a:prstGeom>
+        </p:spPr>
+      </p:pic>
+      <p:sp>
+        <p:nvSpPr>
+          <p:cNvPr id="7" name="Title 1">
+            <a:extLst>
+              <a:ext uri="{FF2B5EF4-FFF2-40B4-BE49-F238E27FC236}">
+                <a16:creationId xmlns:a16="http://schemas.microsoft.com/office/drawing/2014/main" id="{E6427DA3-4F5B-23BB-32EC-9EE25EBF4FA7}"/>
               </a:ext>
             </a:extLst>
           </p:cNvPr>
@@ -3704,21 +3882,29 @@
             <p:ph type="title"/>
           </p:nvPr>
         </p:nvSpPr>
-        <p:spPr/>
-        <p:txBody>
-          <a:bodyPr/>
-          <a:lstStyle/>
-          <a:p>
-            <a:endParaRPr lang="en-US"/>
-          </a:p>
-        </p:txBody>
-      </p:sp>
-      <p:sp>
-        <p:nvSpPr>
-          <p:cNvPr id="3" name="Content Placeholder 2">
-            <a:extLst>
-              <a:ext uri="{FF2B5EF4-FFF2-40B4-BE49-F238E27FC236}">
-                <a16:creationId xmlns:a16="http://schemas.microsoft.com/office/drawing/2014/main" id="{A00C3110-4BBC-027D-656C-D1E2250CC2CE}"/>
+        <p:spPr>
+          <a:xfrm>
+            <a:off x="695193" y="315021"/>
+            <a:ext cx="10515600" cy="1325563"/>
+          </a:xfrm>
+        </p:spPr>
+        <p:txBody>
+          <a:bodyPr/>
+          <a:lstStyle/>
+          <a:p>
+            <a:r>
+              <a:rPr lang="en-US" dirty="0"/>
+              <a:t>Conclusion</a:t>
+            </a:r>
+          </a:p>
+        </p:txBody>
+      </p:sp>
+      <p:sp>
+        <p:nvSpPr>
+          <p:cNvPr id="10" name="Content Placeholder 9">
+            <a:extLst>
+              <a:ext uri="{FF2B5EF4-FFF2-40B4-BE49-F238E27FC236}">
+                <a16:creationId xmlns:a16="http://schemas.microsoft.com/office/drawing/2014/main" id="{2FFF1BF7-4939-F1C0-F776-656E4923C074}"/>
               </a:ext>
             </a:extLst>
           </p:cNvPr>
@@ -3729,19 +3915,667 @@
             <p:ph idx="1"/>
           </p:nvPr>
         </p:nvSpPr>
-        <p:spPr/>
-        <p:txBody>
-          <a:bodyPr/>
-          <a:lstStyle/>
-          <a:p>
-            <a:endParaRPr lang="en-US"/>
+        <p:spPr>
+          <a:xfrm>
+            <a:off x="695193" y="1478843"/>
+            <a:ext cx="3839229" cy="4558702"/>
+          </a:xfrm>
+        </p:spPr>
+        <p:txBody>
+          <a:bodyPr>
+            <a:normAutofit fontScale="92500" lnSpcReduction="10000"/>
+          </a:bodyPr>
+          <a:lstStyle/>
+          <a:p>
+            <a:r>
+              <a:rPr lang="en-US" dirty="0"/>
+              <a:t>The fig shows the chances of default across the “purpose” categories</a:t>
+            </a:r>
+          </a:p>
+          <a:p>
+            <a:r>
+              <a:rPr lang="en-US" dirty="0"/>
+              <a:t>For Ex: at least 1 out of 4 loans (&gt;25%) in “small business” end up defaulting</a:t>
+            </a:r>
+          </a:p>
+          <a:p>
+            <a:r>
+              <a:rPr lang="en-US" dirty="0"/>
+              <a:t>This helps the company to manage their portfolio by not allocating a high number of loans in the high risk “purpose” categories </a:t>
+            </a:r>
+          </a:p>
+          <a:p>
+            <a:endParaRPr lang="en-US" dirty="0"/>
           </a:p>
         </p:txBody>
       </p:sp>
     </p:spTree>
     <p:extLst>
       <p:ext uri="{BB962C8B-B14F-4D97-AF65-F5344CB8AC3E}">
-        <p14:creationId xmlns:p14="http://schemas.microsoft.com/office/powerpoint/2010/main" val="3680336890"/>
+        <p14:creationId xmlns:p14="http://schemas.microsoft.com/office/powerpoint/2010/main" val="1347944518"/>
+      </p:ext>
+    </p:extLst>
+  </p:cSld>
+  <p:clrMapOvr>
+    <a:masterClrMapping/>
+  </p:clrMapOvr>
+</p:sld>
+</file>
+
+<file path=ppt/slides/slide6.xml><?xml version="1.0" encoding="utf-8"?>
+<p:sld xmlns:a="http://schemas.openxmlformats.org/drawingml/2006/main" xmlns:r="http://schemas.openxmlformats.org/officeDocument/2006/relationships" xmlns:p="http://schemas.openxmlformats.org/presentationml/2006/main">
+  <p:cSld>
+    <p:spTree>
+      <p:nvGrpSpPr>
+        <p:cNvPr id="1" name=""/>
+        <p:cNvGrpSpPr/>
+        <p:nvPr/>
+      </p:nvGrpSpPr>
+      <p:grpSpPr>
+        <a:xfrm>
+          <a:off x="0" y="0"/>
+          <a:ext cx="0" cy="0"/>
+          <a:chOff x="0" y="0"/>
+          <a:chExt cx="0" cy="0"/>
+        </a:xfrm>
+      </p:grpSpPr>
+      <p:sp>
+        <p:nvSpPr>
+          <p:cNvPr id="7" name="Title 1">
+            <a:extLst>
+              <a:ext uri="{FF2B5EF4-FFF2-40B4-BE49-F238E27FC236}">
+                <a16:creationId xmlns:a16="http://schemas.microsoft.com/office/drawing/2014/main" id="{E6427DA3-4F5B-23BB-32EC-9EE25EBF4FA7}"/>
+              </a:ext>
+            </a:extLst>
+          </p:cNvPr>
+          <p:cNvSpPr>
+            <a:spLocks noGrp="1"/>
+          </p:cNvSpPr>
+          <p:nvPr>
+            <p:ph type="title"/>
+          </p:nvPr>
+        </p:nvSpPr>
+        <p:spPr>
+          <a:xfrm>
+            <a:off x="695193" y="315021"/>
+            <a:ext cx="10515600" cy="1325563"/>
+          </a:xfrm>
+        </p:spPr>
+        <p:txBody>
+          <a:bodyPr/>
+          <a:lstStyle/>
+          <a:p>
+            <a:r>
+              <a:rPr lang="en-US" dirty="0"/>
+              <a:t>Conclusion</a:t>
+            </a:r>
+          </a:p>
+        </p:txBody>
+      </p:sp>
+      <p:sp>
+        <p:nvSpPr>
+          <p:cNvPr id="10" name="Content Placeholder 9">
+            <a:extLst>
+              <a:ext uri="{FF2B5EF4-FFF2-40B4-BE49-F238E27FC236}">
+                <a16:creationId xmlns:a16="http://schemas.microsoft.com/office/drawing/2014/main" id="{2FFF1BF7-4939-F1C0-F776-656E4923C074}"/>
+              </a:ext>
+            </a:extLst>
+          </p:cNvPr>
+          <p:cNvSpPr>
+            <a:spLocks noGrp="1"/>
+          </p:cNvSpPr>
+          <p:nvPr>
+            <p:ph idx="1"/>
+          </p:nvPr>
+        </p:nvSpPr>
+        <p:spPr>
+          <a:xfrm>
+            <a:off x="695193" y="1478843"/>
+            <a:ext cx="3839229" cy="4558702"/>
+          </a:xfrm>
+        </p:spPr>
+        <p:txBody>
+          <a:bodyPr>
+            <a:normAutofit fontScale="92500" lnSpcReduction="10000"/>
+          </a:bodyPr>
+          <a:lstStyle/>
+          <a:p>
+            <a:r>
+              <a:rPr lang="en-US" dirty="0"/>
+              <a:t>The fig shows the chances of default across the “grade” categories</a:t>
+            </a:r>
+          </a:p>
+          <a:p>
+            <a:r>
+              <a:rPr lang="en-US" dirty="0"/>
+              <a:t>For Ex: more than 30% of loans in grade G end up in defaulting</a:t>
+            </a:r>
+          </a:p>
+          <a:p>
+            <a:r>
+              <a:rPr lang="en-US" dirty="0"/>
+              <a:t>This helps the company to manage their portfolio by not allocating a high number of loans in the high risk “grade” categories </a:t>
+            </a:r>
+          </a:p>
+          <a:p>
+            <a:endParaRPr lang="en-US" dirty="0"/>
+          </a:p>
+        </p:txBody>
+      </p:sp>
+      <p:pic>
+        <p:nvPicPr>
+          <p:cNvPr id="2" name="Picture 1">
+            <a:extLst>
+              <a:ext uri="{FF2B5EF4-FFF2-40B4-BE49-F238E27FC236}">
+                <a16:creationId xmlns:a16="http://schemas.microsoft.com/office/drawing/2014/main" id="{48890DF0-B02E-7911-C754-99631D673618}"/>
+              </a:ext>
+            </a:extLst>
+          </p:cNvPr>
+          <p:cNvPicPr>
+            <a:picLocks noChangeAspect="1"/>
+          </p:cNvPicPr>
+          <p:nvPr/>
+        </p:nvPicPr>
+        <p:blipFill>
+          <a:blip r:embed="rId2"/>
+          <a:stretch>
+            <a:fillRect/>
+          </a:stretch>
+        </p:blipFill>
+        <p:spPr>
+          <a:xfrm>
+            <a:off x="4419600" y="1251220"/>
+            <a:ext cx="7772400" cy="3106371"/>
+          </a:xfrm>
+          <a:prstGeom prst="rect">
+            <a:avLst/>
+          </a:prstGeom>
+        </p:spPr>
+      </p:pic>
+    </p:spTree>
+    <p:extLst>
+      <p:ext uri="{BB962C8B-B14F-4D97-AF65-F5344CB8AC3E}">
+        <p14:creationId xmlns:p14="http://schemas.microsoft.com/office/powerpoint/2010/main" val="2317690855"/>
+      </p:ext>
+    </p:extLst>
+  </p:cSld>
+  <p:clrMapOvr>
+    <a:masterClrMapping/>
+  </p:clrMapOvr>
+</p:sld>
+</file>
+
+<file path=ppt/slides/slide7.xml><?xml version="1.0" encoding="utf-8"?>
+<p:sld xmlns:a="http://schemas.openxmlformats.org/drawingml/2006/main" xmlns:r="http://schemas.openxmlformats.org/officeDocument/2006/relationships" xmlns:p="http://schemas.openxmlformats.org/presentationml/2006/main">
+  <p:cSld>
+    <p:spTree>
+      <p:nvGrpSpPr>
+        <p:cNvPr id="1" name=""/>
+        <p:cNvGrpSpPr/>
+        <p:nvPr/>
+      </p:nvGrpSpPr>
+      <p:grpSpPr>
+        <a:xfrm>
+          <a:off x="0" y="0"/>
+          <a:ext cx="0" cy="0"/>
+          <a:chOff x="0" y="0"/>
+          <a:chExt cx="0" cy="0"/>
+        </a:xfrm>
+      </p:grpSpPr>
+      <p:sp>
+        <p:nvSpPr>
+          <p:cNvPr id="7" name="Title 1">
+            <a:extLst>
+              <a:ext uri="{FF2B5EF4-FFF2-40B4-BE49-F238E27FC236}">
+                <a16:creationId xmlns:a16="http://schemas.microsoft.com/office/drawing/2014/main" id="{E6427DA3-4F5B-23BB-32EC-9EE25EBF4FA7}"/>
+              </a:ext>
+            </a:extLst>
+          </p:cNvPr>
+          <p:cNvSpPr>
+            <a:spLocks noGrp="1"/>
+          </p:cNvSpPr>
+          <p:nvPr>
+            <p:ph type="title"/>
+          </p:nvPr>
+        </p:nvSpPr>
+        <p:spPr>
+          <a:xfrm>
+            <a:off x="695193" y="315021"/>
+            <a:ext cx="10515600" cy="1325563"/>
+          </a:xfrm>
+        </p:spPr>
+        <p:txBody>
+          <a:bodyPr/>
+          <a:lstStyle/>
+          <a:p>
+            <a:r>
+              <a:rPr lang="en-US" dirty="0"/>
+              <a:t>Conclusion</a:t>
+            </a:r>
+          </a:p>
+        </p:txBody>
+      </p:sp>
+      <p:sp>
+        <p:nvSpPr>
+          <p:cNvPr id="10" name="Content Placeholder 9">
+            <a:extLst>
+              <a:ext uri="{FF2B5EF4-FFF2-40B4-BE49-F238E27FC236}">
+                <a16:creationId xmlns:a16="http://schemas.microsoft.com/office/drawing/2014/main" id="{2FFF1BF7-4939-F1C0-F776-656E4923C074}"/>
+              </a:ext>
+            </a:extLst>
+          </p:cNvPr>
+          <p:cNvSpPr>
+            <a:spLocks noGrp="1"/>
+          </p:cNvSpPr>
+          <p:nvPr>
+            <p:ph idx="1"/>
+          </p:nvPr>
+        </p:nvSpPr>
+        <p:spPr>
+          <a:xfrm>
+            <a:off x="695194" y="1478843"/>
+            <a:ext cx="3025036" cy="4558702"/>
+          </a:xfrm>
+        </p:spPr>
+        <p:txBody>
+          <a:bodyPr>
+            <a:normAutofit fontScale="77500" lnSpcReduction="20000"/>
+          </a:bodyPr>
+          <a:lstStyle/>
+          <a:p>
+            <a:r>
+              <a:rPr lang="en-US" dirty="0"/>
+              <a:t>The fig shows the chances of default across the “</a:t>
+            </a:r>
+            <a:r>
+              <a:rPr lang="en-US" dirty="0" err="1"/>
+              <a:t>sub_grade</a:t>
+            </a:r>
+            <a:r>
+              <a:rPr lang="en-US" dirty="0"/>
+              <a:t>” categories</a:t>
+            </a:r>
+          </a:p>
+          <a:p>
+            <a:r>
+              <a:rPr lang="en-US" dirty="0"/>
+              <a:t>For Ex: more than 40% of loans in </a:t>
+            </a:r>
+            <a:r>
+              <a:rPr lang="en-US" dirty="0" err="1"/>
+              <a:t>sub_grade</a:t>
+            </a:r>
+            <a:r>
+              <a:rPr lang="en-US" dirty="0"/>
+              <a:t> F5 &amp; G5 end up in defaulting</a:t>
+            </a:r>
+          </a:p>
+          <a:p>
+            <a:r>
+              <a:rPr lang="en-US" dirty="0"/>
+              <a:t>This helps the company to manage their portfolio by not allocating a high number of loans in the high risk “</a:t>
+            </a:r>
+            <a:r>
+              <a:rPr lang="en-US" dirty="0" err="1"/>
+              <a:t>sub_grade</a:t>
+            </a:r>
+            <a:r>
+              <a:rPr lang="en-US" dirty="0"/>
+              <a:t>” categories </a:t>
+            </a:r>
+          </a:p>
+          <a:p>
+            <a:endParaRPr lang="en-US" dirty="0"/>
+          </a:p>
+        </p:txBody>
+      </p:sp>
+      <p:pic>
+        <p:nvPicPr>
+          <p:cNvPr id="3" name="Picture 2">
+            <a:extLst>
+              <a:ext uri="{FF2B5EF4-FFF2-40B4-BE49-F238E27FC236}">
+                <a16:creationId xmlns:a16="http://schemas.microsoft.com/office/drawing/2014/main" id="{27B76326-7355-8154-A0AF-CE839A4BAC6A}"/>
+              </a:ext>
+            </a:extLst>
+          </p:cNvPr>
+          <p:cNvPicPr>
+            <a:picLocks noChangeAspect="1"/>
+          </p:cNvPicPr>
+          <p:nvPr/>
+        </p:nvPicPr>
+        <p:blipFill>
+          <a:blip r:embed="rId2"/>
+          <a:stretch>
+            <a:fillRect/>
+          </a:stretch>
+        </p:blipFill>
+        <p:spPr>
+          <a:xfrm>
+            <a:off x="3720230" y="1618953"/>
+            <a:ext cx="8384088" cy="3385747"/>
+          </a:xfrm>
+          <a:prstGeom prst="rect">
+            <a:avLst/>
+          </a:prstGeom>
+        </p:spPr>
+      </p:pic>
+    </p:spTree>
+    <p:extLst>
+      <p:ext uri="{BB962C8B-B14F-4D97-AF65-F5344CB8AC3E}">
+        <p14:creationId xmlns:p14="http://schemas.microsoft.com/office/powerpoint/2010/main" val="1931364037"/>
+      </p:ext>
+    </p:extLst>
+  </p:cSld>
+  <p:clrMapOvr>
+    <a:masterClrMapping/>
+  </p:clrMapOvr>
+</p:sld>
+</file>
+
+<file path=ppt/slides/slide8.xml><?xml version="1.0" encoding="utf-8"?>
+<p:sld xmlns:a="http://schemas.openxmlformats.org/drawingml/2006/main" xmlns:r="http://schemas.openxmlformats.org/officeDocument/2006/relationships" xmlns:p="http://schemas.openxmlformats.org/presentationml/2006/main">
+  <p:cSld>
+    <p:spTree>
+      <p:nvGrpSpPr>
+        <p:cNvPr id="1" name=""/>
+        <p:cNvGrpSpPr/>
+        <p:nvPr/>
+      </p:nvGrpSpPr>
+      <p:grpSpPr>
+        <a:xfrm>
+          <a:off x="0" y="0"/>
+          <a:ext cx="0" cy="0"/>
+          <a:chOff x="0" y="0"/>
+          <a:chExt cx="0" cy="0"/>
+        </a:xfrm>
+      </p:grpSpPr>
+      <p:sp>
+        <p:nvSpPr>
+          <p:cNvPr id="7" name="Title 1">
+            <a:extLst>
+              <a:ext uri="{FF2B5EF4-FFF2-40B4-BE49-F238E27FC236}">
+                <a16:creationId xmlns:a16="http://schemas.microsoft.com/office/drawing/2014/main" id="{E6427DA3-4F5B-23BB-32EC-9EE25EBF4FA7}"/>
+              </a:ext>
+            </a:extLst>
+          </p:cNvPr>
+          <p:cNvSpPr>
+            <a:spLocks noGrp="1"/>
+          </p:cNvSpPr>
+          <p:nvPr>
+            <p:ph type="title"/>
+          </p:nvPr>
+        </p:nvSpPr>
+        <p:spPr>
+          <a:xfrm>
+            <a:off x="695193" y="315021"/>
+            <a:ext cx="10515600" cy="1325563"/>
+          </a:xfrm>
+        </p:spPr>
+        <p:txBody>
+          <a:bodyPr/>
+          <a:lstStyle/>
+          <a:p>
+            <a:r>
+              <a:rPr lang="en-US" dirty="0"/>
+              <a:t>Conclusion</a:t>
+            </a:r>
+          </a:p>
+        </p:txBody>
+      </p:sp>
+      <p:sp>
+        <p:nvSpPr>
+          <p:cNvPr id="10" name="Content Placeholder 9">
+            <a:extLst>
+              <a:ext uri="{FF2B5EF4-FFF2-40B4-BE49-F238E27FC236}">
+                <a16:creationId xmlns:a16="http://schemas.microsoft.com/office/drawing/2014/main" id="{2FFF1BF7-4939-F1C0-F776-656E4923C074}"/>
+              </a:ext>
+            </a:extLst>
+          </p:cNvPr>
+          <p:cNvSpPr>
+            <a:spLocks noGrp="1"/>
+          </p:cNvSpPr>
+          <p:nvPr>
+            <p:ph idx="1"/>
+          </p:nvPr>
+        </p:nvSpPr>
+        <p:spPr>
+          <a:xfrm>
+            <a:off x="695192" y="1478843"/>
+            <a:ext cx="5617925" cy="4558702"/>
+          </a:xfrm>
+        </p:spPr>
+        <p:txBody>
+          <a:bodyPr>
+            <a:normAutofit fontScale="85000" lnSpcReduction="10000"/>
+          </a:bodyPr>
+          <a:lstStyle/>
+          <a:p>
+            <a:r>
+              <a:rPr lang="en-US" dirty="0"/>
+              <a:t>Business Driven Metric – EMI_BURDEN</a:t>
+            </a:r>
+          </a:p>
+          <a:p>
+            <a:r>
+              <a:rPr lang="en-US" dirty="0"/>
+              <a:t>The medians of the calculated </a:t>
+            </a:r>
+            <a:r>
+              <a:rPr lang="en-US" dirty="0" err="1"/>
+              <a:t>emi_burden</a:t>
+            </a:r>
+            <a:r>
+              <a:rPr lang="en-US" dirty="0"/>
+              <a:t> are ”173” &amp; “205” for “Charged Off &amp; “Fully Paid” respectively.</a:t>
+            </a:r>
+          </a:p>
+          <a:p>
+            <a:r>
+              <a:rPr lang="en-US" dirty="0"/>
+              <a:t>Fully paid loans have much higher </a:t>
+            </a:r>
+            <a:r>
+              <a:rPr lang="en-US" dirty="0" err="1"/>
+              <a:t>emi_burden</a:t>
+            </a:r>
+            <a:r>
+              <a:rPr lang="en-US" dirty="0"/>
+              <a:t> values than that of defaults </a:t>
+            </a:r>
+          </a:p>
+          <a:p>
+            <a:r>
+              <a:rPr lang="en-US" dirty="0"/>
+              <a:t>The derived metric helps in predicting defaults at the time of approval</a:t>
+            </a:r>
+          </a:p>
+          <a:p>
+            <a:r>
+              <a:rPr lang="en-US" dirty="0"/>
+              <a:t>Note: The metric must be used with caution. An increase/decrease in </a:t>
+            </a:r>
+            <a:r>
+              <a:rPr lang="en-US" dirty="0" err="1"/>
+              <a:t>annual_inc</a:t>
+            </a:r>
+            <a:r>
+              <a:rPr lang="en-US" dirty="0"/>
+              <a:t> during the term can greatly affect its importance</a:t>
+            </a:r>
+          </a:p>
+        </p:txBody>
+      </p:sp>
+      <p:pic>
+        <p:nvPicPr>
+          <p:cNvPr id="2" name="Picture 1">
+            <a:extLst>
+              <a:ext uri="{FF2B5EF4-FFF2-40B4-BE49-F238E27FC236}">
+                <a16:creationId xmlns:a16="http://schemas.microsoft.com/office/drawing/2014/main" id="{CE040370-F5C2-3F72-3894-E7A213F95403}"/>
+              </a:ext>
+            </a:extLst>
+          </p:cNvPr>
+          <p:cNvPicPr>
+            <a:picLocks noChangeAspect="1"/>
+          </p:cNvPicPr>
+          <p:nvPr/>
+        </p:nvPicPr>
+        <p:blipFill>
+          <a:blip r:embed="rId2"/>
+          <a:stretch>
+            <a:fillRect/>
+          </a:stretch>
+        </p:blipFill>
+        <p:spPr>
+          <a:xfrm>
+            <a:off x="6605069" y="2076575"/>
+            <a:ext cx="4252909" cy="2704850"/>
+          </a:xfrm>
+          <a:prstGeom prst="rect">
+            <a:avLst/>
+          </a:prstGeom>
+        </p:spPr>
+      </p:pic>
+    </p:spTree>
+    <p:extLst>
+      <p:ext uri="{BB962C8B-B14F-4D97-AF65-F5344CB8AC3E}">
+        <p14:creationId xmlns:p14="http://schemas.microsoft.com/office/powerpoint/2010/main" val="2714729283"/>
+      </p:ext>
+    </p:extLst>
+  </p:cSld>
+  <p:clrMapOvr>
+    <a:masterClrMapping/>
+  </p:clrMapOvr>
+</p:sld>
+</file>
+
+<file path=ppt/slides/slide9.xml><?xml version="1.0" encoding="utf-8"?>
+<p:sld xmlns:a="http://schemas.openxmlformats.org/drawingml/2006/main" xmlns:r="http://schemas.openxmlformats.org/officeDocument/2006/relationships" xmlns:p="http://schemas.openxmlformats.org/presentationml/2006/main">
+  <p:cSld>
+    <p:spTree>
+      <p:nvGrpSpPr>
+        <p:cNvPr id="1" name=""/>
+        <p:cNvGrpSpPr/>
+        <p:nvPr/>
+      </p:nvGrpSpPr>
+      <p:grpSpPr>
+        <a:xfrm>
+          <a:off x="0" y="0"/>
+          <a:ext cx="0" cy="0"/>
+          <a:chOff x="0" y="0"/>
+          <a:chExt cx="0" cy="0"/>
+        </a:xfrm>
+      </p:grpSpPr>
+      <p:sp>
+        <p:nvSpPr>
+          <p:cNvPr id="2" name="Title 1">
+            <a:extLst>
+              <a:ext uri="{FF2B5EF4-FFF2-40B4-BE49-F238E27FC236}">
+                <a16:creationId xmlns:a16="http://schemas.microsoft.com/office/drawing/2014/main" id="{22B331C4-56D0-735C-0FB9-B5B4009756BB}"/>
+              </a:ext>
+            </a:extLst>
+          </p:cNvPr>
+          <p:cNvSpPr>
+            <a:spLocks noGrp="1"/>
+          </p:cNvSpPr>
+          <p:nvPr>
+            <p:ph type="title"/>
+          </p:nvPr>
+        </p:nvSpPr>
+        <p:spPr/>
+        <p:txBody>
+          <a:bodyPr/>
+          <a:lstStyle/>
+          <a:p>
+            <a:r>
+              <a:rPr lang="en-US" dirty="0" err="1"/>
+              <a:t>Loan_amnt</a:t>
+            </a:r>
+            <a:r>
+              <a:rPr lang="en-US" dirty="0"/>
+              <a:t>/</a:t>
+            </a:r>
+            <a:r>
+              <a:rPr lang="en-US" dirty="0" err="1"/>
+              <a:t>int_rate</a:t>
+            </a:r>
+            <a:r>
+              <a:rPr lang="en-US" dirty="0"/>
+              <a:t> across </a:t>
+            </a:r>
+            <a:r>
+              <a:rPr lang="en-US" dirty="0" err="1"/>
+              <a:t>addr_state</a:t>
+            </a:r>
+            <a:endParaRPr lang="en-US" dirty="0"/>
+          </a:p>
+        </p:txBody>
+      </p:sp>
+      <p:pic>
+        <p:nvPicPr>
+          <p:cNvPr id="4" name="Content Placeholder 3">
+            <a:extLst>
+              <a:ext uri="{FF2B5EF4-FFF2-40B4-BE49-F238E27FC236}">
+                <a16:creationId xmlns:a16="http://schemas.microsoft.com/office/drawing/2014/main" id="{D94688CC-CC5A-ADF9-1C05-8A91457DEA4F}"/>
+              </a:ext>
+            </a:extLst>
+          </p:cNvPr>
+          <p:cNvPicPr>
+            <a:picLocks noGrp="1" noChangeAspect="1"/>
+          </p:cNvPicPr>
+          <p:nvPr>
+            <p:ph idx="1"/>
+          </p:nvPr>
+        </p:nvPicPr>
+        <p:blipFill>
+          <a:blip r:embed="rId2"/>
+          <a:stretch>
+            <a:fillRect/>
+          </a:stretch>
+        </p:blipFill>
+        <p:spPr>
+          <a:xfrm>
+            <a:off x="125260" y="1271410"/>
+            <a:ext cx="7621044" cy="3027020"/>
+          </a:xfrm>
+          <a:prstGeom prst="rect">
+            <a:avLst/>
+          </a:prstGeom>
+        </p:spPr>
+      </p:pic>
+      <p:pic>
+        <p:nvPicPr>
+          <p:cNvPr id="5" name="Picture 4">
+            <a:extLst>
+              <a:ext uri="{FF2B5EF4-FFF2-40B4-BE49-F238E27FC236}">
+                <a16:creationId xmlns:a16="http://schemas.microsoft.com/office/drawing/2014/main" id="{C54B1FB4-AC29-C825-B70C-BE13A80DA581}"/>
+              </a:ext>
+            </a:extLst>
+          </p:cNvPr>
+          <p:cNvPicPr>
+            <a:picLocks noChangeAspect="1"/>
+          </p:cNvPicPr>
+          <p:nvPr/>
+        </p:nvPicPr>
+        <p:blipFill>
+          <a:blip r:embed="rId3"/>
+          <a:stretch>
+            <a:fillRect/>
+          </a:stretch>
+        </p:blipFill>
+        <p:spPr>
+          <a:xfrm>
+            <a:off x="4101230" y="3429000"/>
+            <a:ext cx="7772400" cy="3136345"/>
+          </a:xfrm>
+          <a:prstGeom prst="rect">
+            <a:avLst/>
+          </a:prstGeom>
+        </p:spPr>
+      </p:pic>
+    </p:spTree>
+    <p:extLst>
+      <p:ext uri="{BB962C8B-B14F-4D97-AF65-F5344CB8AC3E}">
+        <p14:creationId xmlns:p14="http://schemas.microsoft.com/office/powerpoint/2010/main" val="1698439335"/>
       </p:ext>
     </p:extLst>
   </p:cSld>

--- a/Insights.pptx
+++ b/Insights.pptx
@@ -2,7 +2,7 @@
 <file path=ppt/presentation.xml><?xml version="1.0" encoding="utf-8"?>
 <p:presentation xmlns:a="http://schemas.openxmlformats.org/drawingml/2006/main" xmlns:r="http://schemas.openxmlformats.org/officeDocument/2006/relationships" xmlns:p="http://schemas.openxmlformats.org/presentationml/2006/main" saveSubsetFonts="1" autoCompressPictures="0">
   <p:sldMasterIdLst>
-    <p:sldMasterId id="2147483648" r:id="rId1"/>
+    <p:sldMasterId id="2147483672" r:id="rId1"/>
   </p:sldMasterIdLst>
   <p:sldIdLst>
     <p:sldId id="256" r:id="rId2"/>
@@ -16,13 +16,13 @@
     <p:sldId id="258" r:id="rId10"/>
     <p:sldId id="259" r:id="rId11"/>
   </p:sldIdLst>
-  <p:sldSz cx="12192000" cy="6858000"/>
+  <p:sldSz cx="9906000" cy="6858000" type="A4"/>
   <p:notesSz cx="6858000" cy="9144000"/>
   <p:defaultTextStyle>
     <a:defPPr>
       <a:defRPr lang="en-US"/>
     </a:defPPr>
-    <a:lvl1pPr marL="0" algn="l" defTabSz="914400" rtl="0" eaLnBrk="1" latinLnBrk="0" hangingPunct="1">
+    <a:lvl1pPr marL="0" algn="l" defTabSz="457200" rtl="0" eaLnBrk="1" latinLnBrk="0" hangingPunct="1">
       <a:defRPr sz="1800" kern="1200">
         <a:solidFill>
           <a:schemeClr val="tx1"/>
@@ -32,7 +32,7 @@
         <a:cs typeface="+mn-cs"/>
       </a:defRPr>
     </a:lvl1pPr>
-    <a:lvl2pPr marL="457200" algn="l" defTabSz="914400" rtl="0" eaLnBrk="1" latinLnBrk="0" hangingPunct="1">
+    <a:lvl2pPr marL="457200" algn="l" defTabSz="457200" rtl="0" eaLnBrk="1" latinLnBrk="0" hangingPunct="1">
       <a:defRPr sz="1800" kern="1200">
         <a:solidFill>
           <a:schemeClr val="tx1"/>
@@ -42,7 +42,7 @@
         <a:cs typeface="+mn-cs"/>
       </a:defRPr>
     </a:lvl2pPr>
-    <a:lvl3pPr marL="914400" algn="l" defTabSz="914400" rtl="0" eaLnBrk="1" latinLnBrk="0" hangingPunct="1">
+    <a:lvl3pPr marL="914400" algn="l" defTabSz="457200" rtl="0" eaLnBrk="1" latinLnBrk="0" hangingPunct="1">
       <a:defRPr sz="1800" kern="1200">
         <a:solidFill>
           <a:schemeClr val="tx1"/>
@@ -52,7 +52,7 @@
         <a:cs typeface="+mn-cs"/>
       </a:defRPr>
     </a:lvl3pPr>
-    <a:lvl4pPr marL="1371600" algn="l" defTabSz="914400" rtl="0" eaLnBrk="1" latinLnBrk="0" hangingPunct="1">
+    <a:lvl4pPr marL="1371600" algn="l" defTabSz="457200" rtl="0" eaLnBrk="1" latinLnBrk="0" hangingPunct="1">
       <a:defRPr sz="1800" kern="1200">
         <a:solidFill>
           <a:schemeClr val="tx1"/>
@@ -62,7 +62,7 @@
         <a:cs typeface="+mn-cs"/>
       </a:defRPr>
     </a:lvl4pPr>
-    <a:lvl5pPr marL="1828800" algn="l" defTabSz="914400" rtl="0" eaLnBrk="1" latinLnBrk="0" hangingPunct="1">
+    <a:lvl5pPr marL="1828800" algn="l" defTabSz="457200" rtl="0" eaLnBrk="1" latinLnBrk="0" hangingPunct="1">
       <a:defRPr sz="1800" kern="1200">
         <a:solidFill>
           <a:schemeClr val="tx1"/>
@@ -72,7 +72,7 @@
         <a:cs typeface="+mn-cs"/>
       </a:defRPr>
     </a:lvl5pPr>
-    <a:lvl6pPr marL="2286000" algn="l" defTabSz="914400" rtl="0" eaLnBrk="1" latinLnBrk="0" hangingPunct="1">
+    <a:lvl6pPr marL="2286000" algn="l" defTabSz="457200" rtl="0" eaLnBrk="1" latinLnBrk="0" hangingPunct="1">
       <a:defRPr sz="1800" kern="1200">
         <a:solidFill>
           <a:schemeClr val="tx1"/>
@@ -82,7 +82,7 @@
         <a:cs typeface="+mn-cs"/>
       </a:defRPr>
     </a:lvl6pPr>
-    <a:lvl7pPr marL="2743200" algn="l" defTabSz="914400" rtl="0" eaLnBrk="1" latinLnBrk="0" hangingPunct="1">
+    <a:lvl7pPr marL="2743200" algn="l" defTabSz="457200" rtl="0" eaLnBrk="1" latinLnBrk="0" hangingPunct="1">
       <a:defRPr sz="1800" kern="1200">
         <a:solidFill>
           <a:schemeClr val="tx1"/>
@@ -92,7 +92,7 @@
         <a:cs typeface="+mn-cs"/>
       </a:defRPr>
     </a:lvl7pPr>
-    <a:lvl8pPr marL="3200400" algn="l" defTabSz="914400" rtl="0" eaLnBrk="1" latinLnBrk="0" hangingPunct="1">
+    <a:lvl8pPr marL="3200400" algn="l" defTabSz="457200" rtl="0" eaLnBrk="1" latinLnBrk="0" hangingPunct="1">
       <a:defRPr sz="1800" kern="1200">
         <a:solidFill>
           <a:schemeClr val="tx1"/>
@@ -102,7 +102,7 @@
         <a:cs typeface="+mn-cs"/>
       </a:defRPr>
     </a:lvl8pPr>
-    <a:lvl9pPr marL="3657600" algn="l" defTabSz="914400" rtl="0" eaLnBrk="1" latinLnBrk="0" hangingPunct="1">
+    <a:lvl9pPr marL="3657600" algn="l" defTabSz="457200" rtl="0" eaLnBrk="1" latinLnBrk="0" hangingPunct="1">
       <a:defRPr sz="1800" kern="1200">
         <a:solidFill>
           <a:schemeClr val="tx1"/>
@@ -135,13 +135,7 @@
       </p:grpSpPr>
       <p:sp>
         <p:nvSpPr>
-          <p:cNvPr id="2" name="Title 1">
-            <a:extLst>
-              <a:ext uri="{FF2B5EF4-FFF2-40B4-BE49-F238E27FC236}">
-                <a16:creationId xmlns:a16="http://schemas.microsoft.com/office/drawing/2014/main" id="{4A44A758-B3CB-A2FE-343F-96F0CF9249AE}"/>
-              </a:ext>
-            </a:extLst>
-          </p:cNvPr>
+          <p:cNvPr id="2" name="Title 1"/>
           <p:cNvSpPr>
             <a:spLocks noGrp="1"/>
           </p:cNvSpPr>
@@ -151,8 +145,8 @@
         </p:nvSpPr>
         <p:spPr>
           <a:xfrm>
-            <a:off x="1524000" y="1122363"/>
-            <a:ext cx="9144000" cy="2387600"/>
+            <a:off x="742950" y="1122363"/>
+            <a:ext cx="8420100" cy="2387600"/>
           </a:xfrm>
         </p:spPr>
         <p:txBody>
@@ -167,19 +161,13 @@
               <a:rPr lang="en-GB"/>
               <a:t>Click to edit Master title style</a:t>
             </a:r>
-            <a:endParaRPr lang="en-US"/>
-          </a:p>
-        </p:txBody>
-      </p:sp>
-      <p:sp>
-        <p:nvSpPr>
-          <p:cNvPr id="3" name="Subtitle 2">
-            <a:extLst>
-              <a:ext uri="{FF2B5EF4-FFF2-40B4-BE49-F238E27FC236}">
-                <a16:creationId xmlns:a16="http://schemas.microsoft.com/office/drawing/2014/main" id="{3B642D12-A222-6D5B-D03B-282D3A0ED3B6}"/>
-              </a:ext>
-            </a:extLst>
-          </p:cNvPr>
+            <a:endParaRPr lang="en-US" dirty="0"/>
+          </a:p>
+        </p:txBody>
+      </p:sp>
+      <p:sp>
+        <p:nvSpPr>
+          <p:cNvPr id="3" name="Subtitle 2"/>
           <p:cNvSpPr>
             <a:spLocks noGrp="1"/>
           </p:cNvSpPr>
@@ -189,8 +177,8 @@
         </p:nvSpPr>
         <p:spPr>
           <a:xfrm>
-            <a:off x="1524000" y="3602038"/>
-            <a:ext cx="9144000" cy="1655762"/>
+            <a:off x="1238250" y="3602038"/>
+            <a:ext cx="7429500" cy="1655762"/>
           </a:xfrm>
         </p:spPr>
         <p:txBody>
@@ -238,19 +226,13 @@
               <a:rPr lang="en-GB"/>
               <a:t>Click to edit Master subtitle style</a:t>
             </a:r>
-            <a:endParaRPr lang="en-US"/>
-          </a:p>
-        </p:txBody>
-      </p:sp>
-      <p:sp>
-        <p:nvSpPr>
-          <p:cNvPr id="4" name="Date Placeholder 3">
-            <a:extLst>
-              <a:ext uri="{FF2B5EF4-FFF2-40B4-BE49-F238E27FC236}">
-                <a16:creationId xmlns:a16="http://schemas.microsoft.com/office/drawing/2014/main" id="{D5F18D8C-D456-6C57-6867-4B3A5F681BFD}"/>
-              </a:ext>
-            </a:extLst>
-          </p:cNvPr>
+            <a:endParaRPr lang="en-US" dirty="0"/>
+          </a:p>
+        </p:txBody>
+      </p:sp>
+      <p:sp>
+        <p:nvSpPr>
+          <p:cNvPr id="4" name="Date Placeholder 3"/>
           <p:cNvSpPr>
             <a:spLocks noGrp="1"/>
           </p:cNvSpPr>
@@ -273,13 +255,7 @@
       </p:sp>
       <p:sp>
         <p:nvSpPr>
-          <p:cNvPr id="5" name="Footer Placeholder 4">
-            <a:extLst>
-              <a:ext uri="{FF2B5EF4-FFF2-40B4-BE49-F238E27FC236}">
-                <a16:creationId xmlns:a16="http://schemas.microsoft.com/office/drawing/2014/main" id="{6C4A884C-501B-1A89-7EB1-2C34F4E89B60}"/>
-              </a:ext>
-            </a:extLst>
-          </p:cNvPr>
+          <p:cNvPr id="5" name="Footer Placeholder 4"/>
           <p:cNvSpPr>
             <a:spLocks noGrp="1"/>
           </p:cNvSpPr>
@@ -298,13 +274,7 @@
       </p:sp>
       <p:sp>
         <p:nvSpPr>
-          <p:cNvPr id="6" name="Slide Number Placeholder 5">
-            <a:extLst>
-              <a:ext uri="{FF2B5EF4-FFF2-40B4-BE49-F238E27FC236}">
-                <a16:creationId xmlns:a16="http://schemas.microsoft.com/office/drawing/2014/main" id="{E4FAEA9B-900B-07A0-E4F8-C72A0DC53AAC}"/>
-              </a:ext>
-            </a:extLst>
-          </p:cNvPr>
+          <p:cNvPr id="6" name="Slide Number Placeholder 5"/>
           <p:cNvSpPr>
             <a:spLocks noGrp="1"/>
           </p:cNvSpPr>
@@ -328,7 +298,7 @@
     </p:spTree>
     <p:extLst>
       <p:ext uri="{BB962C8B-B14F-4D97-AF65-F5344CB8AC3E}">
-        <p14:creationId xmlns:p14="http://schemas.microsoft.com/office/powerpoint/2010/main" val="2871002345"/>
+        <p14:creationId xmlns:p14="http://schemas.microsoft.com/office/powerpoint/2010/main" val="1582449817"/>
       </p:ext>
     </p:extLst>
   </p:cSld>
@@ -357,13 +327,7 @@
       </p:grpSpPr>
       <p:sp>
         <p:nvSpPr>
-          <p:cNvPr id="2" name="Title 1">
-            <a:extLst>
-              <a:ext uri="{FF2B5EF4-FFF2-40B4-BE49-F238E27FC236}">
-                <a16:creationId xmlns:a16="http://schemas.microsoft.com/office/drawing/2014/main" id="{CBEA8612-4A5F-9910-A4FF-7EC3EA245A95}"/>
-              </a:ext>
-            </a:extLst>
-          </p:cNvPr>
+          <p:cNvPr id="2" name="Title 1"/>
           <p:cNvSpPr>
             <a:spLocks noGrp="1"/>
           </p:cNvSpPr>
@@ -380,19 +344,13 @@
               <a:rPr lang="en-GB"/>
               <a:t>Click to edit Master title style</a:t>
             </a:r>
-            <a:endParaRPr lang="en-US"/>
-          </a:p>
-        </p:txBody>
-      </p:sp>
-      <p:sp>
-        <p:nvSpPr>
-          <p:cNvPr id="3" name="Vertical Text Placeholder 2">
-            <a:extLst>
-              <a:ext uri="{FF2B5EF4-FFF2-40B4-BE49-F238E27FC236}">
-                <a16:creationId xmlns:a16="http://schemas.microsoft.com/office/drawing/2014/main" id="{02D5B0B2-3381-4EE7-A6EC-403DCD9B4144}"/>
-              </a:ext>
-            </a:extLst>
-          </p:cNvPr>
+            <a:endParaRPr lang="en-US" dirty="0"/>
+          </a:p>
+        </p:txBody>
+      </p:sp>
+      <p:sp>
+        <p:nvSpPr>
+          <p:cNvPr id="3" name="Vertical Text Placeholder 2"/>
           <p:cNvSpPr>
             <a:spLocks noGrp="1"/>
           </p:cNvSpPr>
@@ -438,19 +396,13 @@
               <a:rPr lang="en-GB"/>
               <a:t>Fifth level</a:t>
             </a:r>
-            <a:endParaRPr lang="en-US"/>
-          </a:p>
-        </p:txBody>
-      </p:sp>
-      <p:sp>
-        <p:nvSpPr>
-          <p:cNvPr id="4" name="Date Placeholder 3">
-            <a:extLst>
-              <a:ext uri="{FF2B5EF4-FFF2-40B4-BE49-F238E27FC236}">
-                <a16:creationId xmlns:a16="http://schemas.microsoft.com/office/drawing/2014/main" id="{B6338AC1-EBBC-8A83-C5BC-923C1820A34F}"/>
-              </a:ext>
-            </a:extLst>
-          </p:cNvPr>
+            <a:endParaRPr lang="en-US" dirty="0"/>
+          </a:p>
+        </p:txBody>
+      </p:sp>
+      <p:sp>
+        <p:nvSpPr>
+          <p:cNvPr id="4" name="Date Placeholder 3"/>
           <p:cNvSpPr>
             <a:spLocks noGrp="1"/>
           </p:cNvSpPr>
@@ -473,13 +425,7 @@
       </p:sp>
       <p:sp>
         <p:nvSpPr>
-          <p:cNvPr id="5" name="Footer Placeholder 4">
-            <a:extLst>
-              <a:ext uri="{FF2B5EF4-FFF2-40B4-BE49-F238E27FC236}">
-                <a16:creationId xmlns:a16="http://schemas.microsoft.com/office/drawing/2014/main" id="{0F48EF0A-1EB5-9501-9411-FFA731D49037}"/>
-              </a:ext>
-            </a:extLst>
-          </p:cNvPr>
+          <p:cNvPr id="5" name="Footer Placeholder 4"/>
           <p:cNvSpPr>
             <a:spLocks noGrp="1"/>
           </p:cNvSpPr>
@@ -498,13 +444,7 @@
       </p:sp>
       <p:sp>
         <p:nvSpPr>
-          <p:cNvPr id="6" name="Slide Number Placeholder 5">
-            <a:extLst>
-              <a:ext uri="{FF2B5EF4-FFF2-40B4-BE49-F238E27FC236}">
-                <a16:creationId xmlns:a16="http://schemas.microsoft.com/office/drawing/2014/main" id="{C63AFDF5-A300-5FFB-439C-4533CD13460A}"/>
-              </a:ext>
-            </a:extLst>
-          </p:cNvPr>
+          <p:cNvPr id="6" name="Slide Number Placeholder 5"/>
           <p:cNvSpPr>
             <a:spLocks noGrp="1"/>
           </p:cNvSpPr>
@@ -528,7 +468,7 @@
     </p:spTree>
     <p:extLst>
       <p:ext uri="{BB962C8B-B14F-4D97-AF65-F5344CB8AC3E}">
-        <p14:creationId xmlns:p14="http://schemas.microsoft.com/office/powerpoint/2010/main" val="523293667"/>
+        <p14:creationId xmlns:p14="http://schemas.microsoft.com/office/powerpoint/2010/main" val="1630591258"/>
       </p:ext>
     </p:extLst>
   </p:cSld>
@@ -557,13 +497,7 @@
       </p:grpSpPr>
       <p:sp>
         <p:nvSpPr>
-          <p:cNvPr id="2" name="Vertical Title 1">
-            <a:extLst>
-              <a:ext uri="{FF2B5EF4-FFF2-40B4-BE49-F238E27FC236}">
-                <a16:creationId xmlns:a16="http://schemas.microsoft.com/office/drawing/2014/main" id="{7FE45E5A-AA37-F14D-FDB9-2AD184FE2A32}"/>
-              </a:ext>
-            </a:extLst>
-          </p:cNvPr>
+          <p:cNvPr id="2" name="Vertical Title 1"/>
           <p:cNvSpPr>
             <a:spLocks noGrp="1"/>
           </p:cNvSpPr>
@@ -573,8 +507,8 @@
         </p:nvSpPr>
         <p:spPr>
           <a:xfrm>
-            <a:off x="8724900" y="365125"/>
-            <a:ext cx="2628900" cy="5811838"/>
+            <a:off x="7088982" y="365125"/>
+            <a:ext cx="2135981" cy="5811838"/>
           </a:xfrm>
         </p:spPr>
         <p:txBody>
@@ -585,19 +519,13 @@
               <a:rPr lang="en-GB"/>
               <a:t>Click to edit Master title style</a:t>
             </a:r>
-            <a:endParaRPr lang="en-US"/>
-          </a:p>
-        </p:txBody>
-      </p:sp>
-      <p:sp>
-        <p:nvSpPr>
-          <p:cNvPr id="3" name="Vertical Text Placeholder 2">
-            <a:extLst>
-              <a:ext uri="{FF2B5EF4-FFF2-40B4-BE49-F238E27FC236}">
-                <a16:creationId xmlns:a16="http://schemas.microsoft.com/office/drawing/2014/main" id="{9809AD12-C889-D2B2-5F92-71ABE42BDD67}"/>
-              </a:ext>
-            </a:extLst>
-          </p:cNvPr>
+            <a:endParaRPr lang="en-US" dirty="0"/>
+          </a:p>
+        </p:txBody>
+      </p:sp>
+      <p:sp>
+        <p:nvSpPr>
+          <p:cNvPr id="3" name="Vertical Text Placeholder 2"/>
           <p:cNvSpPr>
             <a:spLocks noGrp="1"/>
           </p:cNvSpPr>
@@ -607,8 +535,8 @@
         </p:nvSpPr>
         <p:spPr>
           <a:xfrm>
-            <a:off x="838200" y="365125"/>
-            <a:ext cx="7734300" cy="5811838"/>
+            <a:off x="681038" y="365125"/>
+            <a:ext cx="6284119" cy="5811838"/>
           </a:xfrm>
         </p:spPr>
         <p:txBody>
@@ -648,19 +576,13 @@
               <a:rPr lang="en-GB"/>
               <a:t>Fifth level</a:t>
             </a:r>
-            <a:endParaRPr lang="en-US"/>
-          </a:p>
-        </p:txBody>
-      </p:sp>
-      <p:sp>
-        <p:nvSpPr>
-          <p:cNvPr id="4" name="Date Placeholder 3">
-            <a:extLst>
-              <a:ext uri="{FF2B5EF4-FFF2-40B4-BE49-F238E27FC236}">
-                <a16:creationId xmlns:a16="http://schemas.microsoft.com/office/drawing/2014/main" id="{DA87A23A-3DB5-3373-9756-D039C7254A71}"/>
-              </a:ext>
-            </a:extLst>
-          </p:cNvPr>
+            <a:endParaRPr lang="en-US" dirty="0"/>
+          </a:p>
+        </p:txBody>
+      </p:sp>
+      <p:sp>
+        <p:nvSpPr>
+          <p:cNvPr id="4" name="Date Placeholder 3"/>
           <p:cNvSpPr>
             <a:spLocks noGrp="1"/>
           </p:cNvSpPr>
@@ -683,13 +605,7 @@
       </p:sp>
       <p:sp>
         <p:nvSpPr>
-          <p:cNvPr id="5" name="Footer Placeholder 4">
-            <a:extLst>
-              <a:ext uri="{FF2B5EF4-FFF2-40B4-BE49-F238E27FC236}">
-                <a16:creationId xmlns:a16="http://schemas.microsoft.com/office/drawing/2014/main" id="{52E1F91E-4062-9D53-CDC8-A12AC59E6B8B}"/>
-              </a:ext>
-            </a:extLst>
-          </p:cNvPr>
+          <p:cNvPr id="5" name="Footer Placeholder 4"/>
           <p:cNvSpPr>
             <a:spLocks noGrp="1"/>
           </p:cNvSpPr>
@@ -708,13 +624,7 @@
       </p:sp>
       <p:sp>
         <p:nvSpPr>
-          <p:cNvPr id="6" name="Slide Number Placeholder 5">
-            <a:extLst>
-              <a:ext uri="{FF2B5EF4-FFF2-40B4-BE49-F238E27FC236}">
-                <a16:creationId xmlns:a16="http://schemas.microsoft.com/office/drawing/2014/main" id="{2EEAE883-BB25-ECFF-7500-6E61DCD44CA2}"/>
-              </a:ext>
-            </a:extLst>
-          </p:cNvPr>
+          <p:cNvPr id="6" name="Slide Number Placeholder 5"/>
           <p:cNvSpPr>
             <a:spLocks noGrp="1"/>
           </p:cNvSpPr>
@@ -738,7 +648,7 @@
     </p:spTree>
     <p:extLst>
       <p:ext uri="{BB962C8B-B14F-4D97-AF65-F5344CB8AC3E}">
-        <p14:creationId xmlns:p14="http://schemas.microsoft.com/office/powerpoint/2010/main" val="3239501844"/>
+        <p14:creationId xmlns:p14="http://schemas.microsoft.com/office/powerpoint/2010/main" val="3335961884"/>
       </p:ext>
     </p:extLst>
   </p:cSld>
@@ -767,13 +677,7 @@
       </p:grpSpPr>
       <p:sp>
         <p:nvSpPr>
-          <p:cNvPr id="2" name="Title 1">
-            <a:extLst>
-              <a:ext uri="{FF2B5EF4-FFF2-40B4-BE49-F238E27FC236}">
-                <a16:creationId xmlns:a16="http://schemas.microsoft.com/office/drawing/2014/main" id="{7381B319-E363-54F5-18D4-8E3AEC2875D6}"/>
-              </a:ext>
-            </a:extLst>
-          </p:cNvPr>
+          <p:cNvPr id="2" name="Title 1"/>
           <p:cNvSpPr>
             <a:spLocks noGrp="1"/>
           </p:cNvSpPr>
@@ -790,19 +694,13 @@
               <a:rPr lang="en-GB"/>
               <a:t>Click to edit Master title style</a:t>
             </a:r>
-            <a:endParaRPr lang="en-US"/>
-          </a:p>
-        </p:txBody>
-      </p:sp>
-      <p:sp>
-        <p:nvSpPr>
-          <p:cNvPr id="3" name="Content Placeholder 2">
-            <a:extLst>
-              <a:ext uri="{FF2B5EF4-FFF2-40B4-BE49-F238E27FC236}">
-                <a16:creationId xmlns:a16="http://schemas.microsoft.com/office/drawing/2014/main" id="{2F1AA4D2-4730-91CB-52B2-CD28A585AB3C}"/>
-              </a:ext>
-            </a:extLst>
-          </p:cNvPr>
+            <a:endParaRPr lang="en-US" dirty="0"/>
+          </a:p>
+        </p:txBody>
+      </p:sp>
+      <p:sp>
+        <p:nvSpPr>
+          <p:cNvPr id="3" name="Content Placeholder 2"/>
           <p:cNvSpPr>
             <a:spLocks noGrp="1"/>
           </p:cNvSpPr>
@@ -848,19 +746,13 @@
               <a:rPr lang="en-GB"/>
               <a:t>Fifth level</a:t>
             </a:r>
-            <a:endParaRPr lang="en-US"/>
-          </a:p>
-        </p:txBody>
-      </p:sp>
-      <p:sp>
-        <p:nvSpPr>
-          <p:cNvPr id="4" name="Date Placeholder 3">
-            <a:extLst>
-              <a:ext uri="{FF2B5EF4-FFF2-40B4-BE49-F238E27FC236}">
-                <a16:creationId xmlns:a16="http://schemas.microsoft.com/office/drawing/2014/main" id="{9C42DA94-C8ED-2486-E247-1DC51D40B1AC}"/>
-              </a:ext>
-            </a:extLst>
-          </p:cNvPr>
+            <a:endParaRPr lang="en-US" dirty="0"/>
+          </a:p>
+        </p:txBody>
+      </p:sp>
+      <p:sp>
+        <p:nvSpPr>
+          <p:cNvPr id="4" name="Date Placeholder 3"/>
           <p:cNvSpPr>
             <a:spLocks noGrp="1"/>
           </p:cNvSpPr>
@@ -883,13 +775,7 @@
       </p:sp>
       <p:sp>
         <p:nvSpPr>
-          <p:cNvPr id="5" name="Footer Placeholder 4">
-            <a:extLst>
-              <a:ext uri="{FF2B5EF4-FFF2-40B4-BE49-F238E27FC236}">
-                <a16:creationId xmlns:a16="http://schemas.microsoft.com/office/drawing/2014/main" id="{5AD4CBD9-4389-5873-10F1-335FE3A947E4}"/>
-              </a:ext>
-            </a:extLst>
-          </p:cNvPr>
+          <p:cNvPr id="5" name="Footer Placeholder 4"/>
           <p:cNvSpPr>
             <a:spLocks noGrp="1"/>
           </p:cNvSpPr>
@@ -908,13 +794,7 @@
       </p:sp>
       <p:sp>
         <p:nvSpPr>
-          <p:cNvPr id="6" name="Slide Number Placeholder 5">
-            <a:extLst>
-              <a:ext uri="{FF2B5EF4-FFF2-40B4-BE49-F238E27FC236}">
-                <a16:creationId xmlns:a16="http://schemas.microsoft.com/office/drawing/2014/main" id="{9DB7796B-2F7D-293C-CA6B-E33900A0DDA0}"/>
-              </a:ext>
-            </a:extLst>
-          </p:cNvPr>
+          <p:cNvPr id="6" name="Slide Number Placeholder 5"/>
           <p:cNvSpPr>
             <a:spLocks noGrp="1"/>
           </p:cNvSpPr>
@@ -938,7 +818,7 @@
     </p:spTree>
     <p:extLst>
       <p:ext uri="{BB962C8B-B14F-4D97-AF65-F5344CB8AC3E}">
-        <p14:creationId xmlns:p14="http://schemas.microsoft.com/office/powerpoint/2010/main" val="3126846877"/>
+        <p14:creationId xmlns:p14="http://schemas.microsoft.com/office/powerpoint/2010/main" val="2089977037"/>
       </p:ext>
     </p:extLst>
   </p:cSld>
@@ -967,13 +847,7 @@
       </p:grpSpPr>
       <p:sp>
         <p:nvSpPr>
-          <p:cNvPr id="2" name="Title 1">
-            <a:extLst>
-              <a:ext uri="{FF2B5EF4-FFF2-40B4-BE49-F238E27FC236}">
-                <a16:creationId xmlns:a16="http://schemas.microsoft.com/office/drawing/2014/main" id="{24D28B09-AED4-978B-2DB0-AA5D3C0261DF}"/>
-              </a:ext>
-            </a:extLst>
-          </p:cNvPr>
+          <p:cNvPr id="2" name="Title 1"/>
           <p:cNvSpPr>
             <a:spLocks noGrp="1"/>
           </p:cNvSpPr>
@@ -983,8 +857,8 @@
         </p:nvSpPr>
         <p:spPr>
           <a:xfrm>
-            <a:off x="831850" y="1709738"/>
-            <a:ext cx="10515600" cy="2852737"/>
+            <a:off x="675879" y="1709740"/>
+            <a:ext cx="8543925" cy="2852737"/>
           </a:xfrm>
         </p:spPr>
         <p:txBody>
@@ -999,19 +873,13 @@
               <a:rPr lang="en-GB"/>
               <a:t>Click to edit Master title style</a:t>
             </a:r>
-            <a:endParaRPr lang="en-US"/>
-          </a:p>
-        </p:txBody>
-      </p:sp>
-      <p:sp>
-        <p:nvSpPr>
-          <p:cNvPr id="3" name="Text Placeholder 2">
-            <a:extLst>
-              <a:ext uri="{FF2B5EF4-FFF2-40B4-BE49-F238E27FC236}">
-                <a16:creationId xmlns:a16="http://schemas.microsoft.com/office/drawing/2014/main" id="{A86B9C42-C3CC-5743-138B-19C949E6DC90}"/>
-              </a:ext>
-            </a:extLst>
-          </p:cNvPr>
+            <a:endParaRPr lang="en-US" dirty="0"/>
+          </a:p>
+        </p:txBody>
+      </p:sp>
+      <p:sp>
+        <p:nvSpPr>
+          <p:cNvPr id="3" name="Text Placeholder 2"/>
           <p:cNvSpPr>
             <a:spLocks noGrp="1"/>
           </p:cNvSpPr>
@@ -1021,8 +889,8 @@
         </p:nvSpPr>
         <p:spPr>
           <a:xfrm>
-            <a:off x="831850" y="4589463"/>
-            <a:ext cx="10515600" cy="1500187"/>
+            <a:off x="675879" y="4589465"/>
+            <a:ext cx="8543925" cy="1500187"/>
           </a:xfrm>
         </p:spPr>
         <p:txBody>
@@ -1032,9 +900,7 @@
               <a:buNone/>
               <a:defRPr sz="2400">
                 <a:solidFill>
-                  <a:schemeClr val="tx1">
-                    <a:tint val="75000"/>
-                  </a:schemeClr>
+                  <a:schemeClr val="tx1"/>
                 </a:solidFill>
               </a:defRPr>
             </a:lvl1pPr>
@@ -1130,13 +996,7 @@
       </p:sp>
       <p:sp>
         <p:nvSpPr>
-          <p:cNvPr id="4" name="Date Placeholder 3">
-            <a:extLst>
-              <a:ext uri="{FF2B5EF4-FFF2-40B4-BE49-F238E27FC236}">
-                <a16:creationId xmlns:a16="http://schemas.microsoft.com/office/drawing/2014/main" id="{6E4B112F-C2C4-CBE5-75D0-FCE973AABA86}"/>
-              </a:ext>
-            </a:extLst>
-          </p:cNvPr>
+          <p:cNvPr id="4" name="Date Placeholder 3"/>
           <p:cNvSpPr>
             <a:spLocks noGrp="1"/>
           </p:cNvSpPr>
@@ -1159,13 +1019,7 @@
       </p:sp>
       <p:sp>
         <p:nvSpPr>
-          <p:cNvPr id="5" name="Footer Placeholder 4">
-            <a:extLst>
-              <a:ext uri="{FF2B5EF4-FFF2-40B4-BE49-F238E27FC236}">
-                <a16:creationId xmlns:a16="http://schemas.microsoft.com/office/drawing/2014/main" id="{7ECED79B-72E1-B2F8-E4E2-44784CE5F64E}"/>
-              </a:ext>
-            </a:extLst>
-          </p:cNvPr>
+          <p:cNvPr id="5" name="Footer Placeholder 4"/>
           <p:cNvSpPr>
             <a:spLocks noGrp="1"/>
           </p:cNvSpPr>
@@ -1184,13 +1038,7 @@
       </p:sp>
       <p:sp>
         <p:nvSpPr>
-          <p:cNvPr id="6" name="Slide Number Placeholder 5">
-            <a:extLst>
-              <a:ext uri="{FF2B5EF4-FFF2-40B4-BE49-F238E27FC236}">
-                <a16:creationId xmlns:a16="http://schemas.microsoft.com/office/drawing/2014/main" id="{810008F3-5918-4610-3C5E-058BD98E88C8}"/>
-              </a:ext>
-            </a:extLst>
-          </p:cNvPr>
+          <p:cNvPr id="6" name="Slide Number Placeholder 5"/>
           <p:cNvSpPr>
             <a:spLocks noGrp="1"/>
           </p:cNvSpPr>
@@ -1214,7 +1062,7 @@
     </p:spTree>
     <p:extLst>
       <p:ext uri="{BB962C8B-B14F-4D97-AF65-F5344CB8AC3E}">
-        <p14:creationId xmlns:p14="http://schemas.microsoft.com/office/powerpoint/2010/main" val="3251125252"/>
+        <p14:creationId xmlns:p14="http://schemas.microsoft.com/office/powerpoint/2010/main" val="1792458917"/>
       </p:ext>
     </p:extLst>
   </p:cSld>
@@ -1243,13 +1091,7 @@
       </p:grpSpPr>
       <p:sp>
         <p:nvSpPr>
-          <p:cNvPr id="2" name="Title 1">
-            <a:extLst>
-              <a:ext uri="{FF2B5EF4-FFF2-40B4-BE49-F238E27FC236}">
-                <a16:creationId xmlns:a16="http://schemas.microsoft.com/office/drawing/2014/main" id="{074F37CD-24C3-DB25-1775-B9E7BD121DE1}"/>
-              </a:ext>
-            </a:extLst>
-          </p:cNvPr>
+          <p:cNvPr id="2" name="Title 1"/>
           <p:cNvSpPr>
             <a:spLocks noGrp="1"/>
           </p:cNvSpPr>
@@ -1266,19 +1108,13 @@
               <a:rPr lang="en-GB"/>
               <a:t>Click to edit Master title style</a:t>
             </a:r>
-            <a:endParaRPr lang="en-US"/>
-          </a:p>
-        </p:txBody>
-      </p:sp>
-      <p:sp>
-        <p:nvSpPr>
-          <p:cNvPr id="3" name="Content Placeholder 2">
-            <a:extLst>
-              <a:ext uri="{FF2B5EF4-FFF2-40B4-BE49-F238E27FC236}">
-                <a16:creationId xmlns:a16="http://schemas.microsoft.com/office/drawing/2014/main" id="{A6895825-A7E9-F3ED-46E8-C2427A3DFF79}"/>
-              </a:ext>
-            </a:extLst>
-          </p:cNvPr>
+            <a:endParaRPr lang="en-US" dirty="0"/>
+          </a:p>
+        </p:txBody>
+      </p:sp>
+      <p:sp>
+        <p:nvSpPr>
+          <p:cNvPr id="3" name="Content Placeholder 2"/>
           <p:cNvSpPr>
             <a:spLocks noGrp="1"/>
           </p:cNvSpPr>
@@ -1288,8 +1124,8 @@
         </p:nvSpPr>
         <p:spPr>
           <a:xfrm>
-            <a:off x="838200" y="1825625"/>
-            <a:ext cx="5181600" cy="4351338"/>
+            <a:off x="681038" y="1825625"/>
+            <a:ext cx="4210050" cy="4351338"/>
           </a:xfrm>
         </p:spPr>
         <p:txBody>
@@ -1329,19 +1165,13 @@
               <a:rPr lang="en-GB"/>
               <a:t>Fifth level</a:t>
             </a:r>
-            <a:endParaRPr lang="en-US"/>
-          </a:p>
-        </p:txBody>
-      </p:sp>
-      <p:sp>
-        <p:nvSpPr>
-          <p:cNvPr id="4" name="Content Placeholder 3">
-            <a:extLst>
-              <a:ext uri="{FF2B5EF4-FFF2-40B4-BE49-F238E27FC236}">
-                <a16:creationId xmlns:a16="http://schemas.microsoft.com/office/drawing/2014/main" id="{31CB6883-C524-433C-936B-F11140F6D8D9}"/>
-              </a:ext>
-            </a:extLst>
-          </p:cNvPr>
+            <a:endParaRPr lang="en-US" dirty="0"/>
+          </a:p>
+        </p:txBody>
+      </p:sp>
+      <p:sp>
+        <p:nvSpPr>
+          <p:cNvPr id="4" name="Content Placeholder 3"/>
           <p:cNvSpPr>
             <a:spLocks noGrp="1"/>
           </p:cNvSpPr>
@@ -1351,8 +1181,8 @@
         </p:nvSpPr>
         <p:spPr>
           <a:xfrm>
-            <a:off x="6172200" y="1825625"/>
-            <a:ext cx="5181600" cy="4351338"/>
+            <a:off x="5014913" y="1825625"/>
+            <a:ext cx="4210050" cy="4351338"/>
           </a:xfrm>
         </p:spPr>
         <p:txBody>
@@ -1392,19 +1222,13 @@
               <a:rPr lang="en-GB"/>
               <a:t>Fifth level</a:t>
             </a:r>
-            <a:endParaRPr lang="en-US"/>
-          </a:p>
-        </p:txBody>
-      </p:sp>
-      <p:sp>
-        <p:nvSpPr>
-          <p:cNvPr id="5" name="Date Placeholder 4">
-            <a:extLst>
-              <a:ext uri="{FF2B5EF4-FFF2-40B4-BE49-F238E27FC236}">
-                <a16:creationId xmlns:a16="http://schemas.microsoft.com/office/drawing/2014/main" id="{7D4E0944-8707-FED7-73B0-9EBC05B0E697}"/>
-              </a:ext>
-            </a:extLst>
-          </p:cNvPr>
+            <a:endParaRPr lang="en-US" dirty="0"/>
+          </a:p>
+        </p:txBody>
+      </p:sp>
+      <p:sp>
+        <p:nvSpPr>
+          <p:cNvPr id="5" name="Date Placeholder 4"/>
           <p:cNvSpPr>
             <a:spLocks noGrp="1"/>
           </p:cNvSpPr>
@@ -1427,13 +1251,7 @@
       </p:sp>
       <p:sp>
         <p:nvSpPr>
-          <p:cNvPr id="6" name="Footer Placeholder 5">
-            <a:extLst>
-              <a:ext uri="{FF2B5EF4-FFF2-40B4-BE49-F238E27FC236}">
-                <a16:creationId xmlns:a16="http://schemas.microsoft.com/office/drawing/2014/main" id="{38F8405B-6137-8CBC-3A84-A0D5394FA9A3}"/>
-              </a:ext>
-            </a:extLst>
-          </p:cNvPr>
+          <p:cNvPr id="6" name="Footer Placeholder 5"/>
           <p:cNvSpPr>
             <a:spLocks noGrp="1"/>
           </p:cNvSpPr>
@@ -1452,13 +1270,7 @@
       </p:sp>
       <p:sp>
         <p:nvSpPr>
-          <p:cNvPr id="7" name="Slide Number Placeholder 6">
-            <a:extLst>
-              <a:ext uri="{FF2B5EF4-FFF2-40B4-BE49-F238E27FC236}">
-                <a16:creationId xmlns:a16="http://schemas.microsoft.com/office/drawing/2014/main" id="{8819BC35-4FDA-1FC5-0E9D-8E440DA9E0CB}"/>
-              </a:ext>
-            </a:extLst>
-          </p:cNvPr>
+          <p:cNvPr id="7" name="Slide Number Placeholder 6"/>
           <p:cNvSpPr>
             <a:spLocks noGrp="1"/>
           </p:cNvSpPr>
@@ -1482,7 +1294,7 @@
     </p:spTree>
     <p:extLst>
       <p:ext uri="{BB962C8B-B14F-4D97-AF65-F5344CB8AC3E}">
-        <p14:creationId xmlns:p14="http://schemas.microsoft.com/office/powerpoint/2010/main" val="125378911"/>
+        <p14:creationId xmlns:p14="http://schemas.microsoft.com/office/powerpoint/2010/main" val="1379952981"/>
       </p:ext>
     </p:extLst>
   </p:cSld>
@@ -1511,13 +1323,7 @@
       </p:grpSpPr>
       <p:sp>
         <p:nvSpPr>
-          <p:cNvPr id="2" name="Title 1">
-            <a:extLst>
-              <a:ext uri="{FF2B5EF4-FFF2-40B4-BE49-F238E27FC236}">
-                <a16:creationId xmlns:a16="http://schemas.microsoft.com/office/drawing/2014/main" id="{3EE90673-F3E6-B60A-4539-039B50A5AC98}"/>
-              </a:ext>
-            </a:extLst>
-          </p:cNvPr>
+          <p:cNvPr id="2" name="Title 1"/>
           <p:cNvSpPr>
             <a:spLocks noGrp="1"/>
           </p:cNvSpPr>
@@ -1527,8 +1333,8 @@
         </p:nvSpPr>
         <p:spPr>
           <a:xfrm>
-            <a:off x="839788" y="365125"/>
-            <a:ext cx="10515600" cy="1325563"/>
+            <a:off x="682328" y="365127"/>
+            <a:ext cx="8543925" cy="1325563"/>
           </a:xfrm>
         </p:spPr>
         <p:txBody>
@@ -1539,19 +1345,13 @@
               <a:rPr lang="en-GB"/>
               <a:t>Click to edit Master title style</a:t>
             </a:r>
-            <a:endParaRPr lang="en-US"/>
-          </a:p>
-        </p:txBody>
-      </p:sp>
-      <p:sp>
-        <p:nvSpPr>
-          <p:cNvPr id="3" name="Text Placeholder 2">
-            <a:extLst>
-              <a:ext uri="{FF2B5EF4-FFF2-40B4-BE49-F238E27FC236}">
-                <a16:creationId xmlns:a16="http://schemas.microsoft.com/office/drawing/2014/main" id="{AB22263A-6421-3807-6A0A-77E80981EE52}"/>
-              </a:ext>
-            </a:extLst>
-          </p:cNvPr>
+            <a:endParaRPr lang="en-US" dirty="0"/>
+          </a:p>
+        </p:txBody>
+      </p:sp>
+      <p:sp>
+        <p:nvSpPr>
+          <p:cNvPr id="3" name="Text Placeholder 2"/>
           <p:cNvSpPr>
             <a:spLocks noGrp="1"/>
           </p:cNvSpPr>
@@ -1561,8 +1361,8 @@
         </p:nvSpPr>
         <p:spPr>
           <a:xfrm>
-            <a:off x="839788" y="1681163"/>
-            <a:ext cx="5157787" cy="823912"/>
+            <a:off x="682329" y="1681163"/>
+            <a:ext cx="4190702" cy="823912"/>
           </a:xfrm>
         </p:spPr>
         <p:txBody>
@@ -1616,13 +1416,7 @@
       </p:sp>
       <p:sp>
         <p:nvSpPr>
-          <p:cNvPr id="4" name="Content Placeholder 3">
-            <a:extLst>
-              <a:ext uri="{FF2B5EF4-FFF2-40B4-BE49-F238E27FC236}">
-                <a16:creationId xmlns:a16="http://schemas.microsoft.com/office/drawing/2014/main" id="{1CD2FDB5-135D-232B-7B26-71437AE885A3}"/>
-              </a:ext>
-            </a:extLst>
-          </p:cNvPr>
+          <p:cNvPr id="4" name="Content Placeholder 3"/>
           <p:cNvSpPr>
             <a:spLocks noGrp="1"/>
           </p:cNvSpPr>
@@ -1632,8 +1426,8 @@
         </p:nvSpPr>
         <p:spPr>
           <a:xfrm>
-            <a:off x="839788" y="2505075"/>
-            <a:ext cx="5157787" cy="3684588"/>
+            <a:off x="682329" y="2505075"/>
+            <a:ext cx="4190702" cy="3684588"/>
           </a:xfrm>
         </p:spPr>
         <p:txBody>
@@ -1673,19 +1467,13 @@
               <a:rPr lang="en-GB"/>
               <a:t>Fifth level</a:t>
             </a:r>
-            <a:endParaRPr lang="en-US"/>
-          </a:p>
-        </p:txBody>
-      </p:sp>
-      <p:sp>
-        <p:nvSpPr>
-          <p:cNvPr id="5" name="Text Placeholder 4">
-            <a:extLst>
-              <a:ext uri="{FF2B5EF4-FFF2-40B4-BE49-F238E27FC236}">
-                <a16:creationId xmlns:a16="http://schemas.microsoft.com/office/drawing/2014/main" id="{45D2B1D3-D140-2B58-9661-98642DA15896}"/>
-              </a:ext>
-            </a:extLst>
-          </p:cNvPr>
+            <a:endParaRPr lang="en-US" dirty="0"/>
+          </a:p>
+        </p:txBody>
+      </p:sp>
+      <p:sp>
+        <p:nvSpPr>
+          <p:cNvPr id="5" name="Text Placeholder 4"/>
           <p:cNvSpPr>
             <a:spLocks noGrp="1"/>
           </p:cNvSpPr>
@@ -1695,8 +1483,8 @@
         </p:nvSpPr>
         <p:spPr>
           <a:xfrm>
-            <a:off x="6172200" y="1681163"/>
-            <a:ext cx="5183188" cy="823912"/>
+            <a:off x="5014913" y="1681163"/>
+            <a:ext cx="4211340" cy="823912"/>
           </a:xfrm>
         </p:spPr>
         <p:txBody>
@@ -1750,13 +1538,7 @@
       </p:sp>
       <p:sp>
         <p:nvSpPr>
-          <p:cNvPr id="6" name="Content Placeholder 5">
-            <a:extLst>
-              <a:ext uri="{FF2B5EF4-FFF2-40B4-BE49-F238E27FC236}">
-                <a16:creationId xmlns:a16="http://schemas.microsoft.com/office/drawing/2014/main" id="{1CF4FBDE-11F1-498E-15A5-B6EB55812714}"/>
-              </a:ext>
-            </a:extLst>
-          </p:cNvPr>
+          <p:cNvPr id="6" name="Content Placeholder 5"/>
           <p:cNvSpPr>
             <a:spLocks noGrp="1"/>
           </p:cNvSpPr>
@@ -1766,8 +1548,8 @@
         </p:nvSpPr>
         <p:spPr>
           <a:xfrm>
-            <a:off x="6172200" y="2505075"/>
-            <a:ext cx="5183188" cy="3684588"/>
+            <a:off x="5014913" y="2505075"/>
+            <a:ext cx="4211340" cy="3684588"/>
           </a:xfrm>
         </p:spPr>
         <p:txBody>
@@ -1807,19 +1589,13 @@
               <a:rPr lang="en-GB"/>
               <a:t>Fifth level</a:t>
             </a:r>
-            <a:endParaRPr lang="en-US"/>
-          </a:p>
-        </p:txBody>
-      </p:sp>
-      <p:sp>
-        <p:nvSpPr>
-          <p:cNvPr id="7" name="Date Placeholder 6">
-            <a:extLst>
-              <a:ext uri="{FF2B5EF4-FFF2-40B4-BE49-F238E27FC236}">
-                <a16:creationId xmlns:a16="http://schemas.microsoft.com/office/drawing/2014/main" id="{089C2738-E58F-BB98-DBFE-373F185BE089}"/>
-              </a:ext>
-            </a:extLst>
-          </p:cNvPr>
+            <a:endParaRPr lang="en-US" dirty="0"/>
+          </a:p>
+        </p:txBody>
+      </p:sp>
+      <p:sp>
+        <p:nvSpPr>
+          <p:cNvPr id="7" name="Date Placeholder 6"/>
           <p:cNvSpPr>
             <a:spLocks noGrp="1"/>
           </p:cNvSpPr>
@@ -1842,13 +1618,7 @@
       </p:sp>
       <p:sp>
         <p:nvSpPr>
-          <p:cNvPr id="8" name="Footer Placeholder 7">
-            <a:extLst>
-              <a:ext uri="{FF2B5EF4-FFF2-40B4-BE49-F238E27FC236}">
-                <a16:creationId xmlns:a16="http://schemas.microsoft.com/office/drawing/2014/main" id="{29AE1A07-41AA-F3AD-649B-84B5397CC789}"/>
-              </a:ext>
-            </a:extLst>
-          </p:cNvPr>
+          <p:cNvPr id="8" name="Footer Placeholder 7"/>
           <p:cNvSpPr>
             <a:spLocks noGrp="1"/>
           </p:cNvSpPr>
@@ -1867,13 +1637,7 @@
       </p:sp>
       <p:sp>
         <p:nvSpPr>
-          <p:cNvPr id="9" name="Slide Number Placeholder 8">
-            <a:extLst>
-              <a:ext uri="{FF2B5EF4-FFF2-40B4-BE49-F238E27FC236}">
-                <a16:creationId xmlns:a16="http://schemas.microsoft.com/office/drawing/2014/main" id="{DF4F4FB3-4F9E-9AEF-A8C6-60E3E21136A0}"/>
-              </a:ext>
-            </a:extLst>
-          </p:cNvPr>
+          <p:cNvPr id="9" name="Slide Number Placeholder 8"/>
           <p:cNvSpPr>
             <a:spLocks noGrp="1"/>
           </p:cNvSpPr>
@@ -1897,7 +1661,7 @@
     </p:spTree>
     <p:extLst>
       <p:ext uri="{BB962C8B-B14F-4D97-AF65-F5344CB8AC3E}">
-        <p14:creationId xmlns:p14="http://schemas.microsoft.com/office/powerpoint/2010/main" val="705599375"/>
+        <p14:creationId xmlns:p14="http://schemas.microsoft.com/office/powerpoint/2010/main" val="671661385"/>
       </p:ext>
     </p:extLst>
   </p:cSld>
@@ -1926,13 +1690,7 @@
       </p:grpSpPr>
       <p:sp>
         <p:nvSpPr>
-          <p:cNvPr id="2" name="Title 1">
-            <a:extLst>
-              <a:ext uri="{FF2B5EF4-FFF2-40B4-BE49-F238E27FC236}">
-                <a16:creationId xmlns:a16="http://schemas.microsoft.com/office/drawing/2014/main" id="{3C42BA01-3D59-B1C1-9BAA-A327748F72FD}"/>
-              </a:ext>
-            </a:extLst>
-          </p:cNvPr>
+          <p:cNvPr id="2" name="Title 1"/>
           <p:cNvSpPr>
             <a:spLocks noGrp="1"/>
           </p:cNvSpPr>
@@ -1949,19 +1707,13 @@
               <a:rPr lang="en-GB"/>
               <a:t>Click to edit Master title style</a:t>
             </a:r>
-            <a:endParaRPr lang="en-US"/>
-          </a:p>
-        </p:txBody>
-      </p:sp>
-      <p:sp>
-        <p:nvSpPr>
-          <p:cNvPr id="3" name="Date Placeholder 2">
-            <a:extLst>
-              <a:ext uri="{FF2B5EF4-FFF2-40B4-BE49-F238E27FC236}">
-                <a16:creationId xmlns:a16="http://schemas.microsoft.com/office/drawing/2014/main" id="{EEACFF7C-0D77-1599-2AA8-AB479209FDF9}"/>
-              </a:ext>
-            </a:extLst>
-          </p:cNvPr>
+            <a:endParaRPr lang="en-US" dirty="0"/>
+          </a:p>
+        </p:txBody>
+      </p:sp>
+      <p:sp>
+        <p:nvSpPr>
+          <p:cNvPr id="3" name="Date Placeholder 2"/>
           <p:cNvSpPr>
             <a:spLocks noGrp="1"/>
           </p:cNvSpPr>
@@ -1984,13 +1736,7 @@
       </p:sp>
       <p:sp>
         <p:nvSpPr>
-          <p:cNvPr id="4" name="Footer Placeholder 3">
-            <a:extLst>
-              <a:ext uri="{FF2B5EF4-FFF2-40B4-BE49-F238E27FC236}">
-                <a16:creationId xmlns:a16="http://schemas.microsoft.com/office/drawing/2014/main" id="{ECA8974E-AA9B-16DF-AAB3-DEB6AF4C72C6}"/>
-              </a:ext>
-            </a:extLst>
-          </p:cNvPr>
+          <p:cNvPr id="4" name="Footer Placeholder 3"/>
           <p:cNvSpPr>
             <a:spLocks noGrp="1"/>
           </p:cNvSpPr>
@@ -2009,13 +1755,7 @@
       </p:sp>
       <p:sp>
         <p:nvSpPr>
-          <p:cNvPr id="5" name="Slide Number Placeholder 4">
-            <a:extLst>
-              <a:ext uri="{FF2B5EF4-FFF2-40B4-BE49-F238E27FC236}">
-                <a16:creationId xmlns:a16="http://schemas.microsoft.com/office/drawing/2014/main" id="{FC1FE6EE-E7DA-088A-025C-A21279A78302}"/>
-              </a:ext>
-            </a:extLst>
-          </p:cNvPr>
+          <p:cNvPr id="5" name="Slide Number Placeholder 4"/>
           <p:cNvSpPr>
             <a:spLocks noGrp="1"/>
           </p:cNvSpPr>
@@ -2039,7 +1779,7 @@
     </p:spTree>
     <p:extLst>
       <p:ext uri="{BB962C8B-B14F-4D97-AF65-F5344CB8AC3E}">
-        <p14:creationId xmlns:p14="http://schemas.microsoft.com/office/powerpoint/2010/main" val="4291406984"/>
+        <p14:creationId xmlns:p14="http://schemas.microsoft.com/office/powerpoint/2010/main" val="2593591078"/>
       </p:ext>
     </p:extLst>
   </p:cSld>
@@ -2068,13 +1808,7 @@
       </p:grpSpPr>
       <p:sp>
         <p:nvSpPr>
-          <p:cNvPr id="2" name="Date Placeholder 1">
-            <a:extLst>
-              <a:ext uri="{FF2B5EF4-FFF2-40B4-BE49-F238E27FC236}">
-                <a16:creationId xmlns:a16="http://schemas.microsoft.com/office/drawing/2014/main" id="{1455A248-0E44-BDCA-D1E0-86190392E70B}"/>
-              </a:ext>
-            </a:extLst>
-          </p:cNvPr>
+          <p:cNvPr id="2" name="Date Placeholder 1"/>
           <p:cNvSpPr>
             <a:spLocks noGrp="1"/>
           </p:cNvSpPr>
@@ -2097,13 +1831,7 @@
       </p:sp>
       <p:sp>
         <p:nvSpPr>
-          <p:cNvPr id="3" name="Footer Placeholder 2">
-            <a:extLst>
-              <a:ext uri="{FF2B5EF4-FFF2-40B4-BE49-F238E27FC236}">
-                <a16:creationId xmlns:a16="http://schemas.microsoft.com/office/drawing/2014/main" id="{C45DAB6C-ACF5-463B-7FE6-0EEB7F9A1782}"/>
-              </a:ext>
-            </a:extLst>
-          </p:cNvPr>
+          <p:cNvPr id="3" name="Footer Placeholder 2"/>
           <p:cNvSpPr>
             <a:spLocks noGrp="1"/>
           </p:cNvSpPr>
@@ -2122,13 +1850,7 @@
       </p:sp>
       <p:sp>
         <p:nvSpPr>
-          <p:cNvPr id="4" name="Slide Number Placeholder 3">
-            <a:extLst>
-              <a:ext uri="{FF2B5EF4-FFF2-40B4-BE49-F238E27FC236}">
-                <a16:creationId xmlns:a16="http://schemas.microsoft.com/office/drawing/2014/main" id="{2CA551EE-B6C0-9DFD-CCD9-4B8952D84943}"/>
-              </a:ext>
-            </a:extLst>
-          </p:cNvPr>
+          <p:cNvPr id="4" name="Slide Number Placeholder 3"/>
           <p:cNvSpPr>
             <a:spLocks noGrp="1"/>
           </p:cNvSpPr>
@@ -2152,7 +1874,7 @@
     </p:spTree>
     <p:extLst>
       <p:ext uri="{BB962C8B-B14F-4D97-AF65-F5344CB8AC3E}">
-        <p14:creationId xmlns:p14="http://schemas.microsoft.com/office/powerpoint/2010/main" val="25738936"/>
+        <p14:creationId xmlns:p14="http://schemas.microsoft.com/office/powerpoint/2010/main" val="3494149008"/>
       </p:ext>
     </p:extLst>
   </p:cSld>
@@ -2181,13 +1903,7 @@
       </p:grpSpPr>
       <p:sp>
         <p:nvSpPr>
-          <p:cNvPr id="2" name="Title 1">
-            <a:extLst>
-              <a:ext uri="{FF2B5EF4-FFF2-40B4-BE49-F238E27FC236}">
-                <a16:creationId xmlns:a16="http://schemas.microsoft.com/office/drawing/2014/main" id="{01CDDB87-19EF-BDF6-907E-26D06B012377}"/>
-              </a:ext>
-            </a:extLst>
-          </p:cNvPr>
+          <p:cNvPr id="2" name="Title 1"/>
           <p:cNvSpPr>
             <a:spLocks noGrp="1"/>
           </p:cNvSpPr>
@@ -2197,8 +1913,8 @@
         </p:nvSpPr>
         <p:spPr>
           <a:xfrm>
-            <a:off x="839788" y="457200"/>
-            <a:ext cx="3932237" cy="1600200"/>
+            <a:off x="682328" y="457200"/>
+            <a:ext cx="3194943" cy="1600200"/>
           </a:xfrm>
         </p:spPr>
         <p:txBody>
@@ -2213,19 +1929,13 @@
               <a:rPr lang="en-GB"/>
               <a:t>Click to edit Master title style</a:t>
             </a:r>
-            <a:endParaRPr lang="en-US"/>
-          </a:p>
-        </p:txBody>
-      </p:sp>
-      <p:sp>
-        <p:nvSpPr>
-          <p:cNvPr id="3" name="Content Placeholder 2">
-            <a:extLst>
-              <a:ext uri="{FF2B5EF4-FFF2-40B4-BE49-F238E27FC236}">
-                <a16:creationId xmlns:a16="http://schemas.microsoft.com/office/drawing/2014/main" id="{8A87E709-D5B0-2700-CA29-DE311DECA110}"/>
-              </a:ext>
-            </a:extLst>
-          </p:cNvPr>
+            <a:endParaRPr lang="en-US" dirty="0"/>
+          </a:p>
+        </p:txBody>
+      </p:sp>
+      <p:sp>
+        <p:nvSpPr>
+          <p:cNvPr id="3" name="Content Placeholder 2"/>
           <p:cNvSpPr>
             <a:spLocks noGrp="1"/>
           </p:cNvSpPr>
@@ -2235,8 +1945,8 @@
         </p:nvSpPr>
         <p:spPr>
           <a:xfrm>
-            <a:off x="5183188" y="987425"/>
-            <a:ext cx="6172200" cy="4873625"/>
+            <a:off x="4211340" y="987427"/>
+            <a:ext cx="5014913" cy="4873625"/>
           </a:xfrm>
         </p:spPr>
         <p:txBody>
@@ -2304,19 +2014,13 @@
               <a:rPr lang="en-GB"/>
               <a:t>Fifth level</a:t>
             </a:r>
-            <a:endParaRPr lang="en-US"/>
-          </a:p>
-        </p:txBody>
-      </p:sp>
-      <p:sp>
-        <p:nvSpPr>
-          <p:cNvPr id="4" name="Text Placeholder 3">
-            <a:extLst>
-              <a:ext uri="{FF2B5EF4-FFF2-40B4-BE49-F238E27FC236}">
-                <a16:creationId xmlns:a16="http://schemas.microsoft.com/office/drawing/2014/main" id="{28519ED3-2C58-A37A-5ED8-58E587D0A242}"/>
-              </a:ext>
-            </a:extLst>
-          </p:cNvPr>
+            <a:endParaRPr lang="en-US" dirty="0"/>
+          </a:p>
+        </p:txBody>
+      </p:sp>
+      <p:sp>
+        <p:nvSpPr>
+          <p:cNvPr id="4" name="Text Placeholder 3"/>
           <p:cNvSpPr>
             <a:spLocks noGrp="1"/>
           </p:cNvSpPr>
@@ -2326,8 +2030,8 @@
         </p:nvSpPr>
         <p:spPr>
           <a:xfrm>
-            <a:off x="839788" y="2057400"/>
-            <a:ext cx="3932237" cy="3811588"/>
+            <a:off x="682328" y="2057400"/>
+            <a:ext cx="3194943" cy="3811588"/>
           </a:xfrm>
         </p:spPr>
         <p:txBody>
@@ -2381,13 +2085,7 @@
       </p:sp>
       <p:sp>
         <p:nvSpPr>
-          <p:cNvPr id="5" name="Date Placeholder 4">
-            <a:extLst>
-              <a:ext uri="{FF2B5EF4-FFF2-40B4-BE49-F238E27FC236}">
-                <a16:creationId xmlns:a16="http://schemas.microsoft.com/office/drawing/2014/main" id="{3C7F03C5-DD36-7E0B-8602-32F5E4039A7E}"/>
-              </a:ext>
-            </a:extLst>
-          </p:cNvPr>
+          <p:cNvPr id="5" name="Date Placeholder 4"/>
           <p:cNvSpPr>
             <a:spLocks noGrp="1"/>
           </p:cNvSpPr>
@@ -2410,13 +2108,7 @@
       </p:sp>
       <p:sp>
         <p:nvSpPr>
-          <p:cNvPr id="6" name="Footer Placeholder 5">
-            <a:extLst>
-              <a:ext uri="{FF2B5EF4-FFF2-40B4-BE49-F238E27FC236}">
-                <a16:creationId xmlns:a16="http://schemas.microsoft.com/office/drawing/2014/main" id="{FFCEB0F8-4231-A741-5034-6395A02FADC9}"/>
-              </a:ext>
-            </a:extLst>
-          </p:cNvPr>
+          <p:cNvPr id="6" name="Footer Placeholder 5"/>
           <p:cNvSpPr>
             <a:spLocks noGrp="1"/>
           </p:cNvSpPr>
@@ -2435,13 +2127,7 @@
       </p:sp>
       <p:sp>
         <p:nvSpPr>
-          <p:cNvPr id="7" name="Slide Number Placeholder 6">
-            <a:extLst>
-              <a:ext uri="{FF2B5EF4-FFF2-40B4-BE49-F238E27FC236}">
-                <a16:creationId xmlns:a16="http://schemas.microsoft.com/office/drawing/2014/main" id="{FDBD4536-A7AA-CE28-CC8C-8384588142E5}"/>
-              </a:ext>
-            </a:extLst>
-          </p:cNvPr>
+          <p:cNvPr id="7" name="Slide Number Placeholder 6"/>
           <p:cNvSpPr>
             <a:spLocks noGrp="1"/>
           </p:cNvSpPr>
@@ -2465,7 +2151,7 @@
     </p:spTree>
     <p:extLst>
       <p:ext uri="{BB962C8B-B14F-4D97-AF65-F5344CB8AC3E}">
-        <p14:creationId xmlns:p14="http://schemas.microsoft.com/office/powerpoint/2010/main" val="170591545"/>
+        <p14:creationId xmlns:p14="http://schemas.microsoft.com/office/powerpoint/2010/main" val="2379473384"/>
       </p:ext>
     </p:extLst>
   </p:cSld>
@@ -2494,13 +2180,7 @@
       </p:grpSpPr>
       <p:sp>
         <p:nvSpPr>
-          <p:cNvPr id="2" name="Title 1">
-            <a:extLst>
-              <a:ext uri="{FF2B5EF4-FFF2-40B4-BE49-F238E27FC236}">
-                <a16:creationId xmlns:a16="http://schemas.microsoft.com/office/drawing/2014/main" id="{E59772CB-5D0C-B253-7144-487627D973DD}"/>
-              </a:ext>
-            </a:extLst>
-          </p:cNvPr>
+          <p:cNvPr id="2" name="Title 1"/>
           <p:cNvSpPr>
             <a:spLocks noGrp="1"/>
           </p:cNvSpPr>
@@ -2510,8 +2190,8 @@
         </p:nvSpPr>
         <p:spPr>
           <a:xfrm>
-            <a:off x="839788" y="457200"/>
-            <a:ext cx="3932237" cy="1600200"/>
+            <a:off x="682328" y="457200"/>
+            <a:ext cx="3194943" cy="1600200"/>
           </a:xfrm>
         </p:spPr>
         <p:txBody>
@@ -2526,21 +2206,15 @@
               <a:rPr lang="en-GB"/>
               <a:t>Click to edit Master title style</a:t>
             </a:r>
-            <a:endParaRPr lang="en-US"/>
-          </a:p>
-        </p:txBody>
-      </p:sp>
-      <p:sp>
-        <p:nvSpPr>
-          <p:cNvPr id="3" name="Picture Placeholder 2">
-            <a:extLst>
-              <a:ext uri="{FF2B5EF4-FFF2-40B4-BE49-F238E27FC236}">
-                <a16:creationId xmlns:a16="http://schemas.microsoft.com/office/drawing/2014/main" id="{D8D9A245-B570-B247-4FC7-D94951C856A8}"/>
-              </a:ext>
-            </a:extLst>
-          </p:cNvPr>
-          <p:cNvSpPr>
-            <a:spLocks noGrp="1"/>
+            <a:endParaRPr lang="en-US" dirty="0"/>
+          </a:p>
+        </p:txBody>
+      </p:sp>
+      <p:sp>
+        <p:nvSpPr>
+          <p:cNvPr id="3" name="Picture Placeholder 2"/>
+          <p:cNvSpPr>
+            <a:spLocks noGrp="1" noChangeAspect="1"/>
           </p:cNvSpPr>
           <p:nvPr>
             <p:ph type="pic" idx="1"/>
@@ -2548,12 +2222,12 @@
         </p:nvSpPr>
         <p:spPr>
           <a:xfrm>
-            <a:off x="5183188" y="987425"/>
-            <a:ext cx="6172200" cy="4873625"/>
+            <a:off x="4211340" y="987427"/>
+            <a:ext cx="5014913" cy="4873625"/>
           </a:xfrm>
         </p:spPr>
         <p:txBody>
-          <a:bodyPr/>
+          <a:bodyPr anchor="t"/>
           <a:lstStyle>
             <a:lvl1pPr marL="0" indent="0">
               <a:buNone/>
@@ -2593,19 +2267,17 @@
             </a:lvl9pPr>
           </a:lstStyle>
           <a:p>
-            <a:endParaRPr lang="en-US"/>
-          </a:p>
-        </p:txBody>
-      </p:sp>
-      <p:sp>
-        <p:nvSpPr>
-          <p:cNvPr id="4" name="Text Placeholder 3">
-            <a:extLst>
-              <a:ext uri="{FF2B5EF4-FFF2-40B4-BE49-F238E27FC236}">
-                <a16:creationId xmlns:a16="http://schemas.microsoft.com/office/drawing/2014/main" id="{A619A78D-8C0B-A60F-BF8C-BA6A1A4ACF67}"/>
-              </a:ext>
-            </a:extLst>
-          </p:cNvPr>
+            <a:r>
+              <a:rPr lang="en-GB"/>
+              <a:t>Click icon to add picture</a:t>
+            </a:r>
+            <a:endParaRPr lang="en-US" dirty="0"/>
+          </a:p>
+        </p:txBody>
+      </p:sp>
+      <p:sp>
+        <p:nvSpPr>
+          <p:cNvPr id="4" name="Text Placeholder 3"/>
           <p:cNvSpPr>
             <a:spLocks noGrp="1"/>
           </p:cNvSpPr>
@@ -2615,8 +2287,8 @@
         </p:nvSpPr>
         <p:spPr>
           <a:xfrm>
-            <a:off x="839788" y="2057400"/>
-            <a:ext cx="3932237" cy="3811588"/>
+            <a:off x="682328" y="2057400"/>
+            <a:ext cx="3194943" cy="3811588"/>
           </a:xfrm>
         </p:spPr>
         <p:txBody>
@@ -2670,13 +2342,7 @@
       </p:sp>
       <p:sp>
         <p:nvSpPr>
-          <p:cNvPr id="5" name="Date Placeholder 4">
-            <a:extLst>
-              <a:ext uri="{FF2B5EF4-FFF2-40B4-BE49-F238E27FC236}">
-                <a16:creationId xmlns:a16="http://schemas.microsoft.com/office/drawing/2014/main" id="{1DD65C56-1CFB-C496-CA7F-B61431B28CFF}"/>
-              </a:ext>
-            </a:extLst>
-          </p:cNvPr>
+          <p:cNvPr id="5" name="Date Placeholder 4"/>
           <p:cNvSpPr>
             <a:spLocks noGrp="1"/>
           </p:cNvSpPr>
@@ -2699,13 +2365,7 @@
       </p:sp>
       <p:sp>
         <p:nvSpPr>
-          <p:cNvPr id="6" name="Footer Placeholder 5">
-            <a:extLst>
-              <a:ext uri="{FF2B5EF4-FFF2-40B4-BE49-F238E27FC236}">
-                <a16:creationId xmlns:a16="http://schemas.microsoft.com/office/drawing/2014/main" id="{ECE843AE-7765-23FA-48C4-38123CBE71C9}"/>
-              </a:ext>
-            </a:extLst>
-          </p:cNvPr>
+          <p:cNvPr id="6" name="Footer Placeholder 5"/>
           <p:cNvSpPr>
             <a:spLocks noGrp="1"/>
           </p:cNvSpPr>
@@ -2724,13 +2384,7 @@
       </p:sp>
       <p:sp>
         <p:nvSpPr>
-          <p:cNvPr id="7" name="Slide Number Placeholder 6">
-            <a:extLst>
-              <a:ext uri="{FF2B5EF4-FFF2-40B4-BE49-F238E27FC236}">
-                <a16:creationId xmlns:a16="http://schemas.microsoft.com/office/drawing/2014/main" id="{64737908-443D-CFF4-5D76-E6547EEAB873}"/>
-              </a:ext>
-            </a:extLst>
-          </p:cNvPr>
+          <p:cNvPr id="7" name="Slide Number Placeholder 6"/>
           <p:cNvSpPr>
             <a:spLocks noGrp="1"/>
           </p:cNvSpPr>
@@ -2754,7 +2408,7 @@
     </p:spTree>
     <p:extLst>
       <p:ext uri="{BB962C8B-B14F-4D97-AF65-F5344CB8AC3E}">
-        <p14:creationId xmlns:p14="http://schemas.microsoft.com/office/powerpoint/2010/main" val="3981837346"/>
+        <p14:creationId xmlns:p14="http://schemas.microsoft.com/office/powerpoint/2010/main" val="4054663069"/>
       </p:ext>
     </p:extLst>
   </p:cSld>
@@ -2788,13 +2442,7 @@
       </p:grpSpPr>
       <p:sp>
         <p:nvSpPr>
-          <p:cNvPr id="2" name="Title Placeholder 1">
-            <a:extLst>
-              <a:ext uri="{FF2B5EF4-FFF2-40B4-BE49-F238E27FC236}">
-                <a16:creationId xmlns:a16="http://schemas.microsoft.com/office/drawing/2014/main" id="{6AEFF72B-9B4B-668E-4224-10C3D5D7BAE1}"/>
-              </a:ext>
-            </a:extLst>
-          </p:cNvPr>
+          <p:cNvPr id="2" name="Title Placeholder 1"/>
           <p:cNvSpPr>
             <a:spLocks noGrp="1"/>
           </p:cNvSpPr>
@@ -2804,8 +2452,8 @@
         </p:nvSpPr>
         <p:spPr>
           <a:xfrm>
-            <a:off x="838200" y="365125"/>
-            <a:ext cx="10515600" cy="1325563"/>
+            <a:off x="681038" y="365127"/>
+            <a:ext cx="8543925" cy="1325563"/>
           </a:xfrm>
           <a:prstGeom prst="rect">
             <a:avLst/>
@@ -2821,19 +2469,13 @@
               <a:rPr lang="en-GB"/>
               <a:t>Click to edit Master title style</a:t>
             </a:r>
-            <a:endParaRPr lang="en-US"/>
-          </a:p>
-        </p:txBody>
-      </p:sp>
-      <p:sp>
-        <p:nvSpPr>
-          <p:cNvPr id="3" name="Text Placeholder 2">
-            <a:extLst>
-              <a:ext uri="{FF2B5EF4-FFF2-40B4-BE49-F238E27FC236}">
-                <a16:creationId xmlns:a16="http://schemas.microsoft.com/office/drawing/2014/main" id="{2042C521-7530-40DE-CDD0-72BAABC0564C}"/>
-              </a:ext>
-            </a:extLst>
-          </p:cNvPr>
+            <a:endParaRPr lang="en-US" dirty="0"/>
+          </a:p>
+        </p:txBody>
+      </p:sp>
+      <p:sp>
+        <p:nvSpPr>
+          <p:cNvPr id="3" name="Text Placeholder 2"/>
           <p:cNvSpPr>
             <a:spLocks noGrp="1"/>
           </p:cNvSpPr>
@@ -2843,8 +2485,8 @@
         </p:nvSpPr>
         <p:spPr>
           <a:xfrm>
-            <a:off x="838200" y="1825625"/>
-            <a:ext cx="10515600" cy="4351338"/>
+            <a:off x="681038" y="1825625"/>
+            <a:ext cx="8543925" cy="4351338"/>
           </a:xfrm>
           <a:prstGeom prst="rect">
             <a:avLst/>
@@ -2889,19 +2531,13 @@
               <a:rPr lang="en-GB"/>
               <a:t>Fifth level</a:t>
             </a:r>
-            <a:endParaRPr lang="en-US"/>
-          </a:p>
-        </p:txBody>
-      </p:sp>
-      <p:sp>
-        <p:nvSpPr>
-          <p:cNvPr id="4" name="Date Placeholder 3">
-            <a:extLst>
-              <a:ext uri="{FF2B5EF4-FFF2-40B4-BE49-F238E27FC236}">
-                <a16:creationId xmlns:a16="http://schemas.microsoft.com/office/drawing/2014/main" id="{65DB1D82-1C13-0F3A-899F-82043D170C64}"/>
-              </a:ext>
-            </a:extLst>
-          </p:cNvPr>
+            <a:endParaRPr lang="en-US" dirty="0"/>
+          </a:p>
+        </p:txBody>
+      </p:sp>
+      <p:sp>
+        <p:nvSpPr>
+          <p:cNvPr id="4" name="Date Placeholder 3"/>
           <p:cNvSpPr>
             <a:spLocks noGrp="1"/>
           </p:cNvSpPr>
@@ -2911,8 +2547,8 @@
         </p:nvSpPr>
         <p:spPr>
           <a:xfrm>
-            <a:off x="838200" y="6356350"/>
-            <a:ext cx="2743200" cy="365125"/>
+            <a:off x="681038" y="6356352"/>
+            <a:ext cx="2228850" cy="365125"/>
           </a:xfrm>
           <a:prstGeom prst="rect">
             <a:avLst/>
@@ -2942,13 +2578,7 @@
       </p:sp>
       <p:sp>
         <p:nvSpPr>
-          <p:cNvPr id="5" name="Footer Placeholder 4">
-            <a:extLst>
-              <a:ext uri="{FF2B5EF4-FFF2-40B4-BE49-F238E27FC236}">
-                <a16:creationId xmlns:a16="http://schemas.microsoft.com/office/drawing/2014/main" id="{66219DA6-6EAE-9EF1-AFD4-DCA5BA7A0B16}"/>
-              </a:ext>
-            </a:extLst>
-          </p:cNvPr>
+          <p:cNvPr id="5" name="Footer Placeholder 4"/>
           <p:cNvSpPr>
             <a:spLocks noGrp="1"/>
           </p:cNvSpPr>
@@ -2958,8 +2588,8 @@
         </p:nvSpPr>
         <p:spPr>
           <a:xfrm>
-            <a:off x="4038600" y="6356350"/>
-            <a:ext cx="4114800" cy="365125"/>
+            <a:off x="3281363" y="6356352"/>
+            <a:ext cx="3343275" cy="365125"/>
           </a:xfrm>
           <a:prstGeom prst="rect">
             <a:avLst/>
@@ -2985,13 +2615,7 @@
       </p:sp>
       <p:sp>
         <p:nvSpPr>
-          <p:cNvPr id="6" name="Slide Number Placeholder 5">
-            <a:extLst>
-              <a:ext uri="{FF2B5EF4-FFF2-40B4-BE49-F238E27FC236}">
-                <a16:creationId xmlns:a16="http://schemas.microsoft.com/office/drawing/2014/main" id="{007BC2E4-6641-7309-D779-12C7A94060F4}"/>
-              </a:ext>
-            </a:extLst>
-          </p:cNvPr>
+          <p:cNvPr id="6" name="Slide Number Placeholder 5"/>
           <p:cNvSpPr>
             <a:spLocks noGrp="1"/>
           </p:cNvSpPr>
@@ -3001,8 +2625,8 @@
         </p:nvSpPr>
         <p:spPr>
           <a:xfrm>
-            <a:off x="8610600" y="6356350"/>
-            <a:ext cx="2743200" cy="365125"/>
+            <a:off x="6996113" y="6356352"/>
+            <a:ext cx="2228850" cy="365125"/>
           </a:xfrm>
           <a:prstGeom prst="rect">
             <a:avLst/>
@@ -3033,23 +2657,23 @@
     </p:spTree>
     <p:extLst>
       <p:ext uri="{BB962C8B-B14F-4D97-AF65-F5344CB8AC3E}">
-        <p14:creationId xmlns:p14="http://schemas.microsoft.com/office/powerpoint/2010/main" val="3532139368"/>
+        <p14:creationId xmlns:p14="http://schemas.microsoft.com/office/powerpoint/2010/main" val="3696890023"/>
       </p:ext>
     </p:extLst>
   </p:cSld>
   <p:clrMap bg1="lt1" tx1="dk1" bg2="lt2" tx2="dk2" accent1="accent1" accent2="accent2" accent3="accent3" accent4="accent4" accent5="accent5" accent6="accent6" hlink="hlink" folHlink="folHlink"/>
   <p:sldLayoutIdLst>
-    <p:sldLayoutId id="2147483649" r:id="rId1"/>
-    <p:sldLayoutId id="2147483650" r:id="rId2"/>
-    <p:sldLayoutId id="2147483651" r:id="rId3"/>
-    <p:sldLayoutId id="2147483652" r:id="rId4"/>
-    <p:sldLayoutId id="2147483653" r:id="rId5"/>
-    <p:sldLayoutId id="2147483654" r:id="rId6"/>
-    <p:sldLayoutId id="2147483655" r:id="rId7"/>
-    <p:sldLayoutId id="2147483656" r:id="rId8"/>
-    <p:sldLayoutId id="2147483657" r:id="rId9"/>
-    <p:sldLayoutId id="2147483658" r:id="rId10"/>
-    <p:sldLayoutId id="2147483659" r:id="rId11"/>
+    <p:sldLayoutId id="2147483673" r:id="rId1"/>
+    <p:sldLayoutId id="2147483674" r:id="rId2"/>
+    <p:sldLayoutId id="2147483675" r:id="rId3"/>
+    <p:sldLayoutId id="2147483676" r:id="rId4"/>
+    <p:sldLayoutId id="2147483677" r:id="rId5"/>
+    <p:sldLayoutId id="2147483678" r:id="rId6"/>
+    <p:sldLayoutId id="2147483679" r:id="rId7"/>
+    <p:sldLayoutId id="2147483680" r:id="rId8"/>
+    <p:sldLayoutId id="2147483681" r:id="rId9"/>
+    <p:sldLayoutId id="2147483682" r:id="rId10"/>
+    <p:sldLayoutId id="2147483683" r:id="rId11"/>
   </p:sldLayoutIdLst>
   <p:txStyles>
     <p:titleStyle>
@@ -3564,8 +3188,8 @@
         </p:blipFill>
         <p:spPr>
           <a:xfrm>
-            <a:off x="1087996" y="1773234"/>
-            <a:ext cx="7209453" cy="2796570"/>
+            <a:off x="883998" y="2083690"/>
+            <a:ext cx="5857681" cy="2272213"/>
           </a:xfrm>
           <a:prstGeom prst="rect">
             <a:avLst/>
@@ -3655,8 +3279,8 @@
         </p:blipFill>
         <p:spPr>
           <a:xfrm>
-            <a:off x="1070975" y="2099608"/>
-            <a:ext cx="9277928" cy="3598938"/>
+            <a:off x="870167" y="2348869"/>
+            <a:ext cx="7538317" cy="2924137"/>
           </a:xfrm>
           <a:prstGeom prst="rect">
             <a:avLst/>
@@ -3711,8 +3335,8 @@
         </p:nvSpPr>
         <p:spPr>
           <a:xfrm>
-            <a:off x="695193" y="315021"/>
-            <a:ext cx="10515600" cy="1325563"/>
+            <a:off x="564844" y="898894"/>
+            <a:ext cx="8543925" cy="1077020"/>
           </a:xfrm>
         </p:spPr>
         <p:txBody>
@@ -3744,13 +3368,13 @@
         </p:nvSpPr>
         <p:spPr>
           <a:xfrm>
-            <a:off x="695193" y="1478843"/>
-            <a:ext cx="3839229" cy="4558702"/>
+            <a:off x="564845" y="1844498"/>
+            <a:ext cx="3119374" cy="3703945"/>
           </a:xfrm>
         </p:spPr>
         <p:txBody>
           <a:bodyPr>
-            <a:normAutofit fontScale="92500" lnSpcReduction="10000"/>
+            <a:normAutofit fontScale="70000" lnSpcReduction="20000"/>
           </a:bodyPr>
           <a:lstStyle/>
           <a:p>
@@ -3798,8 +3422,8 @@
         </p:blipFill>
         <p:spPr>
           <a:xfrm>
-            <a:off x="5682537" y="1640584"/>
-            <a:ext cx="5814270" cy="3656991"/>
+            <a:off x="4617062" y="1975914"/>
+            <a:ext cx="4724094" cy="2971305"/>
           </a:xfrm>
           <a:prstGeom prst="rect">
             <a:avLst/>
@@ -3858,8 +3482,8 @@
         </p:blipFill>
         <p:spPr>
           <a:xfrm>
-            <a:off x="4534422" y="1726842"/>
-            <a:ext cx="7478732" cy="3412443"/>
+            <a:off x="2014307" y="3550920"/>
+            <a:ext cx="6076470" cy="2772610"/>
           </a:xfrm>
           <a:prstGeom prst="rect">
             <a:avLst/>
@@ -3884,8 +3508,8 @@
         </p:nvSpPr>
         <p:spPr>
           <a:xfrm>
-            <a:off x="695193" y="315021"/>
-            <a:ext cx="10515600" cy="1325563"/>
+            <a:off x="564844" y="898894"/>
+            <a:ext cx="8543925" cy="1077020"/>
           </a:xfrm>
         </p:spPr>
         <p:txBody>
@@ -3917,13 +3541,13 @@
         </p:nvSpPr>
         <p:spPr>
           <a:xfrm>
-            <a:off x="695193" y="1478843"/>
-            <a:ext cx="3839229" cy="4558702"/>
+            <a:off x="564844" y="1844499"/>
+            <a:ext cx="8975396" cy="1584502"/>
           </a:xfrm>
         </p:spPr>
         <p:txBody>
           <a:bodyPr>
-            <a:normAutofit fontScale="92500" lnSpcReduction="10000"/>
+            <a:normAutofit fontScale="77500" lnSpcReduction="20000"/>
           </a:bodyPr>
           <a:lstStyle/>
           <a:p>
@@ -3997,8 +3621,8 @@
         </p:nvSpPr>
         <p:spPr>
           <a:xfrm>
-            <a:off x="695193" y="315021"/>
-            <a:ext cx="10515600" cy="1325563"/>
+            <a:off x="564844" y="898894"/>
+            <a:ext cx="8543925" cy="1077020"/>
           </a:xfrm>
         </p:spPr>
         <p:txBody>
@@ -4030,13 +3654,13 @@
         </p:nvSpPr>
         <p:spPr>
           <a:xfrm>
-            <a:off x="695193" y="1478843"/>
-            <a:ext cx="3839229" cy="4558702"/>
+            <a:off x="564845" y="1844499"/>
+            <a:ext cx="8543924" cy="1477822"/>
           </a:xfrm>
         </p:spPr>
         <p:txBody>
           <a:bodyPr>
-            <a:normAutofit fontScale="92500" lnSpcReduction="10000"/>
+            <a:normAutofit fontScale="77500" lnSpcReduction="20000"/>
           </a:bodyPr>
           <a:lstStyle/>
           <a:p>
@@ -4084,8 +3708,8 @@
         </p:blipFill>
         <p:spPr>
           <a:xfrm>
-            <a:off x="4419600" y="1251220"/>
-            <a:ext cx="7772400" cy="3106371"/>
+            <a:off x="1516708" y="3535680"/>
+            <a:ext cx="6315075" cy="2523926"/>
           </a:xfrm>
           <a:prstGeom prst="rect">
             <a:avLst/>
@@ -4140,8 +3764,8 @@
         </p:nvSpPr>
         <p:spPr>
           <a:xfrm>
-            <a:off x="695193" y="315021"/>
-            <a:ext cx="10515600" cy="1325563"/>
+            <a:off x="564844" y="898894"/>
+            <a:ext cx="8543925" cy="1077020"/>
           </a:xfrm>
         </p:spPr>
         <p:txBody>
@@ -4173,13 +3797,13 @@
         </p:nvSpPr>
         <p:spPr>
           <a:xfrm>
-            <a:off x="695194" y="1478843"/>
-            <a:ext cx="3025036" cy="4558702"/>
+            <a:off x="564844" y="1844498"/>
+            <a:ext cx="8121955" cy="1241601"/>
           </a:xfrm>
         </p:spPr>
         <p:txBody>
           <a:bodyPr>
-            <a:normAutofit fontScale="77500" lnSpcReduction="20000"/>
+            <a:normAutofit fontScale="70000" lnSpcReduction="20000"/>
           </a:bodyPr>
           <a:lstStyle/>
           <a:p>
@@ -4251,8 +3875,8 @@
         </p:blipFill>
         <p:spPr>
           <a:xfrm>
-            <a:off x="3720230" y="1618953"/>
-            <a:ext cx="8384088" cy="3385747"/>
+            <a:off x="1219201" y="3086099"/>
+            <a:ext cx="6812072" cy="2750919"/>
           </a:xfrm>
           <a:prstGeom prst="rect">
             <a:avLst/>
@@ -4307,8 +3931,8 @@
         </p:nvSpPr>
         <p:spPr>
           <a:xfrm>
-            <a:off x="695193" y="315021"/>
-            <a:ext cx="10515600" cy="1325563"/>
+            <a:off x="564844" y="898894"/>
+            <a:ext cx="8543925" cy="1077020"/>
           </a:xfrm>
         </p:spPr>
         <p:txBody>
@@ -4340,13 +3964,13 @@
         </p:nvSpPr>
         <p:spPr>
           <a:xfrm>
-            <a:off x="695192" y="1478843"/>
-            <a:ext cx="5617925" cy="4558702"/>
+            <a:off x="564844" y="1844499"/>
+            <a:ext cx="8426755" cy="2107742"/>
           </a:xfrm>
         </p:spPr>
         <p:txBody>
           <a:bodyPr>
-            <a:normAutofit fontScale="85000" lnSpcReduction="10000"/>
+            <a:normAutofit fontScale="70000" lnSpcReduction="20000"/>
           </a:bodyPr>
           <a:lstStyle/>
           <a:p>
@@ -4427,8 +4051,8 @@
         </p:blipFill>
         <p:spPr>
           <a:xfrm>
-            <a:off x="6605069" y="2076575"/>
-            <a:ext cx="4252909" cy="2704850"/>
+            <a:off x="2694540" y="4053841"/>
+            <a:ext cx="3455489" cy="2197691"/>
           </a:xfrm>
           <a:prstGeom prst="rect">
             <a:avLst/>
@@ -4534,8 +4158,8 @@
         </p:blipFill>
         <p:spPr>
           <a:xfrm>
-            <a:off x="125260" y="1271410"/>
-            <a:ext cx="7621044" cy="3027020"/>
+            <a:off x="101774" y="1675958"/>
+            <a:ext cx="6192098" cy="2459454"/>
           </a:xfrm>
           <a:prstGeom prst="rect">
             <a:avLst/>
@@ -4564,8 +4188,8 @@
         </p:blipFill>
         <p:spPr>
           <a:xfrm>
-            <a:off x="4101230" y="3429000"/>
-            <a:ext cx="7772400" cy="3136345"/>
+            <a:off x="3332249" y="3429002"/>
+            <a:ext cx="6315075" cy="2548280"/>
           </a:xfrm>
           <a:prstGeom prst="rect">
             <a:avLst/>
@@ -4588,7 +4212,7 @@
 <file path=ppt/theme/theme1.xml><?xml version="1.0" encoding="utf-8"?>
 <a:theme xmlns:a="http://schemas.openxmlformats.org/drawingml/2006/main" name="Office Theme">
   <a:themeElements>
-    <a:clrScheme name="Office">
+    <a:clrScheme name="Office Theme">
       <a:dk1>
         <a:sysClr val="windowText" lastClr="000000"/>
       </a:dk1>
@@ -4626,7 +4250,7 @@
         <a:srgbClr val="954F72"/>
       </a:folHlink>
     </a:clrScheme>
-    <a:fontScheme name="Office">
+    <a:fontScheme name="Office Theme">
       <a:majorFont>
         <a:latin typeface="Calibri Light" panose="020F0302020204030204"/>
         <a:ea typeface=""/>
@@ -4661,23 +4285,6 @@
         <a:font script="Viet" typeface="Times New Roman"/>
         <a:font script="Uigh" typeface="Microsoft Uighur"/>
         <a:font script="Geor" typeface="Sylfaen"/>
-        <a:font script="Armn" typeface="Arial"/>
-        <a:font script="Bugi" typeface="Leelawadee UI"/>
-        <a:font script="Bopo" typeface="Microsoft JhengHei"/>
-        <a:font script="Java" typeface="Javanese Text"/>
-        <a:font script="Lisu" typeface="Segoe UI"/>
-        <a:font script="Mymr" typeface="Myanmar Text"/>
-        <a:font script="Nkoo" typeface="Ebrima"/>
-        <a:font script="Olck" typeface="Nirmala UI"/>
-        <a:font script="Osma" typeface="Ebrima"/>
-        <a:font script="Phag" typeface="Phagspa"/>
-        <a:font script="Syrn" typeface="Estrangelo Edessa"/>
-        <a:font script="Syrj" typeface="Estrangelo Edessa"/>
-        <a:font script="Syre" typeface="Estrangelo Edessa"/>
-        <a:font script="Sora" typeface="Nirmala UI"/>
-        <a:font script="Tale" typeface="Microsoft Tai Le"/>
-        <a:font script="Talu" typeface="Microsoft New Tai Lue"/>
-        <a:font script="Tfng" typeface="Ebrima"/>
       </a:majorFont>
       <a:minorFont>
         <a:latin typeface="Calibri" panose="020F0502020204030204"/>
@@ -4713,26 +4320,9 @@
         <a:font script="Viet" typeface="Arial"/>
         <a:font script="Uigh" typeface="Microsoft Uighur"/>
         <a:font script="Geor" typeface="Sylfaen"/>
-        <a:font script="Armn" typeface="Arial"/>
-        <a:font script="Bugi" typeface="Leelawadee UI"/>
-        <a:font script="Bopo" typeface="Microsoft JhengHei"/>
-        <a:font script="Java" typeface="Javanese Text"/>
-        <a:font script="Lisu" typeface="Segoe UI"/>
-        <a:font script="Mymr" typeface="Myanmar Text"/>
-        <a:font script="Nkoo" typeface="Ebrima"/>
-        <a:font script="Olck" typeface="Nirmala UI"/>
-        <a:font script="Osma" typeface="Ebrima"/>
-        <a:font script="Phag" typeface="Phagspa"/>
-        <a:font script="Syrn" typeface="Estrangelo Edessa"/>
-        <a:font script="Syrj" typeface="Estrangelo Edessa"/>
-        <a:font script="Syre" typeface="Estrangelo Edessa"/>
-        <a:font script="Sora" typeface="Nirmala UI"/>
-        <a:font script="Tale" typeface="Microsoft Tai Le"/>
-        <a:font script="Talu" typeface="Microsoft New Tai Lue"/>
-        <a:font script="Tfng" typeface="Ebrima"/>
       </a:minorFont>
     </a:fontScheme>
-    <a:fmtScheme name="Office">
+    <a:fmtScheme name="Office Theme">
       <a:fillStyleLst>
         <a:solidFill>
           <a:schemeClr val="phClr"/>

--- a/Insights.pptx
+++ b/Insights.pptx
@@ -4,17 +4,19 @@
   <p:sldMasterIdLst>
     <p:sldMasterId id="2147483672" r:id="rId1"/>
   </p:sldMasterIdLst>
+  <p:notesMasterIdLst>
+    <p:notesMasterId r:id="rId11"/>
+  </p:notesMasterIdLst>
   <p:sldIdLst>
-    <p:sldId id="256" r:id="rId2"/>
-    <p:sldId id="257" r:id="rId3"/>
-    <p:sldId id="260" r:id="rId4"/>
-    <p:sldId id="267" r:id="rId5"/>
-    <p:sldId id="261" r:id="rId6"/>
-    <p:sldId id="263" r:id="rId7"/>
-    <p:sldId id="264" r:id="rId8"/>
-    <p:sldId id="265" r:id="rId9"/>
-    <p:sldId id="258" r:id="rId10"/>
-    <p:sldId id="259" r:id="rId11"/>
+    <p:sldId id="267" r:id="rId2"/>
+    <p:sldId id="261" r:id="rId3"/>
+    <p:sldId id="263" r:id="rId4"/>
+    <p:sldId id="264" r:id="rId5"/>
+    <p:sldId id="265" r:id="rId6"/>
+    <p:sldId id="259" r:id="rId7"/>
+    <p:sldId id="268" r:id="rId8"/>
+    <p:sldId id="257" r:id="rId9"/>
+    <p:sldId id="260" r:id="rId10"/>
   </p:sldIdLst>
   <p:sldSz cx="9906000" cy="6858000" type="A4"/>
   <p:notesSz cx="6858000" cy="9144000"/>
@@ -114,6 +116,356 @@
     </a:lvl9pPr>
   </p:defaultTextStyle>
 </p:presentation>
+</file>
+
+<file path=ppt/notesMasters/notesMaster1.xml><?xml version="1.0" encoding="utf-8"?>
+<p:notesMaster xmlns:a="http://schemas.openxmlformats.org/drawingml/2006/main" xmlns:r="http://schemas.openxmlformats.org/officeDocument/2006/relationships" xmlns:p="http://schemas.openxmlformats.org/presentationml/2006/main">
+  <p:cSld>
+    <p:bg>
+      <p:bgRef idx="1001">
+        <a:schemeClr val="bg1"/>
+      </p:bgRef>
+    </p:bg>
+    <p:spTree>
+      <p:nvGrpSpPr>
+        <p:cNvPr id="1" name=""/>
+        <p:cNvGrpSpPr/>
+        <p:nvPr/>
+      </p:nvGrpSpPr>
+      <p:grpSpPr>
+        <a:xfrm>
+          <a:off x="0" y="0"/>
+          <a:ext cx="0" cy="0"/>
+          <a:chOff x="0" y="0"/>
+          <a:chExt cx="0" cy="0"/>
+        </a:xfrm>
+      </p:grpSpPr>
+      <p:sp>
+        <p:nvSpPr>
+          <p:cNvPr id="2" name="Header Placeholder 1"/>
+          <p:cNvSpPr>
+            <a:spLocks noGrp="1"/>
+          </p:cNvSpPr>
+          <p:nvPr>
+            <p:ph type="hdr" sz="quarter"/>
+          </p:nvPr>
+        </p:nvSpPr>
+        <p:spPr>
+          <a:xfrm>
+            <a:off x="0" y="0"/>
+            <a:ext cx="2971800" cy="458788"/>
+          </a:xfrm>
+          <a:prstGeom prst="rect">
+            <a:avLst/>
+          </a:prstGeom>
+        </p:spPr>
+        <p:txBody>
+          <a:bodyPr vert="horz" lIns="91440" tIns="45720" rIns="91440" bIns="45720" rtlCol="0"/>
+          <a:lstStyle>
+            <a:lvl1pPr algn="l">
+              <a:defRPr sz="1200"/>
+            </a:lvl1pPr>
+          </a:lstStyle>
+          <a:p>
+            <a:endParaRPr lang="en-US"/>
+          </a:p>
+        </p:txBody>
+      </p:sp>
+      <p:sp>
+        <p:nvSpPr>
+          <p:cNvPr id="3" name="Date Placeholder 2"/>
+          <p:cNvSpPr>
+            <a:spLocks noGrp="1"/>
+          </p:cNvSpPr>
+          <p:nvPr>
+            <p:ph type="dt" idx="1"/>
+          </p:nvPr>
+        </p:nvSpPr>
+        <p:spPr>
+          <a:xfrm>
+            <a:off x="3884613" y="0"/>
+            <a:ext cx="2971800" cy="458788"/>
+          </a:xfrm>
+          <a:prstGeom prst="rect">
+            <a:avLst/>
+          </a:prstGeom>
+        </p:spPr>
+        <p:txBody>
+          <a:bodyPr vert="horz" lIns="91440" tIns="45720" rIns="91440" bIns="45720" rtlCol="0"/>
+          <a:lstStyle>
+            <a:lvl1pPr algn="r">
+              <a:defRPr sz="1200"/>
+            </a:lvl1pPr>
+          </a:lstStyle>
+          <a:p>
+            <a:fld id="{070606C2-88C3-AD4F-87F1-259CB0645698}" type="datetimeFigureOut">
+              <a:rPr lang="en-US" smtClean="0"/>
+              <a:t>10/5/22</a:t>
+            </a:fld>
+            <a:endParaRPr lang="en-US"/>
+          </a:p>
+        </p:txBody>
+      </p:sp>
+      <p:sp>
+        <p:nvSpPr>
+          <p:cNvPr id="4" name="Slide Image Placeholder 3"/>
+          <p:cNvSpPr>
+            <a:spLocks noGrp="1" noRot="1" noChangeAspect="1"/>
+          </p:cNvSpPr>
+          <p:nvPr>
+            <p:ph type="sldImg" idx="2"/>
+          </p:nvPr>
+        </p:nvSpPr>
+        <p:spPr>
+          <a:xfrm>
+            <a:off x="1200150" y="1143000"/>
+            <a:ext cx="4457700" cy="3086100"/>
+          </a:xfrm>
+          <a:prstGeom prst="rect">
+            <a:avLst/>
+          </a:prstGeom>
+          <a:noFill/>
+          <a:ln w="12700">
+            <a:solidFill>
+              <a:prstClr val="black"/>
+            </a:solidFill>
+          </a:ln>
+        </p:spPr>
+        <p:txBody>
+          <a:bodyPr vert="horz" lIns="91440" tIns="45720" rIns="91440" bIns="45720" rtlCol="0" anchor="ctr"/>
+          <a:lstStyle/>
+          <a:p>
+            <a:endParaRPr lang="en-US"/>
+          </a:p>
+        </p:txBody>
+      </p:sp>
+      <p:sp>
+        <p:nvSpPr>
+          <p:cNvPr id="5" name="Notes Placeholder 4"/>
+          <p:cNvSpPr>
+            <a:spLocks noGrp="1"/>
+          </p:cNvSpPr>
+          <p:nvPr>
+            <p:ph type="body" sz="quarter" idx="3"/>
+          </p:nvPr>
+        </p:nvSpPr>
+        <p:spPr>
+          <a:xfrm>
+            <a:off x="685800" y="4400550"/>
+            <a:ext cx="5486400" cy="3600450"/>
+          </a:xfrm>
+          <a:prstGeom prst="rect">
+            <a:avLst/>
+          </a:prstGeom>
+        </p:spPr>
+        <p:txBody>
+          <a:bodyPr vert="horz" lIns="91440" tIns="45720" rIns="91440" bIns="45720" rtlCol="0"/>
+          <a:lstStyle/>
+          <a:p>
+            <a:pPr lvl="0"/>
+            <a:r>
+              <a:rPr lang="en-GB"/>
+              <a:t>Click to edit Master text styles</a:t>
+            </a:r>
+          </a:p>
+          <a:p>
+            <a:pPr lvl="1"/>
+            <a:r>
+              <a:rPr lang="en-GB"/>
+              <a:t>Second level</a:t>
+            </a:r>
+          </a:p>
+          <a:p>
+            <a:pPr lvl="2"/>
+            <a:r>
+              <a:rPr lang="en-GB"/>
+              <a:t>Third level</a:t>
+            </a:r>
+          </a:p>
+          <a:p>
+            <a:pPr lvl="3"/>
+            <a:r>
+              <a:rPr lang="en-GB"/>
+              <a:t>Fourth level</a:t>
+            </a:r>
+          </a:p>
+          <a:p>
+            <a:pPr lvl="4"/>
+            <a:r>
+              <a:rPr lang="en-GB"/>
+              <a:t>Fifth level</a:t>
+            </a:r>
+            <a:endParaRPr lang="en-US"/>
+          </a:p>
+        </p:txBody>
+      </p:sp>
+      <p:sp>
+        <p:nvSpPr>
+          <p:cNvPr id="6" name="Footer Placeholder 5"/>
+          <p:cNvSpPr>
+            <a:spLocks noGrp="1"/>
+          </p:cNvSpPr>
+          <p:nvPr>
+            <p:ph type="ftr" sz="quarter" idx="4"/>
+          </p:nvPr>
+        </p:nvSpPr>
+        <p:spPr>
+          <a:xfrm>
+            <a:off x="0" y="8685213"/>
+            <a:ext cx="2971800" cy="458787"/>
+          </a:xfrm>
+          <a:prstGeom prst="rect">
+            <a:avLst/>
+          </a:prstGeom>
+        </p:spPr>
+        <p:txBody>
+          <a:bodyPr vert="horz" lIns="91440" tIns="45720" rIns="91440" bIns="45720" rtlCol="0" anchor="b"/>
+          <a:lstStyle>
+            <a:lvl1pPr algn="l">
+              <a:defRPr sz="1200"/>
+            </a:lvl1pPr>
+          </a:lstStyle>
+          <a:p>
+            <a:endParaRPr lang="en-US"/>
+          </a:p>
+        </p:txBody>
+      </p:sp>
+      <p:sp>
+        <p:nvSpPr>
+          <p:cNvPr id="7" name="Slide Number Placeholder 6"/>
+          <p:cNvSpPr>
+            <a:spLocks noGrp="1"/>
+          </p:cNvSpPr>
+          <p:nvPr>
+            <p:ph type="sldNum" sz="quarter" idx="5"/>
+          </p:nvPr>
+        </p:nvSpPr>
+        <p:spPr>
+          <a:xfrm>
+            <a:off x="3884613" y="8685213"/>
+            <a:ext cx="2971800" cy="458787"/>
+          </a:xfrm>
+          <a:prstGeom prst="rect">
+            <a:avLst/>
+          </a:prstGeom>
+        </p:spPr>
+        <p:txBody>
+          <a:bodyPr vert="horz" lIns="91440" tIns="45720" rIns="91440" bIns="45720" rtlCol="0" anchor="b"/>
+          <a:lstStyle>
+            <a:lvl1pPr algn="r">
+              <a:defRPr sz="1200"/>
+            </a:lvl1pPr>
+          </a:lstStyle>
+          <a:p>
+            <a:fld id="{67C9CC71-AFE5-1E48-9A37-5E3B69F2BA89}" type="slidenum">
+              <a:rPr lang="en-US" smtClean="0"/>
+              <a:t>‹#›</a:t>
+            </a:fld>
+            <a:endParaRPr lang="en-US"/>
+          </a:p>
+        </p:txBody>
+      </p:sp>
+    </p:spTree>
+    <p:extLst>
+      <p:ext uri="{BB962C8B-B14F-4D97-AF65-F5344CB8AC3E}">
+        <p14:creationId xmlns:p14="http://schemas.microsoft.com/office/powerpoint/2010/main" val="766289593"/>
+      </p:ext>
+    </p:extLst>
+  </p:cSld>
+  <p:clrMap bg1="lt1" tx1="dk1" bg2="lt2" tx2="dk2" accent1="accent1" accent2="accent2" accent3="accent3" accent4="accent4" accent5="accent5" accent6="accent6" hlink="hlink" folHlink="folHlink"/>
+  <p:notesStyle>
+    <a:lvl1pPr marL="0" algn="l" defTabSz="914400" rtl="0" eaLnBrk="1" latinLnBrk="0" hangingPunct="1">
+      <a:defRPr sz="1200" kern="1200">
+        <a:solidFill>
+          <a:schemeClr val="tx1"/>
+        </a:solidFill>
+        <a:latin typeface="+mn-lt"/>
+        <a:ea typeface="+mn-ea"/>
+        <a:cs typeface="+mn-cs"/>
+      </a:defRPr>
+    </a:lvl1pPr>
+    <a:lvl2pPr marL="457200" algn="l" defTabSz="914400" rtl="0" eaLnBrk="1" latinLnBrk="0" hangingPunct="1">
+      <a:defRPr sz="1200" kern="1200">
+        <a:solidFill>
+          <a:schemeClr val="tx1"/>
+        </a:solidFill>
+        <a:latin typeface="+mn-lt"/>
+        <a:ea typeface="+mn-ea"/>
+        <a:cs typeface="+mn-cs"/>
+      </a:defRPr>
+    </a:lvl2pPr>
+    <a:lvl3pPr marL="914400" algn="l" defTabSz="914400" rtl="0" eaLnBrk="1" latinLnBrk="0" hangingPunct="1">
+      <a:defRPr sz="1200" kern="1200">
+        <a:solidFill>
+          <a:schemeClr val="tx1"/>
+        </a:solidFill>
+        <a:latin typeface="+mn-lt"/>
+        <a:ea typeface="+mn-ea"/>
+        <a:cs typeface="+mn-cs"/>
+      </a:defRPr>
+    </a:lvl3pPr>
+    <a:lvl4pPr marL="1371600" algn="l" defTabSz="914400" rtl="0" eaLnBrk="1" latinLnBrk="0" hangingPunct="1">
+      <a:defRPr sz="1200" kern="1200">
+        <a:solidFill>
+          <a:schemeClr val="tx1"/>
+        </a:solidFill>
+        <a:latin typeface="+mn-lt"/>
+        <a:ea typeface="+mn-ea"/>
+        <a:cs typeface="+mn-cs"/>
+      </a:defRPr>
+    </a:lvl4pPr>
+    <a:lvl5pPr marL="1828800" algn="l" defTabSz="914400" rtl="0" eaLnBrk="1" latinLnBrk="0" hangingPunct="1">
+      <a:defRPr sz="1200" kern="1200">
+        <a:solidFill>
+          <a:schemeClr val="tx1"/>
+        </a:solidFill>
+        <a:latin typeface="+mn-lt"/>
+        <a:ea typeface="+mn-ea"/>
+        <a:cs typeface="+mn-cs"/>
+      </a:defRPr>
+    </a:lvl5pPr>
+    <a:lvl6pPr marL="2286000" algn="l" defTabSz="914400" rtl="0" eaLnBrk="1" latinLnBrk="0" hangingPunct="1">
+      <a:defRPr sz="1200" kern="1200">
+        <a:solidFill>
+          <a:schemeClr val="tx1"/>
+        </a:solidFill>
+        <a:latin typeface="+mn-lt"/>
+        <a:ea typeface="+mn-ea"/>
+        <a:cs typeface="+mn-cs"/>
+      </a:defRPr>
+    </a:lvl6pPr>
+    <a:lvl7pPr marL="2743200" algn="l" defTabSz="914400" rtl="0" eaLnBrk="1" latinLnBrk="0" hangingPunct="1">
+      <a:defRPr sz="1200" kern="1200">
+        <a:solidFill>
+          <a:schemeClr val="tx1"/>
+        </a:solidFill>
+        <a:latin typeface="+mn-lt"/>
+        <a:ea typeface="+mn-ea"/>
+        <a:cs typeface="+mn-cs"/>
+      </a:defRPr>
+    </a:lvl7pPr>
+    <a:lvl8pPr marL="3200400" algn="l" defTabSz="914400" rtl="0" eaLnBrk="1" latinLnBrk="0" hangingPunct="1">
+      <a:defRPr sz="1200" kern="1200">
+        <a:solidFill>
+          <a:schemeClr val="tx1"/>
+        </a:solidFill>
+        <a:latin typeface="+mn-lt"/>
+        <a:ea typeface="+mn-ea"/>
+        <a:cs typeface="+mn-cs"/>
+      </a:defRPr>
+    </a:lvl8pPr>
+    <a:lvl9pPr marL="3657600" algn="l" defTabSz="914400" rtl="0" eaLnBrk="1" latinLnBrk="0" hangingPunct="1">
+      <a:defRPr sz="1200" kern="1200">
+        <a:solidFill>
+          <a:schemeClr val="tx1"/>
+        </a:solidFill>
+        <a:latin typeface="+mn-lt"/>
+        <a:ea typeface="+mn-ea"/>
+        <a:cs typeface="+mn-cs"/>
+      </a:defRPr>
+    </a:lvl9pPr>
+  </p:notesStyle>
+</p:notesMaster>
 </file>
 
 <file path=ppt/slideLayouts/slideLayout1.xml><?xml version="1.0" encoding="utf-8"?>
@@ -2977,348 +3329,6 @@
       </p:grpSpPr>
       <p:sp>
         <p:nvSpPr>
-          <p:cNvPr id="2" name="Title 1">
-            <a:extLst>
-              <a:ext uri="{FF2B5EF4-FFF2-40B4-BE49-F238E27FC236}">
-                <a16:creationId xmlns:a16="http://schemas.microsoft.com/office/drawing/2014/main" id="{C6D1E717-B5F6-91AD-1632-74C23C725E08}"/>
-              </a:ext>
-            </a:extLst>
-          </p:cNvPr>
-          <p:cNvSpPr>
-            <a:spLocks noGrp="1"/>
-          </p:cNvSpPr>
-          <p:nvPr>
-            <p:ph type="ctrTitle"/>
-          </p:nvPr>
-        </p:nvSpPr>
-        <p:spPr/>
-        <p:txBody>
-          <a:bodyPr/>
-          <a:lstStyle/>
-          <a:p>
-            <a:endParaRPr lang="en-US"/>
-          </a:p>
-        </p:txBody>
-      </p:sp>
-      <p:sp>
-        <p:nvSpPr>
-          <p:cNvPr id="3" name="Subtitle 2">
-            <a:extLst>
-              <a:ext uri="{FF2B5EF4-FFF2-40B4-BE49-F238E27FC236}">
-                <a16:creationId xmlns:a16="http://schemas.microsoft.com/office/drawing/2014/main" id="{12AF76A3-04D1-F55B-A30A-4AE49FD2F2FE}"/>
-              </a:ext>
-            </a:extLst>
-          </p:cNvPr>
-          <p:cNvSpPr>
-            <a:spLocks noGrp="1"/>
-          </p:cNvSpPr>
-          <p:nvPr>
-            <p:ph type="subTitle" idx="1"/>
-          </p:nvPr>
-        </p:nvSpPr>
-        <p:spPr/>
-        <p:txBody>
-          <a:bodyPr/>
-          <a:lstStyle/>
-          <a:p>
-            <a:endParaRPr lang="en-US"/>
-          </a:p>
-        </p:txBody>
-      </p:sp>
-    </p:spTree>
-    <p:extLst>
-      <p:ext uri="{BB962C8B-B14F-4D97-AF65-F5344CB8AC3E}">
-        <p14:creationId xmlns:p14="http://schemas.microsoft.com/office/powerpoint/2010/main" val="1771206704"/>
-      </p:ext>
-    </p:extLst>
-  </p:cSld>
-  <p:clrMapOvr>
-    <a:masterClrMapping/>
-  </p:clrMapOvr>
-</p:sld>
-</file>
-
-<file path=ppt/slides/slide10.xml><?xml version="1.0" encoding="utf-8"?>
-<p:sld xmlns:a="http://schemas.openxmlformats.org/drawingml/2006/main" xmlns:r="http://schemas.openxmlformats.org/officeDocument/2006/relationships" xmlns:p="http://schemas.openxmlformats.org/presentationml/2006/main">
-  <p:cSld>
-    <p:spTree>
-      <p:nvGrpSpPr>
-        <p:cNvPr id="1" name=""/>
-        <p:cNvGrpSpPr/>
-        <p:nvPr/>
-      </p:nvGrpSpPr>
-      <p:grpSpPr>
-        <a:xfrm>
-          <a:off x="0" y="0"/>
-          <a:ext cx="0" cy="0"/>
-          <a:chOff x="0" y="0"/>
-          <a:chExt cx="0" cy="0"/>
-        </a:xfrm>
-      </p:grpSpPr>
-      <p:sp>
-        <p:nvSpPr>
-          <p:cNvPr id="2" name="Title 1">
-            <a:extLst>
-              <a:ext uri="{FF2B5EF4-FFF2-40B4-BE49-F238E27FC236}">
-                <a16:creationId xmlns:a16="http://schemas.microsoft.com/office/drawing/2014/main" id="{481CC8F1-92C8-2C36-7E3A-C18FEA5CBDEF}"/>
-              </a:ext>
-            </a:extLst>
-          </p:cNvPr>
-          <p:cNvSpPr>
-            <a:spLocks noGrp="1"/>
-          </p:cNvSpPr>
-          <p:nvPr>
-            <p:ph type="title"/>
-          </p:nvPr>
-        </p:nvSpPr>
-        <p:spPr/>
-        <p:txBody>
-          <a:bodyPr/>
-          <a:lstStyle/>
-          <a:p>
-            <a:endParaRPr lang="en-US"/>
-          </a:p>
-        </p:txBody>
-      </p:sp>
-      <p:sp>
-        <p:nvSpPr>
-          <p:cNvPr id="3" name="Content Placeholder 2">
-            <a:extLst>
-              <a:ext uri="{FF2B5EF4-FFF2-40B4-BE49-F238E27FC236}">
-                <a16:creationId xmlns:a16="http://schemas.microsoft.com/office/drawing/2014/main" id="{A00C3110-4BBC-027D-656C-D1E2250CC2CE}"/>
-              </a:ext>
-            </a:extLst>
-          </p:cNvPr>
-          <p:cNvSpPr>
-            <a:spLocks noGrp="1"/>
-          </p:cNvSpPr>
-          <p:nvPr>
-            <p:ph idx="1"/>
-          </p:nvPr>
-        </p:nvSpPr>
-        <p:spPr/>
-        <p:txBody>
-          <a:bodyPr/>
-          <a:lstStyle/>
-          <a:p>
-            <a:endParaRPr lang="en-US"/>
-          </a:p>
-        </p:txBody>
-      </p:sp>
-    </p:spTree>
-    <p:extLst>
-      <p:ext uri="{BB962C8B-B14F-4D97-AF65-F5344CB8AC3E}">
-        <p14:creationId xmlns:p14="http://schemas.microsoft.com/office/powerpoint/2010/main" val="3680336890"/>
-      </p:ext>
-    </p:extLst>
-  </p:cSld>
-  <p:clrMapOvr>
-    <a:masterClrMapping/>
-  </p:clrMapOvr>
-</p:sld>
-</file>
-
-<file path=ppt/slides/slide2.xml><?xml version="1.0" encoding="utf-8"?>
-<p:sld xmlns:a="http://schemas.openxmlformats.org/drawingml/2006/main" xmlns:r="http://schemas.openxmlformats.org/officeDocument/2006/relationships" xmlns:p="http://schemas.openxmlformats.org/presentationml/2006/main">
-  <p:cSld>
-    <p:spTree>
-      <p:nvGrpSpPr>
-        <p:cNvPr id="1" name=""/>
-        <p:cNvGrpSpPr/>
-        <p:nvPr/>
-      </p:nvGrpSpPr>
-      <p:grpSpPr>
-        <a:xfrm>
-          <a:off x="0" y="0"/>
-          <a:ext cx="0" cy="0"/>
-          <a:chOff x="0" y="0"/>
-          <a:chExt cx="0" cy="0"/>
-        </a:xfrm>
-      </p:grpSpPr>
-      <p:sp>
-        <p:nvSpPr>
-          <p:cNvPr id="2" name="Title 1">
-            <a:extLst>
-              <a:ext uri="{FF2B5EF4-FFF2-40B4-BE49-F238E27FC236}">
-                <a16:creationId xmlns:a16="http://schemas.microsoft.com/office/drawing/2014/main" id="{7DA748BE-91A5-B233-406E-EDF1C41DC6FC}"/>
-              </a:ext>
-            </a:extLst>
-          </p:cNvPr>
-          <p:cNvSpPr>
-            <a:spLocks noGrp="1"/>
-          </p:cNvSpPr>
-          <p:nvPr>
-            <p:ph type="title"/>
-          </p:nvPr>
-        </p:nvSpPr>
-        <p:spPr/>
-        <p:txBody>
-          <a:bodyPr/>
-          <a:lstStyle/>
-          <a:p>
-            <a:r>
-              <a:rPr lang="en-US" dirty="0" err="1"/>
-              <a:t>Loan_amnt</a:t>
-            </a:r>
-            <a:endParaRPr lang="en-US" dirty="0"/>
-          </a:p>
-        </p:txBody>
-      </p:sp>
-      <p:pic>
-        <p:nvPicPr>
-          <p:cNvPr id="4" name="Content Placeholder 3">
-            <a:extLst>
-              <a:ext uri="{FF2B5EF4-FFF2-40B4-BE49-F238E27FC236}">
-                <a16:creationId xmlns:a16="http://schemas.microsoft.com/office/drawing/2014/main" id="{99D203F8-58F7-D5A3-1D66-3D7F78404784}"/>
-              </a:ext>
-            </a:extLst>
-          </p:cNvPr>
-          <p:cNvPicPr>
-            <a:picLocks noGrp="1" noChangeAspect="1"/>
-          </p:cNvPicPr>
-          <p:nvPr>
-            <p:ph idx="1"/>
-          </p:nvPr>
-        </p:nvPicPr>
-        <p:blipFill>
-          <a:blip r:embed="rId2"/>
-          <a:stretch>
-            <a:fillRect/>
-          </a:stretch>
-        </p:blipFill>
-        <p:spPr>
-          <a:xfrm>
-            <a:off x="883998" y="2083690"/>
-            <a:ext cx="5857681" cy="2272213"/>
-          </a:xfrm>
-          <a:prstGeom prst="rect">
-            <a:avLst/>
-          </a:prstGeom>
-        </p:spPr>
-      </p:pic>
-    </p:spTree>
-    <p:extLst>
-      <p:ext uri="{BB962C8B-B14F-4D97-AF65-F5344CB8AC3E}">
-        <p14:creationId xmlns:p14="http://schemas.microsoft.com/office/powerpoint/2010/main" val="382822405"/>
-      </p:ext>
-    </p:extLst>
-  </p:cSld>
-  <p:clrMapOvr>
-    <a:masterClrMapping/>
-  </p:clrMapOvr>
-</p:sld>
-</file>
-
-<file path=ppt/slides/slide3.xml><?xml version="1.0" encoding="utf-8"?>
-<p:sld xmlns:a="http://schemas.openxmlformats.org/drawingml/2006/main" xmlns:r="http://schemas.openxmlformats.org/officeDocument/2006/relationships" xmlns:p="http://schemas.openxmlformats.org/presentationml/2006/main">
-  <p:cSld>
-    <p:spTree>
-      <p:nvGrpSpPr>
-        <p:cNvPr id="1" name=""/>
-        <p:cNvGrpSpPr/>
-        <p:nvPr/>
-      </p:nvGrpSpPr>
-      <p:grpSpPr>
-        <a:xfrm>
-          <a:off x="0" y="0"/>
-          <a:ext cx="0" cy="0"/>
-          <a:chOff x="0" y="0"/>
-          <a:chExt cx="0" cy="0"/>
-        </a:xfrm>
-      </p:grpSpPr>
-      <p:sp>
-        <p:nvSpPr>
-          <p:cNvPr id="2" name="Title 1">
-            <a:extLst>
-              <a:ext uri="{FF2B5EF4-FFF2-40B4-BE49-F238E27FC236}">
-                <a16:creationId xmlns:a16="http://schemas.microsoft.com/office/drawing/2014/main" id="{2D81569E-6542-9787-FD4D-65F652857A86}"/>
-              </a:ext>
-            </a:extLst>
-          </p:cNvPr>
-          <p:cNvSpPr>
-            <a:spLocks noGrp="1"/>
-          </p:cNvSpPr>
-          <p:nvPr>
-            <p:ph type="title"/>
-          </p:nvPr>
-        </p:nvSpPr>
-        <p:spPr/>
-        <p:txBody>
-          <a:bodyPr/>
-          <a:lstStyle/>
-          <a:p>
-            <a:r>
-              <a:rPr lang="en-US" dirty="0" err="1"/>
-              <a:t>Int_rate</a:t>
-            </a:r>
-            <a:endParaRPr lang="en-US" dirty="0"/>
-          </a:p>
-        </p:txBody>
-      </p:sp>
-      <p:pic>
-        <p:nvPicPr>
-          <p:cNvPr id="4" name="Content Placeholder 3">
-            <a:extLst>
-              <a:ext uri="{FF2B5EF4-FFF2-40B4-BE49-F238E27FC236}">
-                <a16:creationId xmlns:a16="http://schemas.microsoft.com/office/drawing/2014/main" id="{F0CA6EC1-B2F6-9EAA-0618-10DF21A5B603}"/>
-              </a:ext>
-            </a:extLst>
-          </p:cNvPr>
-          <p:cNvPicPr>
-            <a:picLocks noGrp="1" noChangeAspect="1"/>
-          </p:cNvPicPr>
-          <p:nvPr>
-            <p:ph idx="1"/>
-          </p:nvPr>
-        </p:nvPicPr>
-        <p:blipFill>
-          <a:blip r:embed="rId2"/>
-          <a:stretch>
-            <a:fillRect/>
-          </a:stretch>
-        </p:blipFill>
-        <p:spPr>
-          <a:xfrm>
-            <a:off x="870167" y="2348869"/>
-            <a:ext cx="7538317" cy="2924137"/>
-          </a:xfrm>
-          <a:prstGeom prst="rect">
-            <a:avLst/>
-          </a:prstGeom>
-        </p:spPr>
-      </p:pic>
-    </p:spTree>
-    <p:extLst>
-      <p:ext uri="{BB962C8B-B14F-4D97-AF65-F5344CB8AC3E}">
-        <p14:creationId xmlns:p14="http://schemas.microsoft.com/office/powerpoint/2010/main" val="38525610"/>
-      </p:ext>
-    </p:extLst>
-  </p:cSld>
-  <p:clrMapOvr>
-    <a:masterClrMapping/>
-  </p:clrMapOvr>
-</p:sld>
-</file>
-
-<file path=ppt/slides/slide4.xml><?xml version="1.0" encoding="utf-8"?>
-<p:sld xmlns:a="http://schemas.openxmlformats.org/drawingml/2006/main" xmlns:r="http://schemas.openxmlformats.org/officeDocument/2006/relationships" xmlns:p="http://schemas.openxmlformats.org/presentationml/2006/main">
-  <p:cSld>
-    <p:spTree>
-      <p:nvGrpSpPr>
-        <p:cNvPr id="1" name=""/>
-        <p:cNvGrpSpPr/>
-        <p:nvPr/>
-      </p:nvGrpSpPr>
-      <p:grpSpPr>
-        <a:xfrm>
-          <a:off x="0" y="0"/>
-          <a:ext cx="0" cy="0"/>
-          <a:chOff x="0" y="0"/>
-          <a:chExt cx="0" cy="0"/>
-        </a:xfrm>
-      </p:grpSpPr>
-      <p:sp>
-        <p:nvSpPr>
           <p:cNvPr id="7" name="Title 1">
             <a:extLst>
               <a:ext uri="{FF2B5EF4-FFF2-40B4-BE49-F238E27FC236}">
@@ -3345,7 +3355,7 @@
           <a:p>
             <a:r>
               <a:rPr lang="en-US" dirty="0"/>
-              <a:t>Conclusion</a:t>
+              <a:t>Conclusion 1</a:t>
             </a:r>
           </a:p>
         </p:txBody>
@@ -3368,35 +3378,59 @@
         </p:nvSpPr>
         <p:spPr>
           <a:xfrm>
-            <a:off x="564845" y="1844498"/>
-            <a:ext cx="3119374" cy="3703945"/>
+            <a:off x="564844" y="1975914"/>
+            <a:ext cx="3560115" cy="3703945"/>
           </a:xfrm>
         </p:spPr>
         <p:txBody>
           <a:bodyPr>
-            <a:normAutofit fontScale="70000" lnSpcReduction="20000"/>
+            <a:normAutofit/>
           </a:bodyPr>
           <a:lstStyle/>
           <a:p>
             <a:r>
-              <a:rPr lang="en-US" dirty="0"/>
+              <a:rPr lang="en-US" sz="1800" dirty="0"/>
               <a:t>The fig shows the chances of default across the “term” categories</a:t>
             </a:r>
           </a:p>
           <a:p>
             <a:r>
-              <a:rPr lang="en-US" dirty="0"/>
-              <a:t>For Ex: at least 1 out of 4 loans (&gt;25%) in “60 months” end up defaulting</a:t>
-            </a:r>
-          </a:p>
-          <a:p>
-            <a:r>
-              <a:rPr lang="en-US" dirty="0"/>
-              <a:t>This helps the company to manage their portfolio by not allocating a high number of loans in the high risk “term” categories </a:t>
-            </a:r>
-          </a:p>
-          <a:p>
-            <a:endParaRPr lang="en-US" dirty="0"/>
+              <a:rPr lang="en-US" sz="1800" dirty="0"/>
+              <a:t>For Ex: </a:t>
+            </a:r>
+            <a:r>
+              <a:rPr lang="en-US" sz="1800" b="1" dirty="0"/>
+              <a:t>at least 1 out of 4 loans</a:t>
+            </a:r>
+            <a:r>
+              <a:rPr lang="en-US" sz="1800" dirty="0"/>
+              <a:t> (&gt;25%) in “60 months” end up defaulting</a:t>
+            </a:r>
+          </a:p>
+          <a:p>
+            <a:r>
+              <a:rPr lang="en-US" sz="1800" dirty="0"/>
+              <a:t>This helps the company to manage their portfolio by </a:t>
+            </a:r>
+            <a:r>
+              <a:rPr lang="en-US" sz="1800" b="1" dirty="0"/>
+              <a:t>not allocating a high number of loans </a:t>
+            </a:r>
+            <a:r>
+              <a:rPr lang="en-US" sz="1800" dirty="0"/>
+              <a:t>in the high risk </a:t>
+            </a:r>
+            <a:r>
+              <a:rPr lang="en-US" sz="1800" b="1" dirty="0"/>
+              <a:t>“60 month” </a:t>
+            </a:r>
+            <a:r>
+              <a:rPr lang="en-US" sz="1800" dirty="0"/>
+              <a:t>category</a:t>
+            </a:r>
+          </a:p>
+          <a:p>
+            <a:endParaRPr lang="en-US" sz="1800" dirty="0"/>
           </a:p>
         </p:txBody>
       </p:sp>
@@ -3422,7 +3456,7 @@
         </p:blipFill>
         <p:spPr>
           <a:xfrm>
-            <a:off x="4617062" y="1975914"/>
+            <a:off x="4254817" y="1910782"/>
             <a:ext cx="4724094" cy="2971305"/>
           </a:xfrm>
           <a:prstGeom prst="rect">
@@ -3443,7 +3477,7 @@
 </p:sld>
 </file>
 
-<file path=ppt/slides/slide5.xml><?xml version="1.0" encoding="utf-8"?>
+<file path=ppt/slides/slide2.xml><?xml version="1.0" encoding="utf-8"?>
 <p:sld xmlns:a="http://schemas.openxmlformats.org/drawingml/2006/main" xmlns:r="http://schemas.openxmlformats.org/officeDocument/2006/relationships" xmlns:p="http://schemas.openxmlformats.org/presentationml/2006/main">
   <p:cSld>
     <p:spTree>
@@ -3482,8 +3516,8 @@
         </p:blipFill>
         <p:spPr>
           <a:xfrm>
-            <a:off x="2014307" y="3550920"/>
-            <a:ext cx="6076470" cy="2772610"/>
+            <a:off x="1384386" y="3160354"/>
+            <a:ext cx="6835053" cy="3118741"/>
           </a:xfrm>
           <a:prstGeom prst="rect">
             <a:avLst/>
@@ -3518,7 +3552,7 @@
           <a:p>
             <a:r>
               <a:rPr lang="en-US" dirty="0"/>
-              <a:t>Conclusion</a:t>
+              <a:t>Conclusion 2</a:t>
             </a:r>
           </a:p>
         </p:txBody>
@@ -3541,13 +3575,13 @@
         </p:nvSpPr>
         <p:spPr>
           <a:xfrm>
-            <a:off x="564844" y="1844499"/>
-            <a:ext cx="8975396" cy="1584502"/>
+            <a:off x="564844" y="1844500"/>
+            <a:ext cx="8904276" cy="1077020"/>
           </a:xfrm>
         </p:spPr>
         <p:txBody>
           <a:bodyPr>
-            <a:normAutofit fontScale="77500" lnSpcReduction="20000"/>
+            <a:normAutofit fontScale="55000" lnSpcReduction="20000"/>
           </a:bodyPr>
           <a:lstStyle/>
           <a:p>
@@ -3559,13 +3593,33 @@
           <a:p>
             <a:r>
               <a:rPr lang="en-US" dirty="0"/>
-              <a:t>For Ex: at least 1 out of 4 loans (&gt;25%) in “small business” end up defaulting</a:t>
-            </a:r>
-          </a:p>
-          <a:p>
+              <a:t>Ex: at least </a:t>
+            </a:r>
+            <a:r>
+              <a:rPr lang="en-US" b="1" dirty="0"/>
+              <a:t>1 out of 4 loans </a:t>
+            </a:r>
             <a:r>
               <a:rPr lang="en-US" dirty="0"/>
-              <a:t>This helps the company to manage their portfolio by not allocating a high number of loans in the high risk “purpose” categories </a:t>
+              <a:t>(&gt;25%) in “small business” end up defaulting</a:t>
+            </a:r>
+          </a:p>
+          <a:p>
+            <a:r>
+              <a:rPr lang="en-US" dirty="0"/>
+              <a:t>This helps the company to manage their portfolio by </a:t>
+            </a:r>
+            <a:r>
+              <a:rPr lang="en-US" b="1" dirty="0"/>
+              <a:t>not allocating a high number of loans in the high risk “purpose” categories </a:t>
+            </a:r>
+            <a:r>
+              <a:rPr lang="en-US" dirty="0"/>
+              <a:t>like</a:t>
+            </a:r>
+            <a:r>
+              <a:rPr lang="en-US" b="1" dirty="0"/>
+              <a:t> “small business”, “renewable energy”.</a:t>
             </a:r>
           </a:p>
           <a:p>
@@ -3577,6 +3631,532 @@
     <p:extLst>
       <p:ext uri="{BB962C8B-B14F-4D97-AF65-F5344CB8AC3E}">
         <p14:creationId xmlns:p14="http://schemas.microsoft.com/office/powerpoint/2010/main" val="1347944518"/>
+      </p:ext>
+    </p:extLst>
+  </p:cSld>
+  <p:clrMapOvr>
+    <a:masterClrMapping/>
+  </p:clrMapOvr>
+</p:sld>
+</file>
+
+<file path=ppt/slides/slide3.xml><?xml version="1.0" encoding="utf-8"?>
+<p:sld xmlns:a="http://schemas.openxmlformats.org/drawingml/2006/main" xmlns:r="http://schemas.openxmlformats.org/officeDocument/2006/relationships" xmlns:p="http://schemas.openxmlformats.org/presentationml/2006/main">
+  <p:cSld>
+    <p:spTree>
+      <p:nvGrpSpPr>
+        <p:cNvPr id="1" name=""/>
+        <p:cNvGrpSpPr/>
+        <p:nvPr/>
+      </p:nvGrpSpPr>
+      <p:grpSpPr>
+        <a:xfrm>
+          <a:off x="0" y="0"/>
+          <a:ext cx="0" cy="0"/>
+          <a:chOff x="0" y="0"/>
+          <a:chExt cx="0" cy="0"/>
+        </a:xfrm>
+      </p:grpSpPr>
+      <p:sp>
+        <p:nvSpPr>
+          <p:cNvPr id="7" name="Title 1">
+            <a:extLst>
+              <a:ext uri="{FF2B5EF4-FFF2-40B4-BE49-F238E27FC236}">
+                <a16:creationId xmlns:a16="http://schemas.microsoft.com/office/drawing/2014/main" id="{E6427DA3-4F5B-23BB-32EC-9EE25EBF4FA7}"/>
+              </a:ext>
+            </a:extLst>
+          </p:cNvPr>
+          <p:cNvSpPr>
+            <a:spLocks noGrp="1"/>
+          </p:cNvSpPr>
+          <p:nvPr>
+            <p:ph type="title"/>
+          </p:nvPr>
+        </p:nvSpPr>
+        <p:spPr>
+          <a:xfrm>
+            <a:off x="564844" y="898894"/>
+            <a:ext cx="8543925" cy="1077020"/>
+          </a:xfrm>
+        </p:spPr>
+        <p:txBody>
+          <a:bodyPr/>
+          <a:lstStyle/>
+          <a:p>
+            <a:r>
+              <a:rPr lang="en-US" dirty="0"/>
+              <a:t>Conclusion 3</a:t>
+            </a:r>
+          </a:p>
+        </p:txBody>
+      </p:sp>
+      <p:sp>
+        <p:nvSpPr>
+          <p:cNvPr id="10" name="Content Placeholder 9">
+            <a:extLst>
+              <a:ext uri="{FF2B5EF4-FFF2-40B4-BE49-F238E27FC236}">
+                <a16:creationId xmlns:a16="http://schemas.microsoft.com/office/drawing/2014/main" id="{2FFF1BF7-4939-F1C0-F776-656E4923C074}"/>
+              </a:ext>
+            </a:extLst>
+          </p:cNvPr>
+          <p:cNvSpPr>
+            <a:spLocks noGrp="1"/>
+          </p:cNvSpPr>
+          <p:nvPr>
+            <p:ph idx="1"/>
+          </p:nvPr>
+        </p:nvSpPr>
+        <p:spPr>
+          <a:xfrm>
+            <a:off x="564845" y="1844500"/>
+            <a:ext cx="8543924" cy="1077020"/>
+          </a:xfrm>
+        </p:spPr>
+        <p:txBody>
+          <a:bodyPr>
+            <a:normAutofit fontScale="55000" lnSpcReduction="20000"/>
+          </a:bodyPr>
+          <a:lstStyle/>
+          <a:p>
+            <a:r>
+              <a:rPr lang="en-US" dirty="0"/>
+              <a:t>The fig shows the chances of default across the “grade” categories</a:t>
+            </a:r>
+          </a:p>
+          <a:p>
+            <a:r>
+              <a:rPr lang="en-US" dirty="0"/>
+              <a:t>For Ex: </a:t>
+            </a:r>
+            <a:r>
+              <a:rPr lang="en-US" b="1" dirty="0"/>
+              <a:t>more than 30% of loans in grade G </a:t>
+            </a:r>
+            <a:r>
+              <a:rPr lang="en-US" dirty="0"/>
+              <a:t>end up in defaulting</a:t>
+            </a:r>
+          </a:p>
+          <a:p>
+            <a:r>
+              <a:rPr lang="en-US" dirty="0"/>
+              <a:t>This helps the company to manage their portfolio by </a:t>
+            </a:r>
+            <a:r>
+              <a:rPr lang="en-US" b="1" dirty="0"/>
+              <a:t>not allocating a high number of loans in the high risk “grade” categories </a:t>
+            </a:r>
+            <a:r>
+              <a:rPr lang="en-US" dirty="0"/>
+              <a:t>like</a:t>
+            </a:r>
+            <a:r>
+              <a:rPr lang="en-US" b="1" dirty="0"/>
+              <a:t> “G”, “F”</a:t>
+            </a:r>
+          </a:p>
+          <a:p>
+            <a:endParaRPr lang="en-US" dirty="0"/>
+          </a:p>
+        </p:txBody>
+      </p:sp>
+      <p:pic>
+        <p:nvPicPr>
+          <p:cNvPr id="2" name="Picture 1">
+            <a:extLst>
+              <a:ext uri="{FF2B5EF4-FFF2-40B4-BE49-F238E27FC236}">
+                <a16:creationId xmlns:a16="http://schemas.microsoft.com/office/drawing/2014/main" id="{48890DF0-B02E-7911-C754-99631D673618}"/>
+              </a:ext>
+            </a:extLst>
+          </p:cNvPr>
+          <p:cNvPicPr>
+            <a:picLocks noChangeAspect="1"/>
+          </p:cNvPicPr>
+          <p:nvPr/>
+        </p:nvPicPr>
+        <p:blipFill>
+          <a:blip r:embed="rId2"/>
+          <a:stretch>
+            <a:fillRect/>
+          </a:stretch>
+        </p:blipFill>
+        <p:spPr>
+          <a:xfrm>
+            <a:off x="564844" y="3088640"/>
+            <a:ext cx="8312724" cy="3322320"/>
+          </a:xfrm>
+          <a:prstGeom prst="rect">
+            <a:avLst/>
+          </a:prstGeom>
+        </p:spPr>
+      </p:pic>
+    </p:spTree>
+    <p:extLst>
+      <p:ext uri="{BB962C8B-B14F-4D97-AF65-F5344CB8AC3E}">
+        <p14:creationId xmlns:p14="http://schemas.microsoft.com/office/powerpoint/2010/main" val="2317690855"/>
+      </p:ext>
+    </p:extLst>
+  </p:cSld>
+  <p:clrMapOvr>
+    <a:masterClrMapping/>
+  </p:clrMapOvr>
+</p:sld>
+</file>
+
+<file path=ppt/slides/slide4.xml><?xml version="1.0" encoding="utf-8"?>
+<p:sld xmlns:a="http://schemas.openxmlformats.org/drawingml/2006/main" xmlns:r="http://schemas.openxmlformats.org/officeDocument/2006/relationships" xmlns:p="http://schemas.openxmlformats.org/presentationml/2006/main">
+  <p:cSld>
+    <p:spTree>
+      <p:nvGrpSpPr>
+        <p:cNvPr id="1" name=""/>
+        <p:cNvGrpSpPr/>
+        <p:nvPr/>
+      </p:nvGrpSpPr>
+      <p:grpSpPr>
+        <a:xfrm>
+          <a:off x="0" y="0"/>
+          <a:ext cx="0" cy="0"/>
+          <a:chOff x="0" y="0"/>
+          <a:chExt cx="0" cy="0"/>
+        </a:xfrm>
+      </p:grpSpPr>
+      <p:sp>
+        <p:nvSpPr>
+          <p:cNvPr id="7" name="Title 1">
+            <a:extLst>
+              <a:ext uri="{FF2B5EF4-FFF2-40B4-BE49-F238E27FC236}">
+                <a16:creationId xmlns:a16="http://schemas.microsoft.com/office/drawing/2014/main" id="{E6427DA3-4F5B-23BB-32EC-9EE25EBF4FA7}"/>
+              </a:ext>
+            </a:extLst>
+          </p:cNvPr>
+          <p:cNvSpPr>
+            <a:spLocks noGrp="1"/>
+          </p:cNvSpPr>
+          <p:nvPr>
+            <p:ph type="title"/>
+          </p:nvPr>
+        </p:nvSpPr>
+        <p:spPr>
+          <a:xfrm>
+            <a:off x="564844" y="898894"/>
+            <a:ext cx="8543925" cy="1077020"/>
+          </a:xfrm>
+        </p:spPr>
+        <p:txBody>
+          <a:bodyPr/>
+          <a:lstStyle/>
+          <a:p>
+            <a:r>
+              <a:rPr lang="en-US" dirty="0"/>
+              <a:t>Conclusion 4</a:t>
+            </a:r>
+          </a:p>
+        </p:txBody>
+      </p:sp>
+      <p:sp>
+        <p:nvSpPr>
+          <p:cNvPr id="10" name="Content Placeholder 9">
+            <a:extLst>
+              <a:ext uri="{FF2B5EF4-FFF2-40B4-BE49-F238E27FC236}">
+                <a16:creationId xmlns:a16="http://schemas.microsoft.com/office/drawing/2014/main" id="{2FFF1BF7-4939-F1C0-F776-656E4923C074}"/>
+              </a:ext>
+            </a:extLst>
+          </p:cNvPr>
+          <p:cNvSpPr>
+            <a:spLocks noGrp="1"/>
+          </p:cNvSpPr>
+          <p:nvPr>
+            <p:ph idx="1"/>
+          </p:nvPr>
+        </p:nvSpPr>
+        <p:spPr>
+          <a:xfrm>
+            <a:off x="564844" y="1844498"/>
+            <a:ext cx="8121955" cy="1077021"/>
+          </a:xfrm>
+        </p:spPr>
+        <p:txBody>
+          <a:bodyPr>
+            <a:normAutofit fontScale="55000" lnSpcReduction="20000"/>
+          </a:bodyPr>
+          <a:lstStyle/>
+          <a:p>
+            <a:r>
+              <a:rPr lang="en-US" dirty="0"/>
+              <a:t>The fig shows the chances of default across the “</a:t>
+            </a:r>
+            <a:r>
+              <a:rPr lang="en-US" dirty="0" err="1"/>
+              <a:t>sub_grade</a:t>
+            </a:r>
+            <a:r>
+              <a:rPr lang="en-US" dirty="0"/>
+              <a:t>” categories</a:t>
+            </a:r>
+          </a:p>
+          <a:p>
+            <a:r>
+              <a:rPr lang="en-US" dirty="0"/>
+              <a:t>Ex: </a:t>
+            </a:r>
+            <a:r>
+              <a:rPr lang="en-US" b="1" dirty="0"/>
+              <a:t>more than 40% of loans</a:t>
+            </a:r>
+            <a:r>
+              <a:rPr lang="en-US" dirty="0"/>
+              <a:t> in “F5” &amp; “G5” end up </a:t>
+            </a:r>
+            <a:r>
+              <a:rPr lang="en-US" b="1" dirty="0"/>
+              <a:t>defaulting</a:t>
+            </a:r>
+          </a:p>
+          <a:p>
+            <a:r>
+              <a:rPr lang="en-US" dirty="0"/>
+              <a:t>This helps the company to manage their portfolio by </a:t>
+            </a:r>
+            <a:r>
+              <a:rPr lang="en-US" b="1" dirty="0"/>
+              <a:t>not allocating a high number of loans in such  high risk “</a:t>
+            </a:r>
+            <a:r>
+              <a:rPr lang="en-US" b="1" dirty="0" err="1"/>
+              <a:t>sub_grade</a:t>
+            </a:r>
+            <a:r>
+              <a:rPr lang="en-US" b="1" dirty="0"/>
+              <a:t>” categories </a:t>
+            </a:r>
+          </a:p>
+          <a:p>
+            <a:endParaRPr lang="en-US" dirty="0"/>
+          </a:p>
+        </p:txBody>
+      </p:sp>
+      <p:pic>
+        <p:nvPicPr>
+          <p:cNvPr id="3" name="Picture 2">
+            <a:extLst>
+              <a:ext uri="{FF2B5EF4-FFF2-40B4-BE49-F238E27FC236}">
+                <a16:creationId xmlns:a16="http://schemas.microsoft.com/office/drawing/2014/main" id="{27B76326-7355-8154-A0AF-CE839A4BAC6A}"/>
+              </a:ext>
+            </a:extLst>
+          </p:cNvPr>
+          <p:cNvPicPr>
+            <a:picLocks noChangeAspect="1"/>
+          </p:cNvPicPr>
+          <p:nvPr/>
+        </p:nvPicPr>
+        <p:blipFill>
+          <a:blip r:embed="rId2"/>
+          <a:stretch>
+            <a:fillRect/>
+          </a:stretch>
+        </p:blipFill>
+        <p:spPr>
+          <a:xfrm>
+            <a:off x="564845" y="3140814"/>
+            <a:ext cx="8121954" cy="3279889"/>
+          </a:xfrm>
+          <a:prstGeom prst="rect">
+            <a:avLst/>
+          </a:prstGeom>
+        </p:spPr>
+      </p:pic>
+    </p:spTree>
+    <p:extLst>
+      <p:ext uri="{BB962C8B-B14F-4D97-AF65-F5344CB8AC3E}">
+        <p14:creationId xmlns:p14="http://schemas.microsoft.com/office/powerpoint/2010/main" val="1931364037"/>
+      </p:ext>
+    </p:extLst>
+  </p:cSld>
+  <p:clrMapOvr>
+    <a:masterClrMapping/>
+  </p:clrMapOvr>
+</p:sld>
+</file>
+
+<file path=ppt/slides/slide5.xml><?xml version="1.0" encoding="utf-8"?>
+<p:sld xmlns:a="http://schemas.openxmlformats.org/drawingml/2006/main" xmlns:r="http://schemas.openxmlformats.org/officeDocument/2006/relationships" xmlns:p="http://schemas.openxmlformats.org/presentationml/2006/main">
+  <p:cSld>
+    <p:spTree>
+      <p:nvGrpSpPr>
+        <p:cNvPr id="1" name=""/>
+        <p:cNvGrpSpPr/>
+        <p:nvPr/>
+      </p:nvGrpSpPr>
+      <p:grpSpPr>
+        <a:xfrm>
+          <a:off x="0" y="0"/>
+          <a:ext cx="0" cy="0"/>
+          <a:chOff x="0" y="0"/>
+          <a:chExt cx="0" cy="0"/>
+        </a:xfrm>
+      </p:grpSpPr>
+      <p:sp>
+        <p:nvSpPr>
+          <p:cNvPr id="7" name="Title 1">
+            <a:extLst>
+              <a:ext uri="{FF2B5EF4-FFF2-40B4-BE49-F238E27FC236}">
+                <a16:creationId xmlns:a16="http://schemas.microsoft.com/office/drawing/2014/main" id="{E6427DA3-4F5B-23BB-32EC-9EE25EBF4FA7}"/>
+              </a:ext>
+            </a:extLst>
+          </p:cNvPr>
+          <p:cNvSpPr>
+            <a:spLocks noGrp="1"/>
+          </p:cNvSpPr>
+          <p:nvPr>
+            <p:ph type="title"/>
+          </p:nvPr>
+        </p:nvSpPr>
+        <p:spPr>
+          <a:xfrm>
+            <a:off x="564844" y="898894"/>
+            <a:ext cx="8543925" cy="1077020"/>
+          </a:xfrm>
+        </p:spPr>
+        <p:txBody>
+          <a:bodyPr/>
+          <a:lstStyle/>
+          <a:p>
+            <a:r>
+              <a:rPr lang="en-US" dirty="0"/>
+              <a:t>Conclusion 5</a:t>
+            </a:r>
+          </a:p>
+        </p:txBody>
+      </p:sp>
+      <p:sp>
+        <p:nvSpPr>
+          <p:cNvPr id="10" name="Content Placeholder 9">
+            <a:extLst>
+              <a:ext uri="{FF2B5EF4-FFF2-40B4-BE49-F238E27FC236}">
+                <a16:creationId xmlns:a16="http://schemas.microsoft.com/office/drawing/2014/main" id="{2FFF1BF7-4939-F1C0-F776-656E4923C074}"/>
+              </a:ext>
+            </a:extLst>
+          </p:cNvPr>
+          <p:cNvSpPr>
+            <a:spLocks noGrp="1"/>
+          </p:cNvSpPr>
+          <p:nvPr>
+            <p:ph idx="1"/>
+          </p:nvPr>
+        </p:nvSpPr>
+        <p:spPr>
+          <a:xfrm>
+            <a:off x="564844" y="1844498"/>
+            <a:ext cx="3946195" cy="4210862"/>
+          </a:xfrm>
+        </p:spPr>
+        <p:txBody>
+          <a:bodyPr>
+            <a:normAutofit fontScale="62500" lnSpcReduction="20000"/>
+          </a:bodyPr>
+          <a:lstStyle/>
+          <a:p>
+            <a:r>
+              <a:rPr lang="en-US" b="1" dirty="0"/>
+              <a:t>Business Driven Metric – EMI_BURDEN</a:t>
+            </a:r>
+          </a:p>
+          <a:p>
+            <a:r>
+              <a:rPr lang="en-US" dirty="0"/>
+              <a:t>The medians of the calculated emi_burden are ”</a:t>
+            </a:r>
+            <a:r>
+              <a:rPr lang="en-US" b="1" dirty="0"/>
+              <a:t>173</a:t>
+            </a:r>
+            <a:r>
+              <a:rPr lang="en-US" dirty="0"/>
+              <a:t>” &amp; “</a:t>
+            </a:r>
+            <a:r>
+              <a:rPr lang="en-US" b="1" dirty="0"/>
+              <a:t>205</a:t>
+            </a:r>
+            <a:r>
+              <a:rPr lang="en-US" dirty="0"/>
+              <a:t>” for “Charged Off &amp; “Fully Paid” respectively.</a:t>
+            </a:r>
+          </a:p>
+          <a:p>
+            <a:r>
+              <a:rPr lang="en-US" dirty="0"/>
+              <a:t>Fully paid loans </a:t>
+            </a:r>
+            <a:r>
+              <a:rPr lang="en-US" b="1" dirty="0"/>
+              <a:t>have much higher emi_burden</a:t>
+            </a:r>
+            <a:r>
+              <a:rPr lang="en-US" dirty="0"/>
+              <a:t> values than that of defaults </a:t>
+            </a:r>
+          </a:p>
+          <a:p>
+            <a:r>
+              <a:rPr lang="en-US" dirty="0"/>
+              <a:t>This derived metric helps in predicting defaults at the time of approval</a:t>
+            </a:r>
+          </a:p>
+          <a:p>
+            <a:r>
+              <a:rPr lang="en-US" b="1" dirty="0"/>
+              <a:t>Note</a:t>
+            </a:r>
+            <a:r>
+              <a:rPr lang="en-US" dirty="0"/>
+              <a:t>: The metric must be used with caution. An increase/decrease in “</a:t>
+            </a:r>
+            <a:r>
+              <a:rPr lang="en-US" dirty="0" err="1"/>
+              <a:t>annual_inc</a:t>
+            </a:r>
+            <a:r>
+              <a:rPr lang="en-US" dirty="0"/>
+              <a:t>” during the term can greatly affect its importance</a:t>
+            </a:r>
+          </a:p>
+        </p:txBody>
+      </p:sp>
+      <p:pic>
+        <p:nvPicPr>
+          <p:cNvPr id="2" name="Picture 1">
+            <a:extLst>
+              <a:ext uri="{FF2B5EF4-FFF2-40B4-BE49-F238E27FC236}">
+                <a16:creationId xmlns:a16="http://schemas.microsoft.com/office/drawing/2014/main" id="{CE040370-F5C2-3F72-3894-E7A213F95403}"/>
+              </a:ext>
+            </a:extLst>
+          </p:cNvPr>
+          <p:cNvPicPr>
+            <a:picLocks noChangeAspect="1"/>
+          </p:cNvPicPr>
+          <p:nvPr/>
+        </p:nvPicPr>
+        <p:blipFill>
+          <a:blip r:embed="rId2"/>
+          <a:stretch>
+            <a:fillRect/>
+          </a:stretch>
+        </p:blipFill>
+        <p:spPr>
+          <a:xfrm>
+            <a:off x="4836806" y="2330154"/>
+            <a:ext cx="4291708" cy="2729526"/>
+          </a:xfrm>
+          <a:prstGeom prst="rect">
+            <a:avLst/>
+          </a:prstGeom>
+        </p:spPr>
+      </p:pic>
+    </p:spTree>
+    <p:extLst>
+      <p:ext uri="{BB962C8B-B14F-4D97-AF65-F5344CB8AC3E}">
+        <p14:creationId xmlns:p14="http://schemas.microsoft.com/office/powerpoint/2010/main" val="2714729283"/>
       </p:ext>
     </p:extLst>
   </p:cSld>
@@ -3605,10 +4185,10 @@
       </p:grpSpPr>
       <p:sp>
         <p:nvSpPr>
-          <p:cNvPr id="7" name="Title 1">
+          <p:cNvPr id="2" name="Title 1">
             <a:extLst>
               <a:ext uri="{FF2B5EF4-FFF2-40B4-BE49-F238E27FC236}">
-                <a16:creationId xmlns:a16="http://schemas.microsoft.com/office/drawing/2014/main" id="{E6427DA3-4F5B-23BB-32EC-9EE25EBF4FA7}"/>
+                <a16:creationId xmlns:a16="http://schemas.microsoft.com/office/drawing/2014/main" id="{481CC8F1-92C8-2C36-7E3A-C18FEA5CBDEF}"/>
               </a:ext>
             </a:extLst>
           </p:cNvPr>
@@ -3619,29 +4199,24 @@
             <p:ph type="title"/>
           </p:nvPr>
         </p:nvSpPr>
-        <p:spPr>
-          <a:xfrm>
-            <a:off x="564844" y="898894"/>
-            <a:ext cx="8543925" cy="1077020"/>
-          </a:xfrm>
-        </p:spPr>
+        <p:spPr/>
         <p:txBody>
           <a:bodyPr/>
           <a:lstStyle/>
           <a:p>
             <a:r>
               <a:rPr lang="en-US" dirty="0"/>
-              <a:t>Conclusion</a:t>
-            </a:r>
-          </a:p>
-        </p:txBody>
-      </p:sp>
-      <p:sp>
-        <p:nvSpPr>
-          <p:cNvPr id="10" name="Content Placeholder 9">
+              <a:t>Recommendation 1:</a:t>
+            </a:r>
+          </a:p>
+        </p:txBody>
+      </p:sp>
+      <p:sp>
+        <p:nvSpPr>
+          <p:cNvPr id="3" name="Content Placeholder 2">
             <a:extLst>
               <a:ext uri="{FF2B5EF4-FFF2-40B4-BE49-F238E27FC236}">
-                <a16:creationId xmlns:a16="http://schemas.microsoft.com/office/drawing/2014/main" id="{2FFF1BF7-4939-F1C0-F776-656E4923C074}"/>
+                <a16:creationId xmlns:a16="http://schemas.microsoft.com/office/drawing/2014/main" id="{A00C3110-4BBC-027D-656C-D1E2250CC2CE}"/>
               </a:ext>
             </a:extLst>
           </p:cNvPr>
@@ -3654,31 +4229,119 @@
         </p:nvSpPr>
         <p:spPr>
           <a:xfrm>
-            <a:off x="564845" y="1844499"/>
-            <a:ext cx="8543924" cy="1477822"/>
+            <a:off x="681038" y="1547813"/>
+            <a:ext cx="8543925" cy="1881187"/>
           </a:xfrm>
         </p:spPr>
         <p:txBody>
           <a:bodyPr>
-            <a:normAutofit fontScale="77500" lnSpcReduction="20000"/>
+            <a:normAutofit fontScale="55000" lnSpcReduction="20000"/>
           </a:bodyPr>
           <a:lstStyle/>
           <a:p>
             <a:r>
               <a:rPr lang="en-US" dirty="0"/>
-              <a:t>The fig shows the chances of default across the “grade” categories</a:t>
-            </a:r>
-          </a:p>
-          <a:p>
+              <a:t>The fig shows median “</a:t>
+            </a:r>
+            <a:r>
+              <a:rPr lang="en-US" dirty="0" err="1"/>
+              <a:t>loan_amnt</a:t>
+            </a:r>
             <a:r>
               <a:rPr lang="en-US" dirty="0"/>
-              <a:t>For Ex: more than 30% of loans in grade G end up in defaulting</a:t>
-            </a:r>
-          </a:p>
-          <a:p>
+              <a:t>” across “</a:t>
+            </a:r>
+            <a:r>
+              <a:rPr lang="en-US" dirty="0" err="1"/>
+              <a:t>addr_state</a:t>
+            </a:r>
             <a:r>
               <a:rPr lang="en-US" dirty="0"/>
-              <a:t>This helps the company to manage their portfolio by not allocating a high number of loans in the high risk “grade” categories </a:t>
+              <a:t>” categories, segmented by “</a:t>
+            </a:r>
+            <a:r>
+              <a:rPr lang="en-US" dirty="0" err="1"/>
+              <a:t>loan_status</a:t>
+            </a:r>
+            <a:r>
+              <a:rPr lang="en-US" dirty="0"/>
+              <a:t>”</a:t>
+            </a:r>
+          </a:p>
+          <a:p>
+            <a:r>
+              <a:rPr lang="en-US" dirty="0"/>
+              <a:t>Ex: “</a:t>
+            </a:r>
+            <a:r>
+              <a:rPr lang="en-US" dirty="0" err="1"/>
+              <a:t>loan_amnt</a:t>
+            </a:r>
+            <a:r>
+              <a:rPr lang="en-US" dirty="0"/>
+              <a:t>” in the state “WY” has the following medians:</a:t>
+            </a:r>
+          </a:p>
+          <a:p>
+            <a:pPr lvl="1"/>
+            <a:r>
+              <a:rPr lang="en-US" dirty="0"/>
+              <a:t>“Default” : 180000,  “Fully Paid” :  10375</a:t>
+            </a:r>
+          </a:p>
+          <a:p>
+            <a:r>
+              <a:rPr lang="en-US" dirty="0"/>
+              <a:t>The data can be used as </a:t>
+            </a:r>
+            <a:r>
+              <a:rPr lang="en-US" b="1" dirty="0"/>
+              <a:t>Recommended “</a:t>
+            </a:r>
+            <a:r>
+              <a:rPr lang="en-US" b="1" dirty="0" err="1"/>
+              <a:t>loan_amnt</a:t>
+            </a:r>
+            <a:r>
+              <a:rPr lang="en-US" b="1" dirty="0"/>
+              <a:t>”</a:t>
+            </a:r>
+            <a:r>
+              <a:rPr lang="en-US" dirty="0"/>
+              <a:t> for </a:t>
+            </a:r>
+            <a:r>
+              <a:rPr lang="en-US" b="1" dirty="0"/>
+              <a:t>consideration of approval</a:t>
+            </a:r>
+            <a:r>
+              <a:rPr lang="en-US" dirty="0"/>
+              <a:t> with a certain threshold</a:t>
+            </a:r>
+          </a:p>
+          <a:p>
+            <a:r>
+              <a:rPr lang="en-US" dirty="0"/>
+              <a:t>Ex: For the state “WY”,  and a threshold of 10%,</a:t>
+            </a:r>
+          </a:p>
+          <a:p>
+            <a:pPr lvl="1"/>
+            <a:r>
+              <a:rPr lang="en-US" b="1" dirty="0"/>
+              <a:t>Acceptable “</a:t>
+            </a:r>
+            <a:r>
+              <a:rPr lang="en-US" b="1" dirty="0" err="1"/>
+              <a:t>loan_amnt</a:t>
+            </a:r>
+            <a:r>
+              <a:rPr lang="en-US" b="1" dirty="0"/>
+              <a:t>”</a:t>
+            </a:r>
+            <a:r>
+              <a:rPr lang="en-US" dirty="0"/>
+              <a:t> = 10375 + 10% of 10375</a:t>
             </a:r>
           </a:p>
           <a:p>
@@ -3688,10 +4351,10 @@
       </p:sp>
       <p:pic>
         <p:nvPicPr>
-          <p:cNvPr id="2" name="Picture 1">
+          <p:cNvPr id="4" name="Content Placeholder 3">
             <a:extLst>
               <a:ext uri="{FF2B5EF4-FFF2-40B4-BE49-F238E27FC236}">
-                <a16:creationId xmlns:a16="http://schemas.microsoft.com/office/drawing/2014/main" id="{48890DF0-B02E-7911-C754-99631D673618}"/>
+                <a16:creationId xmlns:a16="http://schemas.microsoft.com/office/drawing/2014/main" id="{4B145BFA-A2F0-F382-4DF5-24440B7AC4F3}"/>
               </a:ext>
             </a:extLst>
           </p:cNvPr>
@@ -3708,8 +4371,8 @@
         </p:blipFill>
         <p:spPr>
           <a:xfrm>
-            <a:off x="1516708" y="3535680"/>
-            <a:ext cx="6315075" cy="2523926"/>
+            <a:off x="579437" y="3429000"/>
+            <a:ext cx="7883820" cy="3131393"/>
           </a:xfrm>
           <a:prstGeom prst="rect">
             <a:avLst/>
@@ -3719,7 +4382,7 @@
     </p:spTree>
     <p:extLst>
       <p:ext uri="{BB962C8B-B14F-4D97-AF65-F5344CB8AC3E}">
-        <p14:creationId xmlns:p14="http://schemas.microsoft.com/office/powerpoint/2010/main" val="2317690855"/>
+        <p14:creationId xmlns:p14="http://schemas.microsoft.com/office/powerpoint/2010/main" val="3680336890"/>
       </p:ext>
     </p:extLst>
   </p:cSld>
@@ -3748,10 +4411,10 @@
       </p:grpSpPr>
       <p:sp>
         <p:nvSpPr>
-          <p:cNvPr id="7" name="Title 1">
+          <p:cNvPr id="2" name="Title 1">
             <a:extLst>
               <a:ext uri="{FF2B5EF4-FFF2-40B4-BE49-F238E27FC236}">
-                <a16:creationId xmlns:a16="http://schemas.microsoft.com/office/drawing/2014/main" id="{E6427DA3-4F5B-23BB-32EC-9EE25EBF4FA7}"/>
+                <a16:creationId xmlns:a16="http://schemas.microsoft.com/office/drawing/2014/main" id="{600941A2-D398-6BD5-16BD-3C981BA84809}"/>
               </a:ext>
             </a:extLst>
           </p:cNvPr>
@@ -3762,29 +4425,24 @@
             <p:ph type="title"/>
           </p:nvPr>
         </p:nvSpPr>
-        <p:spPr>
-          <a:xfrm>
-            <a:off x="564844" y="898894"/>
-            <a:ext cx="8543925" cy="1077020"/>
-          </a:xfrm>
-        </p:spPr>
+        <p:spPr/>
         <p:txBody>
           <a:bodyPr/>
           <a:lstStyle/>
           <a:p>
             <a:r>
               <a:rPr lang="en-US" dirty="0"/>
-              <a:t>Conclusion</a:t>
-            </a:r>
-          </a:p>
-        </p:txBody>
-      </p:sp>
-      <p:sp>
-        <p:nvSpPr>
-          <p:cNvPr id="10" name="Content Placeholder 9">
+              <a:t>Recommendation 2:</a:t>
+            </a:r>
+          </a:p>
+        </p:txBody>
+      </p:sp>
+      <p:sp>
+        <p:nvSpPr>
+          <p:cNvPr id="3" name="Content Placeholder 2">
             <a:extLst>
               <a:ext uri="{FF2B5EF4-FFF2-40B4-BE49-F238E27FC236}">
-                <a16:creationId xmlns:a16="http://schemas.microsoft.com/office/drawing/2014/main" id="{2FFF1BF7-4939-F1C0-F776-656E4923C074}"/>
+                <a16:creationId xmlns:a16="http://schemas.microsoft.com/office/drawing/2014/main" id="{9D8D5F3F-530C-46EC-6B9F-69DDB51FF770}"/>
               </a:ext>
             </a:extLst>
           </p:cNvPr>
@@ -3797,55 +4455,90 @@
         </p:nvSpPr>
         <p:spPr>
           <a:xfrm>
-            <a:off x="564844" y="1844498"/>
-            <a:ext cx="8121955" cy="1241601"/>
+            <a:off x="681037" y="1549244"/>
+            <a:ext cx="8543925" cy="1580036"/>
           </a:xfrm>
         </p:spPr>
         <p:txBody>
           <a:bodyPr>
-            <a:normAutofit fontScale="70000" lnSpcReduction="20000"/>
+            <a:normAutofit fontScale="62500" lnSpcReduction="20000"/>
           </a:bodyPr>
           <a:lstStyle/>
           <a:p>
             <a:r>
               <a:rPr lang="en-US" dirty="0"/>
-              <a:t>The fig shows the chances of default across the “</a:t>
+              <a:t>The fig shows the “</a:t>
             </a:r>
             <a:r>
               <a:rPr lang="en-US" dirty="0" err="1"/>
-              <a:t>sub_grade</a:t>
+              <a:t>int_rate</a:t>
             </a:r>
             <a:r>
               <a:rPr lang="en-US" dirty="0"/>
-              <a:t>” categories</a:t>
-            </a:r>
-          </a:p>
-          <a:p>
+              <a:t>” across “</a:t>
+            </a:r>
+            <a:r>
+              <a:rPr lang="en-US" dirty="0" err="1"/>
+              <a:t>addr_state</a:t>
+            </a:r>
             <a:r>
               <a:rPr lang="en-US" dirty="0"/>
-              <a:t>For Ex: more than 40% of loans in </a:t>
+              <a:t>” categories, segmented by “</a:t>
             </a:r>
             <a:r>
               <a:rPr lang="en-US" dirty="0" err="1"/>
-              <a:t>sub_grade</a:t>
+              <a:t>loan_status</a:t>
             </a:r>
             <a:r>
               <a:rPr lang="en-US" dirty="0"/>
-              <a:t> F5 &amp; G5 end up in defaulting</a:t>
+              <a:t>”</a:t>
             </a:r>
           </a:p>
           <a:p>
             <a:r>
               <a:rPr lang="en-US" dirty="0"/>
-              <a:t>This helps the company to manage their portfolio by not allocating a high number of loans in the high risk “</a:t>
+              <a:t>Ex: “</a:t>
             </a:r>
             <a:r>
               <a:rPr lang="en-US" dirty="0" err="1"/>
-              <a:t>sub_grade</a:t>
+              <a:t>int_rate</a:t>
             </a:r>
             <a:r>
               <a:rPr lang="en-US" dirty="0"/>
-              <a:t>” categories </a:t>
+              <a:t>” in the state “WY” has the following medians:</a:t>
+            </a:r>
+          </a:p>
+          <a:p>
+            <a:pPr lvl="1"/>
+            <a:r>
+              <a:rPr lang="en-US" dirty="0"/>
+              <a:t>“Default” : 16.45,  “Fully Paid” :  12.61</a:t>
+            </a:r>
+          </a:p>
+          <a:p>
+            <a:r>
+              <a:rPr lang="en-US" dirty="0"/>
+              <a:t>The company can </a:t>
+            </a:r>
+            <a:r>
+              <a:rPr lang="en-US" b="1" dirty="0"/>
+              <a:t>use this data to determine “</a:t>
+            </a:r>
+            <a:r>
+              <a:rPr lang="en-US" b="1" dirty="0" err="1"/>
+              <a:t>int_rate</a:t>
+            </a:r>
+            <a:r>
+              <a:rPr lang="en-US" b="1" dirty="0"/>
+              <a:t>” for each state</a:t>
+            </a:r>
+            <a:r>
+              <a:rPr lang="en-US" dirty="0"/>
+              <a:t> and thereby </a:t>
+            </a:r>
+            <a:r>
+              <a:rPr lang="en-US" b="1" dirty="0"/>
+              <a:t>increase the overall success rate of the loans.</a:t>
             </a:r>
           </a:p>
           <a:p>
@@ -3855,10 +4548,10 @@
       </p:sp>
       <p:pic>
         <p:nvPicPr>
-          <p:cNvPr id="3" name="Picture 2">
+          <p:cNvPr id="5" name="Picture 4">
             <a:extLst>
               <a:ext uri="{FF2B5EF4-FFF2-40B4-BE49-F238E27FC236}">
-                <a16:creationId xmlns:a16="http://schemas.microsoft.com/office/drawing/2014/main" id="{27B76326-7355-8154-A0AF-CE839A4BAC6A}"/>
+                <a16:creationId xmlns:a16="http://schemas.microsoft.com/office/drawing/2014/main" id="{A66D51DE-F590-AAE7-87D1-9880F2E47315}"/>
               </a:ext>
             </a:extLst>
           </p:cNvPr>
@@ -3875,8 +4568,8 @@
         </p:blipFill>
         <p:spPr>
           <a:xfrm>
-            <a:off x="1219201" y="3086099"/>
-            <a:ext cx="6812072" cy="2750919"/>
+            <a:off x="812569" y="3259293"/>
+            <a:ext cx="7660871" cy="3091340"/>
           </a:xfrm>
           <a:prstGeom prst="rect">
             <a:avLst/>
@@ -3886,7 +4579,7 @@
     </p:spTree>
     <p:extLst>
       <p:ext uri="{BB962C8B-B14F-4D97-AF65-F5344CB8AC3E}">
-        <p14:creationId xmlns:p14="http://schemas.microsoft.com/office/powerpoint/2010/main" val="1931364037"/>
+        <p14:creationId xmlns:p14="http://schemas.microsoft.com/office/powerpoint/2010/main" val="273810209"/>
       </p:ext>
     </p:extLst>
   </p:cSld>
@@ -3915,10 +4608,10 @@
       </p:grpSpPr>
       <p:sp>
         <p:nvSpPr>
-          <p:cNvPr id="7" name="Title 1">
+          <p:cNvPr id="2" name="Title 1">
             <a:extLst>
               <a:ext uri="{FF2B5EF4-FFF2-40B4-BE49-F238E27FC236}">
-                <a16:creationId xmlns:a16="http://schemas.microsoft.com/office/drawing/2014/main" id="{E6427DA3-4F5B-23BB-32EC-9EE25EBF4FA7}"/>
+                <a16:creationId xmlns:a16="http://schemas.microsoft.com/office/drawing/2014/main" id="{7DA748BE-91A5-B233-406E-EDF1C41DC6FC}"/>
               </a:ext>
             </a:extLst>
           </p:cNvPr>
@@ -3929,119 +4622,34 @@
             <p:ph type="title"/>
           </p:nvPr>
         </p:nvSpPr>
-        <p:spPr>
-          <a:xfrm>
-            <a:off x="564844" y="898894"/>
-            <a:ext cx="8543925" cy="1077020"/>
-          </a:xfrm>
-        </p:spPr>
-        <p:txBody>
-          <a:bodyPr/>
-          <a:lstStyle/>
-          <a:p>
-            <a:r>
-              <a:rPr lang="en-US" dirty="0"/>
-              <a:t>Conclusion</a:t>
-            </a:r>
-          </a:p>
-        </p:txBody>
-      </p:sp>
-      <p:sp>
-        <p:nvSpPr>
-          <p:cNvPr id="10" name="Content Placeholder 9">
+        <p:spPr/>
+        <p:txBody>
+          <a:bodyPr/>
+          <a:lstStyle/>
+          <a:p>
+            <a:r>
+              <a:rPr lang="en-US" dirty="0" err="1"/>
+              <a:t>Loan_amnt</a:t>
+            </a:r>
+            <a:endParaRPr lang="en-US" dirty="0"/>
+          </a:p>
+        </p:txBody>
+      </p:sp>
+      <p:pic>
+        <p:nvPicPr>
+          <p:cNvPr id="4" name="Content Placeholder 3">
             <a:extLst>
               <a:ext uri="{FF2B5EF4-FFF2-40B4-BE49-F238E27FC236}">
-                <a16:creationId xmlns:a16="http://schemas.microsoft.com/office/drawing/2014/main" id="{2FFF1BF7-4939-F1C0-F776-656E4923C074}"/>
-              </a:ext>
-            </a:extLst>
-          </p:cNvPr>
-          <p:cNvSpPr>
-            <a:spLocks noGrp="1"/>
-          </p:cNvSpPr>
-          <p:nvPr>
-            <p:ph idx="1"/>
-          </p:nvPr>
-        </p:nvSpPr>
-        <p:spPr>
-          <a:xfrm>
-            <a:off x="564844" y="1844499"/>
-            <a:ext cx="8426755" cy="2107742"/>
-          </a:xfrm>
-        </p:spPr>
-        <p:txBody>
-          <a:bodyPr>
-            <a:normAutofit fontScale="70000" lnSpcReduction="20000"/>
-          </a:bodyPr>
-          <a:lstStyle/>
-          <a:p>
-            <a:r>
-              <a:rPr lang="en-US" dirty="0"/>
-              <a:t>Business Driven Metric – EMI_BURDEN</a:t>
-            </a:r>
-          </a:p>
-          <a:p>
-            <a:r>
-              <a:rPr lang="en-US" dirty="0"/>
-              <a:t>The medians of the calculated </a:t>
-            </a:r>
-            <a:r>
-              <a:rPr lang="en-US" dirty="0" err="1"/>
-              <a:t>emi_burden</a:t>
-            </a:r>
-            <a:r>
-              <a:rPr lang="en-US" dirty="0"/>
-              <a:t> are ”173” &amp; “205” for “Charged Off &amp; “Fully Paid” respectively.</a:t>
-            </a:r>
-          </a:p>
-          <a:p>
-            <a:r>
-              <a:rPr lang="en-US" dirty="0"/>
-              <a:t>Fully paid loans have much higher </a:t>
-            </a:r>
-            <a:r>
-              <a:rPr lang="en-US" dirty="0" err="1"/>
-              <a:t>emi_burden</a:t>
-            </a:r>
-            <a:r>
-              <a:rPr lang="en-US" dirty="0"/>
-              <a:t> values than that of defaults </a:t>
-            </a:r>
-          </a:p>
-          <a:p>
-            <a:r>
-              <a:rPr lang="en-US" dirty="0"/>
-              <a:t>The derived metric helps in predicting defaults at the time of approval</a:t>
-            </a:r>
-          </a:p>
-          <a:p>
-            <a:r>
-              <a:rPr lang="en-US" dirty="0"/>
-              <a:t>Note: The metric must be used with caution. An increase/decrease in </a:t>
-            </a:r>
-            <a:r>
-              <a:rPr lang="en-US" dirty="0" err="1"/>
-              <a:t>annual_inc</a:t>
-            </a:r>
-            <a:r>
-              <a:rPr lang="en-US" dirty="0"/>
-              <a:t> during the term can greatly affect its importance</a:t>
-            </a:r>
-          </a:p>
-        </p:txBody>
-      </p:sp>
-      <p:pic>
-        <p:nvPicPr>
-          <p:cNvPr id="2" name="Picture 1">
-            <a:extLst>
-              <a:ext uri="{FF2B5EF4-FFF2-40B4-BE49-F238E27FC236}">
-                <a16:creationId xmlns:a16="http://schemas.microsoft.com/office/drawing/2014/main" id="{CE040370-F5C2-3F72-3894-E7A213F95403}"/>
+                <a16:creationId xmlns:a16="http://schemas.microsoft.com/office/drawing/2014/main" id="{99D203F8-58F7-D5A3-1D66-3D7F78404784}"/>
               </a:ext>
             </a:extLst>
           </p:cNvPr>
           <p:cNvPicPr>
-            <a:picLocks noChangeAspect="1"/>
+            <a:picLocks noGrp="1" noChangeAspect="1"/>
           </p:cNvPicPr>
-          <p:nvPr/>
+          <p:nvPr>
+            <p:ph idx="1"/>
+          </p:nvPr>
         </p:nvPicPr>
         <p:blipFill>
           <a:blip r:embed="rId2"/>
@@ -4051,8 +4659,8 @@
         </p:blipFill>
         <p:spPr>
           <a:xfrm>
-            <a:off x="2694540" y="4053841"/>
-            <a:ext cx="3455489" cy="2197691"/>
+            <a:off x="883998" y="2083690"/>
+            <a:ext cx="5857681" cy="2272213"/>
           </a:xfrm>
           <a:prstGeom prst="rect">
             <a:avLst/>
@@ -4062,7 +4670,7 @@
     </p:spTree>
     <p:extLst>
       <p:ext uri="{BB962C8B-B14F-4D97-AF65-F5344CB8AC3E}">
-        <p14:creationId xmlns:p14="http://schemas.microsoft.com/office/powerpoint/2010/main" val="2714729283"/>
+        <p14:creationId xmlns:p14="http://schemas.microsoft.com/office/powerpoint/2010/main" val="382822405"/>
       </p:ext>
     </p:extLst>
   </p:cSld>
@@ -4094,7 +4702,7 @@
           <p:cNvPr id="2" name="Title 1">
             <a:extLst>
               <a:ext uri="{FF2B5EF4-FFF2-40B4-BE49-F238E27FC236}">
-                <a16:creationId xmlns:a16="http://schemas.microsoft.com/office/drawing/2014/main" id="{22B331C4-56D0-735C-0FB9-B5B4009756BB}"/>
+                <a16:creationId xmlns:a16="http://schemas.microsoft.com/office/drawing/2014/main" id="{2D81569E-6542-9787-FD4D-65F652857A86}"/>
               </a:ext>
             </a:extLst>
           </p:cNvPr>
@@ -4112,23 +4720,7 @@
           <a:p>
             <a:r>
               <a:rPr lang="en-US" dirty="0" err="1"/>
-              <a:t>Loan_amnt</a:t>
-            </a:r>
-            <a:r>
-              <a:rPr lang="en-US" dirty="0"/>
-              <a:t>/</a:t>
-            </a:r>
-            <a:r>
-              <a:rPr lang="en-US" dirty="0" err="1"/>
-              <a:t>int_rate</a:t>
-            </a:r>
-            <a:r>
-              <a:rPr lang="en-US" dirty="0"/>
-              <a:t> across </a:t>
-            </a:r>
-            <a:r>
-              <a:rPr lang="en-US" dirty="0" err="1"/>
-              <a:t>addr_state</a:t>
+              <a:t>Int_rate</a:t>
             </a:r>
             <a:endParaRPr lang="en-US" dirty="0"/>
           </a:p>
@@ -4139,7 +4731,7 @@
           <p:cNvPr id="4" name="Content Placeholder 3">
             <a:extLst>
               <a:ext uri="{FF2B5EF4-FFF2-40B4-BE49-F238E27FC236}">
-                <a16:creationId xmlns:a16="http://schemas.microsoft.com/office/drawing/2014/main" id="{D94688CC-CC5A-ADF9-1C05-8A91457DEA4F}"/>
+                <a16:creationId xmlns:a16="http://schemas.microsoft.com/office/drawing/2014/main" id="{F0CA6EC1-B2F6-9EAA-0618-10DF21A5B603}"/>
               </a:ext>
             </a:extLst>
           </p:cNvPr>
@@ -4158,38 +4750,8 @@
         </p:blipFill>
         <p:spPr>
           <a:xfrm>
-            <a:off x="101774" y="1675958"/>
-            <a:ext cx="6192098" cy="2459454"/>
-          </a:xfrm>
-          <a:prstGeom prst="rect">
-            <a:avLst/>
-          </a:prstGeom>
-        </p:spPr>
-      </p:pic>
-      <p:pic>
-        <p:nvPicPr>
-          <p:cNvPr id="5" name="Picture 4">
-            <a:extLst>
-              <a:ext uri="{FF2B5EF4-FFF2-40B4-BE49-F238E27FC236}">
-                <a16:creationId xmlns:a16="http://schemas.microsoft.com/office/drawing/2014/main" id="{C54B1FB4-AC29-C825-B70C-BE13A80DA581}"/>
-              </a:ext>
-            </a:extLst>
-          </p:cNvPr>
-          <p:cNvPicPr>
-            <a:picLocks noChangeAspect="1"/>
-          </p:cNvPicPr>
-          <p:nvPr/>
-        </p:nvPicPr>
-        <p:blipFill>
-          <a:blip r:embed="rId3"/>
-          <a:stretch>
-            <a:fillRect/>
-          </a:stretch>
-        </p:blipFill>
-        <p:spPr>
-          <a:xfrm>
-            <a:off x="3332249" y="3429002"/>
-            <a:ext cx="6315075" cy="2548280"/>
+            <a:off x="870167" y="2348869"/>
+            <a:ext cx="7538317" cy="2924137"/>
           </a:xfrm>
           <a:prstGeom prst="rect">
             <a:avLst/>
@@ -4199,7 +4761,7 @@
     </p:spTree>
     <p:extLst>
       <p:ext uri="{BB962C8B-B14F-4D97-AF65-F5344CB8AC3E}">
-        <p14:creationId xmlns:p14="http://schemas.microsoft.com/office/powerpoint/2010/main" val="1698439335"/>
+        <p14:creationId xmlns:p14="http://schemas.microsoft.com/office/powerpoint/2010/main" val="38525610"/>
       </p:ext>
     </p:extLst>
   </p:cSld>
@@ -4468,4 +5030,299 @@
     </a:ext>
   </a:extLst>
 </a:theme>
+</file>
+
+<file path=ppt/theme/theme2.xml><?xml version="1.0" encoding="utf-8"?>
+<a:theme xmlns:a="http://schemas.openxmlformats.org/drawingml/2006/main" name="Office Theme">
+  <a:themeElements>
+    <a:clrScheme name="Office">
+      <a:dk1>
+        <a:sysClr val="windowText" lastClr="000000"/>
+      </a:dk1>
+      <a:lt1>
+        <a:sysClr val="window" lastClr="FFFFFF"/>
+      </a:lt1>
+      <a:dk2>
+        <a:srgbClr val="44546A"/>
+      </a:dk2>
+      <a:lt2>
+        <a:srgbClr val="E7E6E6"/>
+      </a:lt2>
+      <a:accent1>
+        <a:srgbClr val="4472C4"/>
+      </a:accent1>
+      <a:accent2>
+        <a:srgbClr val="ED7D31"/>
+      </a:accent2>
+      <a:accent3>
+        <a:srgbClr val="A5A5A5"/>
+      </a:accent3>
+      <a:accent4>
+        <a:srgbClr val="FFC000"/>
+      </a:accent4>
+      <a:accent5>
+        <a:srgbClr val="5B9BD5"/>
+      </a:accent5>
+      <a:accent6>
+        <a:srgbClr val="70AD47"/>
+      </a:accent6>
+      <a:hlink>
+        <a:srgbClr val="0563C1"/>
+      </a:hlink>
+      <a:folHlink>
+        <a:srgbClr val="954F72"/>
+      </a:folHlink>
+    </a:clrScheme>
+    <a:fontScheme name="Office">
+      <a:majorFont>
+        <a:latin typeface="Calibri Light" panose="020F0302020204030204"/>
+        <a:ea typeface=""/>
+        <a:cs typeface=""/>
+        <a:font script="Jpan" typeface="游ゴシック Light"/>
+        <a:font script="Hang" typeface="맑은 고딕"/>
+        <a:font script="Hans" typeface="等线 Light"/>
+        <a:font script="Hant" typeface="新細明體"/>
+        <a:font script="Arab" typeface="Times New Roman"/>
+        <a:font script="Hebr" typeface="Times New Roman"/>
+        <a:font script="Thai" typeface="Angsana New"/>
+        <a:font script="Ethi" typeface="Nyala"/>
+        <a:font script="Beng" typeface="Vrinda"/>
+        <a:font script="Gujr" typeface="Shruti"/>
+        <a:font script="Khmr" typeface="MoolBoran"/>
+        <a:font script="Knda" typeface="Tunga"/>
+        <a:font script="Guru" typeface="Raavi"/>
+        <a:font script="Cans" typeface="Euphemia"/>
+        <a:font script="Cher" typeface="Plantagenet Cherokee"/>
+        <a:font script="Yiii" typeface="Microsoft Yi Baiti"/>
+        <a:font script="Tibt" typeface="Microsoft Himalaya"/>
+        <a:font script="Thaa" typeface="MV Boli"/>
+        <a:font script="Deva" typeface="Mangal"/>
+        <a:font script="Telu" typeface="Gautami"/>
+        <a:font script="Taml" typeface="Latha"/>
+        <a:font script="Syrc" typeface="Estrangelo Edessa"/>
+        <a:font script="Orya" typeface="Kalinga"/>
+        <a:font script="Mlym" typeface="Kartika"/>
+        <a:font script="Laoo" typeface="DokChampa"/>
+        <a:font script="Sinh" typeface="Iskoola Pota"/>
+        <a:font script="Mong" typeface="Mongolian Baiti"/>
+        <a:font script="Viet" typeface="Times New Roman"/>
+        <a:font script="Uigh" typeface="Microsoft Uighur"/>
+        <a:font script="Geor" typeface="Sylfaen"/>
+        <a:font script="Armn" typeface="Arial"/>
+        <a:font script="Bugi" typeface="Leelawadee UI"/>
+        <a:font script="Bopo" typeface="Microsoft JhengHei"/>
+        <a:font script="Java" typeface="Javanese Text"/>
+        <a:font script="Lisu" typeface="Segoe UI"/>
+        <a:font script="Mymr" typeface="Myanmar Text"/>
+        <a:font script="Nkoo" typeface="Ebrima"/>
+        <a:font script="Olck" typeface="Nirmala UI"/>
+        <a:font script="Osma" typeface="Ebrima"/>
+        <a:font script="Phag" typeface="Phagspa"/>
+        <a:font script="Syrn" typeface="Estrangelo Edessa"/>
+        <a:font script="Syrj" typeface="Estrangelo Edessa"/>
+        <a:font script="Syre" typeface="Estrangelo Edessa"/>
+        <a:font script="Sora" typeface="Nirmala UI"/>
+        <a:font script="Tale" typeface="Microsoft Tai Le"/>
+        <a:font script="Talu" typeface="Microsoft New Tai Lue"/>
+        <a:font script="Tfng" typeface="Ebrima"/>
+      </a:majorFont>
+      <a:minorFont>
+        <a:latin typeface="Calibri" panose="020F0502020204030204"/>
+        <a:ea typeface=""/>
+        <a:cs typeface=""/>
+        <a:font script="Jpan" typeface="游ゴシック"/>
+        <a:font script="Hang" typeface="맑은 고딕"/>
+        <a:font script="Hans" typeface="等线"/>
+        <a:font script="Hant" typeface="新細明體"/>
+        <a:font script="Arab" typeface="Arial"/>
+        <a:font script="Hebr" typeface="Arial"/>
+        <a:font script="Thai" typeface="Cordia New"/>
+        <a:font script="Ethi" typeface="Nyala"/>
+        <a:font script="Beng" typeface="Vrinda"/>
+        <a:font script="Gujr" typeface="Shruti"/>
+        <a:font script="Khmr" typeface="DaunPenh"/>
+        <a:font script="Knda" typeface="Tunga"/>
+        <a:font script="Guru" typeface="Raavi"/>
+        <a:font script="Cans" typeface="Euphemia"/>
+        <a:font script="Cher" typeface="Plantagenet Cherokee"/>
+        <a:font script="Yiii" typeface="Microsoft Yi Baiti"/>
+        <a:font script="Tibt" typeface="Microsoft Himalaya"/>
+        <a:font script="Thaa" typeface="MV Boli"/>
+        <a:font script="Deva" typeface="Mangal"/>
+        <a:font script="Telu" typeface="Gautami"/>
+        <a:font script="Taml" typeface="Latha"/>
+        <a:font script="Syrc" typeface="Estrangelo Edessa"/>
+        <a:font script="Orya" typeface="Kalinga"/>
+        <a:font script="Mlym" typeface="Kartika"/>
+        <a:font script="Laoo" typeface="DokChampa"/>
+        <a:font script="Sinh" typeface="Iskoola Pota"/>
+        <a:font script="Mong" typeface="Mongolian Baiti"/>
+        <a:font script="Viet" typeface="Arial"/>
+        <a:font script="Uigh" typeface="Microsoft Uighur"/>
+        <a:font script="Geor" typeface="Sylfaen"/>
+        <a:font script="Armn" typeface="Arial"/>
+        <a:font script="Bugi" typeface="Leelawadee UI"/>
+        <a:font script="Bopo" typeface="Microsoft JhengHei"/>
+        <a:font script="Java" typeface="Javanese Text"/>
+        <a:font script="Lisu" typeface="Segoe UI"/>
+        <a:font script="Mymr" typeface="Myanmar Text"/>
+        <a:font script="Nkoo" typeface="Ebrima"/>
+        <a:font script="Olck" typeface="Nirmala UI"/>
+        <a:font script="Osma" typeface="Ebrima"/>
+        <a:font script="Phag" typeface="Phagspa"/>
+        <a:font script="Syrn" typeface="Estrangelo Edessa"/>
+        <a:font script="Syrj" typeface="Estrangelo Edessa"/>
+        <a:font script="Syre" typeface="Estrangelo Edessa"/>
+        <a:font script="Sora" typeface="Nirmala UI"/>
+        <a:font script="Tale" typeface="Microsoft Tai Le"/>
+        <a:font script="Talu" typeface="Microsoft New Tai Lue"/>
+        <a:font script="Tfng" typeface="Ebrima"/>
+      </a:minorFont>
+    </a:fontScheme>
+    <a:fmtScheme name="Office">
+      <a:fillStyleLst>
+        <a:solidFill>
+          <a:schemeClr val="phClr"/>
+        </a:solidFill>
+        <a:gradFill rotWithShape="1">
+          <a:gsLst>
+            <a:gs pos="0">
+              <a:schemeClr val="phClr">
+                <a:lumMod val="110000"/>
+                <a:satMod val="105000"/>
+                <a:tint val="67000"/>
+              </a:schemeClr>
+            </a:gs>
+            <a:gs pos="50000">
+              <a:schemeClr val="phClr">
+                <a:lumMod val="105000"/>
+                <a:satMod val="103000"/>
+                <a:tint val="73000"/>
+              </a:schemeClr>
+            </a:gs>
+            <a:gs pos="100000">
+              <a:schemeClr val="phClr">
+                <a:lumMod val="105000"/>
+                <a:satMod val="109000"/>
+                <a:tint val="81000"/>
+              </a:schemeClr>
+            </a:gs>
+          </a:gsLst>
+          <a:lin ang="5400000" scaled="0"/>
+        </a:gradFill>
+        <a:gradFill rotWithShape="1">
+          <a:gsLst>
+            <a:gs pos="0">
+              <a:schemeClr val="phClr">
+                <a:satMod val="103000"/>
+                <a:lumMod val="102000"/>
+                <a:tint val="94000"/>
+              </a:schemeClr>
+            </a:gs>
+            <a:gs pos="50000">
+              <a:schemeClr val="phClr">
+                <a:satMod val="110000"/>
+                <a:lumMod val="100000"/>
+                <a:shade val="100000"/>
+              </a:schemeClr>
+            </a:gs>
+            <a:gs pos="100000">
+              <a:schemeClr val="phClr">
+                <a:lumMod val="99000"/>
+                <a:satMod val="120000"/>
+                <a:shade val="78000"/>
+              </a:schemeClr>
+            </a:gs>
+          </a:gsLst>
+          <a:lin ang="5400000" scaled="0"/>
+        </a:gradFill>
+      </a:fillStyleLst>
+      <a:lnStyleLst>
+        <a:ln w="6350" cap="flat" cmpd="sng" algn="ctr">
+          <a:solidFill>
+            <a:schemeClr val="phClr"/>
+          </a:solidFill>
+          <a:prstDash val="solid"/>
+          <a:miter lim="800000"/>
+        </a:ln>
+        <a:ln w="12700" cap="flat" cmpd="sng" algn="ctr">
+          <a:solidFill>
+            <a:schemeClr val="phClr"/>
+          </a:solidFill>
+          <a:prstDash val="solid"/>
+          <a:miter lim="800000"/>
+        </a:ln>
+        <a:ln w="19050" cap="flat" cmpd="sng" algn="ctr">
+          <a:solidFill>
+            <a:schemeClr val="phClr"/>
+          </a:solidFill>
+          <a:prstDash val="solid"/>
+          <a:miter lim="800000"/>
+        </a:ln>
+      </a:lnStyleLst>
+      <a:effectStyleLst>
+        <a:effectStyle>
+          <a:effectLst/>
+        </a:effectStyle>
+        <a:effectStyle>
+          <a:effectLst/>
+        </a:effectStyle>
+        <a:effectStyle>
+          <a:effectLst>
+            <a:outerShdw blurRad="57150" dist="19050" dir="5400000" algn="ctr" rotWithShape="0">
+              <a:srgbClr val="000000">
+                <a:alpha val="63000"/>
+              </a:srgbClr>
+            </a:outerShdw>
+          </a:effectLst>
+        </a:effectStyle>
+      </a:effectStyleLst>
+      <a:bgFillStyleLst>
+        <a:solidFill>
+          <a:schemeClr val="phClr"/>
+        </a:solidFill>
+        <a:solidFill>
+          <a:schemeClr val="phClr">
+            <a:tint val="95000"/>
+            <a:satMod val="170000"/>
+          </a:schemeClr>
+        </a:solidFill>
+        <a:gradFill rotWithShape="1">
+          <a:gsLst>
+            <a:gs pos="0">
+              <a:schemeClr val="phClr">
+                <a:tint val="93000"/>
+                <a:satMod val="150000"/>
+                <a:shade val="98000"/>
+                <a:lumMod val="102000"/>
+              </a:schemeClr>
+            </a:gs>
+            <a:gs pos="50000">
+              <a:schemeClr val="phClr">
+                <a:tint val="98000"/>
+                <a:satMod val="130000"/>
+                <a:shade val="90000"/>
+                <a:lumMod val="103000"/>
+              </a:schemeClr>
+            </a:gs>
+            <a:gs pos="100000">
+              <a:schemeClr val="phClr">
+                <a:shade val="63000"/>
+                <a:satMod val="120000"/>
+              </a:schemeClr>
+            </a:gs>
+          </a:gsLst>
+          <a:lin ang="5400000" scaled="0"/>
+        </a:gradFill>
+      </a:bgFillStyleLst>
+    </a:fmtScheme>
+  </a:themeElements>
+  <a:objectDefaults/>
+  <a:extraClrSchemeLst/>
+  <a:extLst>
+    <a:ext uri="{05A4C25C-085E-4340-85A3-A5531E510DB2}">
+      <thm15:themeFamily xmlns:thm15="http://schemas.microsoft.com/office/thememl/2012/main" name="Office Theme" id="{62F939B6-93AF-4DB8-9C6B-D6C7DFDC589F}" vid="{4A3C46E8-61CC-4603-A589-7422A47A8E4A}"/>
+    </a:ext>
+  </a:extLst>
+</a:theme>
 </file>
--- a/Insights.pptx
+++ b/Insights.pptx
@@ -3390,13 +3390,29 @@
           <a:p>
             <a:r>
               <a:rPr lang="en-US" sz="1800" dirty="0"/>
-              <a:t>The fig shows the chances of default across the “term” categories</a:t>
-            </a:r>
-          </a:p>
-          <a:p>
+              <a:t>The fig shows the chances of </a:t>
+            </a:r>
+            <a:r>
+              <a:rPr lang="en-US" sz="1800" b="1" dirty="0"/>
+              <a:t>default</a:t>
+            </a:r>
             <a:r>
               <a:rPr lang="en-US" sz="1800" dirty="0"/>
-              <a:t>For Ex: </a:t>
+              <a:t> across the “</a:t>
+            </a:r>
+            <a:r>
+              <a:rPr lang="en-US" sz="1800" b="1" dirty="0"/>
+              <a:t>term</a:t>
+            </a:r>
+            <a:r>
+              <a:rPr lang="en-US" sz="1800" dirty="0"/>
+              <a:t>” categories</a:t>
+            </a:r>
+          </a:p>
+          <a:p>
+            <a:r>
+              <a:rPr lang="en-US" sz="1800" dirty="0"/>
+              <a:t>Ex: </a:t>
             </a:r>
             <a:r>
               <a:rPr lang="en-US" sz="1800" b="1" dirty="0"/>
@@ -3404,7 +3420,7 @@
             </a:r>
             <a:r>
               <a:rPr lang="en-US" sz="1800" dirty="0"/>
-              <a:t> (&gt;25%) in “60 months” end up defaulting</a:t>
+              <a:t> (25%) in “60 months” end up defaulting</a:t>
             </a:r>
           </a:p>
           <a:p>
@@ -3587,7 +3603,23 @@
           <a:p>
             <a:r>
               <a:rPr lang="en-US" dirty="0"/>
-              <a:t>The fig shows the chances of default across the “purpose” categories</a:t>
+              <a:t>The fig shows the chances of </a:t>
+            </a:r>
+            <a:r>
+              <a:rPr lang="en-US" b="1" dirty="0"/>
+              <a:t>default</a:t>
+            </a:r>
+            <a:r>
+              <a:rPr lang="en-US" dirty="0"/>
+              <a:t> across the “</a:t>
+            </a:r>
+            <a:r>
+              <a:rPr lang="en-US" b="1" dirty="0"/>
+              <a:t>purpose</a:t>
+            </a:r>
+            <a:r>
+              <a:rPr lang="en-US" dirty="0"/>
+              <a:t>” categories</a:t>
             </a:r>
           </a:p>
           <a:p>
@@ -3601,7 +3633,15 @@
             </a:r>
             <a:r>
               <a:rPr lang="en-US" dirty="0"/>
-              <a:t>(&gt;25%) in “small business” end up defaulting</a:t>
+              <a:t>(&gt;25%) in “</a:t>
+            </a:r>
+            <a:r>
+              <a:rPr lang="en-US" b="1" dirty="0"/>
+              <a:t>small business</a:t>
+            </a:r>
+            <a:r>
+              <a:rPr lang="en-US" dirty="0"/>
+              <a:t>” end up defaulting</a:t>
             </a:r>
           </a:p>
           <a:p>
@@ -3720,13 +3760,29 @@
           <a:p>
             <a:r>
               <a:rPr lang="en-US" dirty="0"/>
-              <a:t>The fig shows the chances of default across the “grade” categories</a:t>
-            </a:r>
-          </a:p>
-          <a:p>
-            <a:r>
-              <a:rPr lang="en-US" dirty="0"/>
-              <a:t>For Ex: </a:t>
+              <a:t>The fig shows the chances of </a:t>
+            </a:r>
+            <a:r>
+              <a:rPr lang="en-US" b="1" dirty="0"/>
+              <a:t>default</a:t>
+            </a:r>
+            <a:r>
+              <a:rPr lang="en-US" dirty="0"/>
+              <a:t> across the “</a:t>
+            </a:r>
+            <a:r>
+              <a:rPr lang="en-US" b="1" dirty="0"/>
+              <a:t>grade</a:t>
+            </a:r>
+            <a:r>
+              <a:rPr lang="en-US" dirty="0"/>
+              <a:t>” categories</a:t>
+            </a:r>
+          </a:p>
+          <a:p>
+            <a:r>
+              <a:rPr lang="en-US" dirty="0"/>
+              <a:t>Ex: </a:t>
             </a:r>
             <a:r>
               <a:rPr lang="en-US" b="1" dirty="0"/>
@@ -3734,7 +3790,7 @@
             </a:r>
             <a:r>
               <a:rPr lang="en-US" dirty="0"/>
-              <a:t>end up in defaulting</a:t>
+              <a:t>end up defaulting</a:t>
             </a:r>
           </a:p>
           <a:p>
@@ -3883,10 +3939,18 @@
           <a:p>
             <a:r>
               <a:rPr lang="en-US" dirty="0"/>
-              <a:t>The fig shows the chances of default across the “</a:t>
-            </a:r>
-            <a:r>
-              <a:rPr lang="en-US" dirty="0" err="1"/>
+              <a:t>The fig shows the chances of </a:t>
+            </a:r>
+            <a:r>
+              <a:rPr lang="en-US" b="1" dirty="0"/>
+              <a:t>default</a:t>
+            </a:r>
+            <a:r>
+              <a:rPr lang="en-US" dirty="0"/>
+              <a:t> across the “</a:t>
+            </a:r>
+            <a:r>
+              <a:rPr lang="en-US" b="1" dirty="0" err="1"/>
               <a:t>sub_grade</a:t>
             </a:r>
             <a:r>
@@ -4046,8 +4110,8 @@
         </p:nvSpPr>
         <p:spPr>
           <a:xfrm>
-            <a:off x="564844" y="1844498"/>
-            <a:ext cx="3946195" cy="4210862"/>
+            <a:off x="564844" y="1975914"/>
+            <a:ext cx="3946195" cy="3946702"/>
           </a:xfrm>
         </p:spPr>
         <p:txBody>
@@ -4056,12 +4120,14 @@
           </a:bodyPr>
           <a:lstStyle/>
           <a:p>
+            <a:pPr algn="just"/>
             <a:r>
               <a:rPr lang="en-US" b="1" dirty="0"/>
               <a:t>Business Driven Metric – EMI_BURDEN</a:t>
             </a:r>
           </a:p>
           <a:p>
+            <a:pPr algn="just"/>
             <a:r>
               <a:rPr lang="en-US" dirty="0"/>
               <a:t>The medians of the calculated emi_burden are ”</a:t>
@@ -4084,6 +4150,7 @@
             </a:r>
           </a:p>
           <a:p>
+            <a:pPr algn="just"/>
             <a:r>
               <a:rPr lang="en-US" dirty="0"/>
               <a:t>Fully paid loans </a:t>
@@ -4098,12 +4165,14 @@
             </a:r>
           </a:p>
           <a:p>
+            <a:pPr algn="just"/>
             <a:r>
               <a:rPr lang="en-US" dirty="0"/>
               <a:t>This derived metric helps in predicting defaults at the time of approval</a:t>
             </a:r>
           </a:p>
           <a:p>
+            <a:pPr algn="just"/>
             <a:r>
               <a:rPr lang="en-US" b="1" dirty="0"/>
               <a:t>Note</a:t>
@@ -4239,9 +4308,41 @@
           </a:bodyPr>
           <a:lstStyle/>
           <a:p>
+            <a:pPr algn="just"/>
             <a:r>
               <a:rPr lang="en-US" dirty="0"/>
               <a:t>The fig shows median “</a:t>
+            </a:r>
+            <a:r>
+              <a:rPr lang="en-US" b="1" dirty="0" err="1"/>
+              <a:t>loan_amnt</a:t>
+            </a:r>
+            <a:r>
+              <a:rPr lang="en-US" dirty="0"/>
+              <a:t>” across “</a:t>
+            </a:r>
+            <a:r>
+              <a:rPr lang="en-US" b="1" dirty="0" err="1"/>
+              <a:t>addr_state</a:t>
+            </a:r>
+            <a:r>
+              <a:rPr lang="en-US" dirty="0"/>
+              <a:t>” categories, segmented by “</a:t>
+            </a:r>
+            <a:r>
+              <a:rPr lang="en-US" b="1" dirty="0" err="1"/>
+              <a:t>loan_status</a:t>
+            </a:r>
+            <a:r>
+              <a:rPr lang="en-US" dirty="0"/>
+              <a:t>”</a:t>
+            </a:r>
+          </a:p>
+          <a:p>
+            <a:pPr algn="just"/>
+            <a:r>
+              <a:rPr lang="en-US" dirty="0"/>
+              <a:t>Ex: “</a:t>
             </a:r>
             <a:r>
               <a:rPr lang="en-US" dirty="0" err="1"/>
@@ -4249,47 +4350,30 @@
             </a:r>
             <a:r>
               <a:rPr lang="en-US" dirty="0"/>
-              <a:t>” across “</a:t>
-            </a:r>
-            <a:r>
-              <a:rPr lang="en-US" dirty="0" err="1"/>
-              <a:t>addr_state</a:t>
-            </a:r>
-            <a:r>
-              <a:rPr lang="en-US" dirty="0"/>
-              <a:t>” categories, segmented by “</a:t>
-            </a:r>
-            <a:r>
-              <a:rPr lang="en-US" dirty="0" err="1"/>
-              <a:t>loan_status</a:t>
-            </a:r>
-            <a:r>
-              <a:rPr lang="en-US" dirty="0"/>
-              <a:t>”</a:t>
-            </a:r>
-          </a:p>
-          <a:p>
-            <a:r>
-              <a:rPr lang="en-US" dirty="0"/>
-              <a:t>Ex: “</a:t>
-            </a:r>
-            <a:r>
-              <a:rPr lang="en-US" dirty="0" err="1"/>
-              <a:t>loan_amnt</a:t>
-            </a:r>
-            <a:r>
-              <a:rPr lang="en-US" dirty="0"/>
               <a:t>” in the state “WY” has the following medians:</a:t>
             </a:r>
           </a:p>
           <a:p>
-            <a:pPr lvl="1"/>
-            <a:r>
-              <a:rPr lang="en-US" dirty="0"/>
-              <a:t>“Default” : 180000,  “Fully Paid” :  10375</a:t>
-            </a:r>
-          </a:p>
-          <a:p>
+            <a:pPr lvl="1" algn="just"/>
+            <a:r>
+              <a:rPr lang="en-US" dirty="0"/>
+              <a:t>“Default” : </a:t>
+            </a:r>
+            <a:r>
+              <a:rPr lang="en-US" b="1" dirty="0"/>
+              <a:t>180000</a:t>
+            </a:r>
+            <a:r>
+              <a:rPr lang="en-US" dirty="0"/>
+              <a:t>,  “Fully Paid” :  </a:t>
+            </a:r>
+            <a:r>
+              <a:rPr lang="en-US" b="1" dirty="0"/>
+              <a:t>10375</a:t>
+            </a:r>
+          </a:p>
+          <a:p>
+            <a:pPr algn="just"/>
             <a:r>
               <a:rPr lang="en-US" dirty="0"/>
               <a:t>The data can be used as </a:t>
@@ -4316,17 +4400,22 @@
             </a:r>
             <a:r>
               <a:rPr lang="en-US" dirty="0"/>
-              <a:t> with a certain threshold</a:t>
-            </a:r>
-          </a:p>
-          <a:p>
+              <a:t> with a certain </a:t>
+            </a:r>
+            <a:r>
+              <a:rPr lang="en-US" b="1" dirty="0"/>
+              <a:t>threshold</a:t>
+            </a:r>
+          </a:p>
+          <a:p>
+            <a:pPr algn="just"/>
             <a:r>
               <a:rPr lang="en-US" dirty="0"/>
               <a:t>Ex: For the state “WY”,  and a threshold of 10%,</a:t>
             </a:r>
           </a:p>
           <a:p>
-            <a:pPr lvl="1"/>
+            <a:pPr lvl="1" algn="just"/>
             <a:r>
               <a:rPr lang="en-US" b="1" dirty="0"/>
               <a:t>Acceptable “</a:t>
@@ -4345,6 +4434,7 @@
             </a:r>
           </a:p>
           <a:p>
+            <a:pPr algn="just"/>
             <a:endParaRPr lang="en-US" dirty="0"/>
           </a:p>
         </p:txBody>
@@ -4371,7 +4461,7 @@
         </p:blipFill>
         <p:spPr>
           <a:xfrm>
-            <a:off x="579437" y="3429000"/>
+            <a:off x="884237" y="3429000"/>
             <a:ext cx="7883820" cy="3131393"/>
           </a:xfrm>
           <a:prstGeom prst="rect">
@@ -4470,41 +4560,41 @@
               <a:t>The fig shows the “</a:t>
             </a:r>
             <a:r>
+              <a:rPr lang="en-US" b="1" dirty="0" err="1"/>
+              <a:t>int_rate</a:t>
+            </a:r>
+            <a:r>
+              <a:rPr lang="en-US" dirty="0"/>
+              <a:t>” across “</a:t>
+            </a:r>
+            <a:r>
+              <a:rPr lang="en-US" b="1" dirty="0" err="1"/>
+              <a:t>addr_state</a:t>
+            </a:r>
+            <a:r>
+              <a:rPr lang="en-US" dirty="0"/>
+              <a:t>” categories, segmented by “</a:t>
+            </a:r>
+            <a:r>
+              <a:rPr lang="en-US" b="1" dirty="0" err="1"/>
+              <a:t>loan_status</a:t>
+            </a:r>
+            <a:r>
+              <a:rPr lang="en-US" dirty="0"/>
+              <a:t>”</a:t>
+            </a:r>
+          </a:p>
+          <a:p>
+            <a:r>
+              <a:rPr lang="en-US" dirty="0"/>
+              <a:t>Ex: “</a:t>
+            </a:r>
+            <a:r>
               <a:rPr lang="en-US" dirty="0" err="1"/>
               <a:t>int_rate</a:t>
             </a:r>
             <a:r>
               <a:rPr lang="en-US" dirty="0"/>
-              <a:t>” across “</a:t>
-            </a:r>
-            <a:r>
-              <a:rPr lang="en-US" dirty="0" err="1"/>
-              <a:t>addr_state</a:t>
-            </a:r>
-            <a:r>
-              <a:rPr lang="en-US" dirty="0"/>
-              <a:t>” categories, segmented by “</a:t>
-            </a:r>
-            <a:r>
-              <a:rPr lang="en-US" dirty="0" err="1"/>
-              <a:t>loan_status</a:t>
-            </a:r>
-            <a:r>
-              <a:rPr lang="en-US" dirty="0"/>
-              <a:t>”</a:t>
-            </a:r>
-          </a:p>
-          <a:p>
-            <a:r>
-              <a:rPr lang="en-US" dirty="0"/>
-              <a:t>Ex: “</a:t>
-            </a:r>
-            <a:r>
-              <a:rPr lang="en-US" dirty="0" err="1"/>
-              <a:t>int_rate</a:t>
-            </a:r>
-            <a:r>
-              <a:rPr lang="en-US" dirty="0"/>
               <a:t>” in the state “WY” has the following medians:</a:t>
             </a:r>
           </a:p>
@@ -4512,7 +4602,19 @@
             <a:pPr lvl="1"/>
             <a:r>
               <a:rPr lang="en-US" dirty="0"/>
-              <a:t>“Default” : 16.45,  “Fully Paid” :  12.61</a:t>
+              <a:t>“Default” : </a:t>
+            </a:r>
+            <a:r>
+              <a:rPr lang="en-US" b="1" dirty="0"/>
+              <a:t>16.45</a:t>
+            </a:r>
+            <a:r>
+              <a:rPr lang="en-US" dirty="0"/>
+              <a:t>,  “Fully Paid” :  </a:t>
+            </a:r>
+            <a:r>
+              <a:rPr lang="en-US" b="1" dirty="0"/>
+              <a:t>12.61</a:t>
             </a:r>
           </a:p>
           <a:p>
@@ -4590,7 +4692,7 @@
 </file>
 
 <file path=ppt/slides/slide8.xml><?xml version="1.0" encoding="utf-8"?>
-<p:sld xmlns:a="http://schemas.openxmlformats.org/drawingml/2006/main" xmlns:r="http://schemas.openxmlformats.org/officeDocument/2006/relationships" xmlns:p="http://schemas.openxmlformats.org/presentationml/2006/main">
+<p:sld xmlns:a="http://schemas.openxmlformats.org/drawingml/2006/main" xmlns:r="http://schemas.openxmlformats.org/officeDocument/2006/relationships" xmlns:p="http://schemas.openxmlformats.org/presentationml/2006/main" show="0">
   <p:cSld>
     <p:spTree>
       <p:nvGrpSpPr>
@@ -4681,7 +4783,7 @@
 </file>
 
 <file path=ppt/slides/slide9.xml><?xml version="1.0" encoding="utf-8"?>
-<p:sld xmlns:a="http://schemas.openxmlformats.org/drawingml/2006/main" xmlns:r="http://schemas.openxmlformats.org/officeDocument/2006/relationships" xmlns:p="http://schemas.openxmlformats.org/presentationml/2006/main">
+<p:sld xmlns:a="http://schemas.openxmlformats.org/drawingml/2006/main" xmlns:r="http://schemas.openxmlformats.org/officeDocument/2006/relationships" xmlns:p="http://schemas.openxmlformats.org/presentationml/2006/main" show="0">
   <p:cSld>
     <p:spTree>
       <p:nvGrpSpPr>

--- a/Insights.pptx
+++ b/Insights.pptx
@@ -3388,6 +3388,7 @@
           </a:bodyPr>
           <a:lstStyle/>
           <a:p>
+            <a:pPr algn="just"/>
             <a:r>
               <a:rPr lang="en-US" sz="1800" dirty="0"/>
               <a:t>The fig shows the chances of </a:t>
@@ -3410,6 +3411,7 @@
             </a:r>
           </a:p>
           <a:p>
+            <a:pPr algn="just"/>
             <a:r>
               <a:rPr lang="en-US" sz="1800" dirty="0"/>
               <a:t>Ex: </a:t>
@@ -3424,6 +3426,7 @@
             </a:r>
           </a:p>
           <a:p>
+            <a:pPr algn="just"/>
             <a:r>
               <a:rPr lang="en-US" sz="1800" dirty="0"/>
               <a:t>This helps the company to manage their portfolio by </a:t>
@@ -3444,9 +3447,6 @@
               <a:rPr lang="en-US" sz="1800" dirty="0"/>
               <a:t>category</a:t>
             </a:r>
-          </a:p>
-          <a:p>
-            <a:endParaRPr lang="en-US" sz="1800" dirty="0"/>
           </a:p>
         </p:txBody>
       </p:sp>
@@ -3601,6 +3601,7 @@
           </a:bodyPr>
           <a:lstStyle/>
           <a:p>
+            <a:pPr algn="just"/>
             <a:r>
               <a:rPr lang="en-US" dirty="0"/>
               <a:t>The fig shows the chances of </a:t>
@@ -3623,6 +3624,7 @@
             </a:r>
           </a:p>
           <a:p>
+            <a:pPr algn="just"/>
             <a:r>
               <a:rPr lang="en-US" dirty="0"/>
               <a:t>Ex: at least </a:t>
@@ -3645,6 +3647,7 @@
             </a:r>
           </a:p>
           <a:p>
+            <a:pPr algn="just"/>
             <a:r>
               <a:rPr lang="en-US" dirty="0"/>
               <a:t>This helps the company to manage their portfolio by </a:t>
@@ -3663,6 +3666,7 @@
             </a:r>
           </a:p>
           <a:p>
+            <a:pPr algn="just"/>
             <a:endParaRPr lang="en-US" dirty="0"/>
           </a:p>
         </p:txBody>
@@ -3758,6 +3762,7 @@
           </a:bodyPr>
           <a:lstStyle/>
           <a:p>
+            <a:pPr algn="just"/>
             <a:r>
               <a:rPr lang="en-US" dirty="0"/>
               <a:t>The fig shows the chances of </a:t>
@@ -3780,6 +3785,7 @@
             </a:r>
           </a:p>
           <a:p>
+            <a:pPr algn="just"/>
             <a:r>
               <a:rPr lang="en-US" dirty="0"/>
               <a:t>Ex: </a:t>
@@ -3794,6 +3800,7 @@
             </a:r>
           </a:p>
           <a:p>
+            <a:pPr algn="just"/>
             <a:r>
               <a:rPr lang="en-US" dirty="0"/>
               <a:t>This helps the company to manage their portfolio by </a:t>
@@ -3812,6 +3819,7 @@
             </a:r>
           </a:p>
           <a:p>
+            <a:pPr algn="just"/>
             <a:endParaRPr lang="en-US" dirty="0"/>
           </a:p>
         </p:txBody>
@@ -4433,10 +4441,6 @@
               <a:t> = 10375 + 10% of 10375</a:t>
             </a:r>
           </a:p>
-          <a:p>
-            <a:pPr algn="just"/>
-            <a:endParaRPr lang="en-US" dirty="0"/>
-          </a:p>
         </p:txBody>
       </p:sp>
       <p:pic>
@@ -4555,6 +4559,7 @@
           </a:bodyPr>
           <a:lstStyle/>
           <a:p>
+            <a:pPr algn="just"/>
             <a:r>
               <a:rPr lang="en-US" dirty="0"/>
               <a:t>The fig shows the “</a:t>
@@ -4585,6 +4590,7 @@
             </a:r>
           </a:p>
           <a:p>
+            <a:pPr algn="just"/>
             <a:r>
               <a:rPr lang="en-US" dirty="0"/>
               <a:t>Ex: “</a:t>
@@ -4599,7 +4605,7 @@
             </a:r>
           </a:p>
           <a:p>
-            <a:pPr lvl="1"/>
+            <a:pPr lvl="1" algn="just"/>
             <a:r>
               <a:rPr lang="en-US" dirty="0"/>
               <a:t>“Default” : </a:t>
@@ -4618,6 +4624,7 @@
             </a:r>
           </a:p>
           <a:p>
+            <a:pPr algn="just"/>
             <a:r>
               <a:rPr lang="en-US" dirty="0"/>
               <a:t>The company can </a:t>
@@ -4644,6 +4651,7 @@
             </a:r>
           </a:p>
           <a:p>
+            <a:pPr algn="just"/>
             <a:endParaRPr lang="en-US" dirty="0"/>
           </a:p>
         </p:txBody>

--- a/Insights.pptx
+++ b/Insights.pptx
@@ -5,18 +5,20 @@
     <p:sldMasterId id="2147483672" r:id="rId1"/>
   </p:sldMasterIdLst>
   <p:notesMasterIdLst>
-    <p:notesMasterId r:id="rId11"/>
+    <p:notesMasterId r:id="rId13"/>
   </p:notesMasterIdLst>
   <p:sldIdLst>
     <p:sldId id="267" r:id="rId2"/>
     <p:sldId id="261" r:id="rId3"/>
     <p:sldId id="263" r:id="rId4"/>
     <p:sldId id="264" r:id="rId5"/>
-    <p:sldId id="265" r:id="rId6"/>
-    <p:sldId id="259" r:id="rId7"/>
-    <p:sldId id="268" r:id="rId8"/>
-    <p:sldId id="257" r:id="rId9"/>
-    <p:sldId id="260" r:id="rId10"/>
+    <p:sldId id="269" r:id="rId6"/>
+    <p:sldId id="265" r:id="rId7"/>
+    <p:sldId id="270" r:id="rId8"/>
+    <p:sldId id="259" r:id="rId9"/>
+    <p:sldId id="268" r:id="rId10"/>
+    <p:sldId id="257" r:id="rId11"/>
+    <p:sldId id="260" r:id="rId12"/>
   </p:sldIdLst>
   <p:sldSz cx="9906000" cy="6858000" type="A4"/>
   <p:notesSz cx="6858000" cy="9144000"/>
@@ -3391,15 +3393,7 @@
             <a:pPr algn="just"/>
             <a:r>
               <a:rPr lang="en-US" sz="1800" dirty="0"/>
-              <a:t>The fig shows the chances of </a:t>
-            </a:r>
-            <a:r>
-              <a:rPr lang="en-US" sz="1800" b="1" dirty="0"/>
-              <a:t>default</a:t>
-            </a:r>
-            <a:r>
-              <a:rPr lang="en-US" sz="1800" dirty="0"/>
-              <a:t> across the “</a:t>
+              <a:t>“</a:t>
             </a:r>
             <a:r>
               <a:rPr lang="en-US" sz="1800" b="1" dirty="0"/>
@@ -3407,18 +3401,14 @@
             </a:r>
             <a:r>
               <a:rPr lang="en-US" sz="1800" dirty="0"/>
-              <a:t>” categories</a:t>
+              <a:t>” is a strong driver variables of default</a:t>
             </a:r>
           </a:p>
           <a:p>
             <a:pPr algn="just"/>
             <a:r>
-              <a:rPr lang="en-US" sz="1800" dirty="0"/>
-              <a:t>Ex: </a:t>
-            </a:r>
-            <a:r>
               <a:rPr lang="en-US" sz="1800" b="1" dirty="0"/>
-              <a:t>at least 1 out of 4 loans</a:t>
+              <a:t>At least 1 out of 4 loans</a:t>
             </a:r>
             <a:r>
               <a:rPr lang="en-US" sz="1800" dirty="0"/>
@@ -3484,6 +3474,188 @@
     <p:extLst>
       <p:ext uri="{BB962C8B-B14F-4D97-AF65-F5344CB8AC3E}">
         <p14:creationId xmlns:p14="http://schemas.microsoft.com/office/powerpoint/2010/main" val="2758493559"/>
+      </p:ext>
+    </p:extLst>
+  </p:cSld>
+  <p:clrMapOvr>
+    <a:masterClrMapping/>
+  </p:clrMapOvr>
+</p:sld>
+</file>
+
+<file path=ppt/slides/slide10.xml><?xml version="1.0" encoding="utf-8"?>
+<p:sld xmlns:a="http://schemas.openxmlformats.org/drawingml/2006/main" xmlns:r="http://schemas.openxmlformats.org/officeDocument/2006/relationships" xmlns:p="http://schemas.openxmlformats.org/presentationml/2006/main" show="0">
+  <p:cSld>
+    <p:spTree>
+      <p:nvGrpSpPr>
+        <p:cNvPr id="1" name=""/>
+        <p:cNvGrpSpPr/>
+        <p:nvPr/>
+      </p:nvGrpSpPr>
+      <p:grpSpPr>
+        <a:xfrm>
+          <a:off x="0" y="0"/>
+          <a:ext cx="0" cy="0"/>
+          <a:chOff x="0" y="0"/>
+          <a:chExt cx="0" cy="0"/>
+        </a:xfrm>
+      </p:grpSpPr>
+      <p:sp>
+        <p:nvSpPr>
+          <p:cNvPr id="2" name="Title 1">
+            <a:extLst>
+              <a:ext uri="{FF2B5EF4-FFF2-40B4-BE49-F238E27FC236}">
+                <a16:creationId xmlns:a16="http://schemas.microsoft.com/office/drawing/2014/main" id="{7DA748BE-91A5-B233-406E-EDF1C41DC6FC}"/>
+              </a:ext>
+            </a:extLst>
+          </p:cNvPr>
+          <p:cNvSpPr>
+            <a:spLocks noGrp="1"/>
+          </p:cNvSpPr>
+          <p:nvPr>
+            <p:ph type="title"/>
+          </p:nvPr>
+        </p:nvSpPr>
+        <p:spPr/>
+        <p:txBody>
+          <a:bodyPr/>
+          <a:lstStyle/>
+          <a:p>
+            <a:r>
+              <a:rPr lang="en-US" dirty="0" err="1"/>
+              <a:t>Loan_amnt</a:t>
+            </a:r>
+            <a:endParaRPr lang="en-US" dirty="0"/>
+          </a:p>
+        </p:txBody>
+      </p:sp>
+      <p:pic>
+        <p:nvPicPr>
+          <p:cNvPr id="4" name="Content Placeholder 3">
+            <a:extLst>
+              <a:ext uri="{FF2B5EF4-FFF2-40B4-BE49-F238E27FC236}">
+                <a16:creationId xmlns:a16="http://schemas.microsoft.com/office/drawing/2014/main" id="{99D203F8-58F7-D5A3-1D66-3D7F78404784}"/>
+              </a:ext>
+            </a:extLst>
+          </p:cNvPr>
+          <p:cNvPicPr>
+            <a:picLocks noGrp="1" noChangeAspect="1"/>
+          </p:cNvPicPr>
+          <p:nvPr>
+            <p:ph idx="1"/>
+          </p:nvPr>
+        </p:nvPicPr>
+        <p:blipFill>
+          <a:blip r:embed="rId2"/>
+          <a:stretch>
+            <a:fillRect/>
+          </a:stretch>
+        </p:blipFill>
+        <p:spPr>
+          <a:xfrm>
+            <a:off x="883998" y="2083690"/>
+            <a:ext cx="5857681" cy="2272213"/>
+          </a:xfrm>
+          <a:prstGeom prst="rect">
+            <a:avLst/>
+          </a:prstGeom>
+        </p:spPr>
+      </p:pic>
+    </p:spTree>
+    <p:extLst>
+      <p:ext uri="{BB962C8B-B14F-4D97-AF65-F5344CB8AC3E}">
+        <p14:creationId xmlns:p14="http://schemas.microsoft.com/office/powerpoint/2010/main" val="382822405"/>
+      </p:ext>
+    </p:extLst>
+  </p:cSld>
+  <p:clrMapOvr>
+    <a:masterClrMapping/>
+  </p:clrMapOvr>
+</p:sld>
+</file>
+
+<file path=ppt/slides/slide11.xml><?xml version="1.0" encoding="utf-8"?>
+<p:sld xmlns:a="http://schemas.openxmlformats.org/drawingml/2006/main" xmlns:r="http://schemas.openxmlformats.org/officeDocument/2006/relationships" xmlns:p="http://schemas.openxmlformats.org/presentationml/2006/main" show="0">
+  <p:cSld>
+    <p:spTree>
+      <p:nvGrpSpPr>
+        <p:cNvPr id="1" name=""/>
+        <p:cNvGrpSpPr/>
+        <p:nvPr/>
+      </p:nvGrpSpPr>
+      <p:grpSpPr>
+        <a:xfrm>
+          <a:off x="0" y="0"/>
+          <a:ext cx="0" cy="0"/>
+          <a:chOff x="0" y="0"/>
+          <a:chExt cx="0" cy="0"/>
+        </a:xfrm>
+      </p:grpSpPr>
+      <p:sp>
+        <p:nvSpPr>
+          <p:cNvPr id="2" name="Title 1">
+            <a:extLst>
+              <a:ext uri="{FF2B5EF4-FFF2-40B4-BE49-F238E27FC236}">
+                <a16:creationId xmlns:a16="http://schemas.microsoft.com/office/drawing/2014/main" id="{2D81569E-6542-9787-FD4D-65F652857A86}"/>
+              </a:ext>
+            </a:extLst>
+          </p:cNvPr>
+          <p:cNvSpPr>
+            <a:spLocks noGrp="1"/>
+          </p:cNvSpPr>
+          <p:nvPr>
+            <p:ph type="title"/>
+          </p:nvPr>
+        </p:nvSpPr>
+        <p:spPr/>
+        <p:txBody>
+          <a:bodyPr/>
+          <a:lstStyle/>
+          <a:p>
+            <a:r>
+              <a:rPr lang="en-US" dirty="0" err="1"/>
+              <a:t>Int_rate</a:t>
+            </a:r>
+            <a:endParaRPr lang="en-US" dirty="0"/>
+          </a:p>
+        </p:txBody>
+      </p:sp>
+      <p:pic>
+        <p:nvPicPr>
+          <p:cNvPr id="4" name="Content Placeholder 3">
+            <a:extLst>
+              <a:ext uri="{FF2B5EF4-FFF2-40B4-BE49-F238E27FC236}">
+                <a16:creationId xmlns:a16="http://schemas.microsoft.com/office/drawing/2014/main" id="{F0CA6EC1-B2F6-9EAA-0618-10DF21A5B603}"/>
+              </a:ext>
+            </a:extLst>
+          </p:cNvPr>
+          <p:cNvPicPr>
+            <a:picLocks noGrp="1" noChangeAspect="1"/>
+          </p:cNvPicPr>
+          <p:nvPr>
+            <p:ph idx="1"/>
+          </p:nvPr>
+        </p:nvPicPr>
+        <p:blipFill>
+          <a:blip r:embed="rId2"/>
+          <a:stretch>
+            <a:fillRect/>
+          </a:stretch>
+        </p:blipFill>
+        <p:spPr>
+          <a:xfrm>
+            <a:off x="870167" y="2348869"/>
+            <a:ext cx="7538317" cy="2924137"/>
+          </a:xfrm>
+          <a:prstGeom prst="rect">
+            <a:avLst/>
+          </a:prstGeom>
+        </p:spPr>
+      </p:pic>
+    </p:spTree>
+    <p:extLst>
+      <p:ext uri="{BB962C8B-B14F-4D97-AF65-F5344CB8AC3E}">
+        <p14:creationId xmlns:p14="http://schemas.microsoft.com/office/powerpoint/2010/main" val="38525610"/>
       </p:ext>
     </p:extLst>
   </p:cSld>
@@ -3604,15 +3776,7 @@
             <a:pPr algn="just"/>
             <a:r>
               <a:rPr lang="en-US" dirty="0"/>
-              <a:t>The fig shows the chances of </a:t>
-            </a:r>
-            <a:r>
-              <a:rPr lang="en-US" b="1" dirty="0"/>
-              <a:t>default</a:t>
-            </a:r>
-            <a:r>
-              <a:rPr lang="en-US" dirty="0"/>
-              <a:t> across the “</a:t>
+              <a:t>“</a:t>
             </a:r>
             <a:r>
               <a:rPr lang="en-US" b="1" dirty="0"/>
@@ -3620,7 +3784,7 @@
             </a:r>
             <a:r>
               <a:rPr lang="en-US" dirty="0"/>
-              <a:t>” categories</a:t>
+              <a:t>” is a strong driver variable of default</a:t>
             </a:r>
           </a:p>
           <a:p>
@@ -3765,15 +3929,7 @@
             <a:pPr algn="just"/>
             <a:r>
               <a:rPr lang="en-US" dirty="0"/>
-              <a:t>The fig shows the chances of </a:t>
-            </a:r>
-            <a:r>
-              <a:rPr lang="en-US" b="1" dirty="0"/>
-              <a:t>default</a:t>
-            </a:r>
-            <a:r>
-              <a:rPr lang="en-US" dirty="0"/>
-              <a:t> across the “</a:t>
+              <a:t>“</a:t>
             </a:r>
             <a:r>
               <a:rPr lang="en-US" b="1" dirty="0"/>
@@ -3781,7 +3937,7 @@
             </a:r>
             <a:r>
               <a:rPr lang="en-US" dirty="0"/>
-              <a:t>” categories</a:t>
+              <a:t>” is a strong driver variable of default</a:t>
             </a:r>
           </a:p>
           <a:p>
@@ -3792,7 +3948,7 @@
             </a:r>
             <a:r>
               <a:rPr lang="en-US" b="1" dirty="0"/>
-              <a:t>more than 30% of loans in grade G </a:t>
+              <a:t>more than 30% of loans in grade G &amp; F </a:t>
             </a:r>
             <a:r>
               <a:rPr lang="en-US" dirty="0"/>
@@ -3947,15 +4103,7 @@
           <a:p>
             <a:r>
               <a:rPr lang="en-US" dirty="0"/>
-              <a:t>The fig shows the chances of </a:t>
-            </a:r>
-            <a:r>
-              <a:rPr lang="en-US" b="1" dirty="0"/>
-              <a:t>default</a:t>
-            </a:r>
-            <a:r>
-              <a:rPr lang="en-US" dirty="0"/>
-              <a:t> across the “</a:t>
+              <a:t>“</a:t>
             </a:r>
             <a:r>
               <a:rPr lang="en-US" b="1" dirty="0" err="1"/>
@@ -3963,7 +4111,7 @@
             </a:r>
             <a:r>
               <a:rPr lang="en-US" dirty="0"/>
-              <a:t>” categories</a:t>
+              <a:t>” is a strong variable of default</a:t>
             </a:r>
           </a:p>
           <a:p>
@@ -4069,6 +4217,176 @@
       </p:grpSpPr>
       <p:sp>
         <p:nvSpPr>
+          <p:cNvPr id="2" name="Title 1">
+            <a:extLst>
+              <a:ext uri="{FF2B5EF4-FFF2-40B4-BE49-F238E27FC236}">
+                <a16:creationId xmlns:a16="http://schemas.microsoft.com/office/drawing/2014/main" id="{8A8E5D78-A03B-6DF4-0CFA-791599C4650D}"/>
+              </a:ext>
+            </a:extLst>
+          </p:cNvPr>
+          <p:cNvSpPr>
+            <a:spLocks noGrp="1"/>
+          </p:cNvSpPr>
+          <p:nvPr>
+            <p:ph type="title"/>
+          </p:nvPr>
+        </p:nvSpPr>
+        <p:spPr/>
+        <p:txBody>
+          <a:bodyPr/>
+          <a:lstStyle/>
+          <a:p>
+            <a:r>
+              <a:rPr lang="en-US" dirty="0"/>
+              <a:t>Conclusion 5</a:t>
+            </a:r>
+          </a:p>
+        </p:txBody>
+      </p:sp>
+      <p:sp>
+        <p:nvSpPr>
+          <p:cNvPr id="3" name="Content Placeholder 2">
+            <a:extLst>
+              <a:ext uri="{FF2B5EF4-FFF2-40B4-BE49-F238E27FC236}">
+                <a16:creationId xmlns:a16="http://schemas.microsoft.com/office/drawing/2014/main" id="{44F734B6-93FE-191E-7C47-0A90C48F3084}"/>
+              </a:ext>
+            </a:extLst>
+          </p:cNvPr>
+          <p:cNvSpPr>
+            <a:spLocks noGrp="1"/>
+          </p:cNvSpPr>
+          <p:nvPr>
+            <p:ph idx="1"/>
+          </p:nvPr>
+        </p:nvSpPr>
+        <p:spPr>
+          <a:xfrm>
+            <a:off x="681038" y="1825625"/>
+            <a:ext cx="8543925" cy="1090295"/>
+          </a:xfrm>
+        </p:spPr>
+        <p:txBody>
+          <a:bodyPr>
+            <a:normAutofit fontScale="55000" lnSpcReduction="20000"/>
+          </a:bodyPr>
+          <a:lstStyle/>
+          <a:p>
+            <a:r>
+              <a:rPr lang="en-US" dirty="0"/>
+              <a:t>“</a:t>
+            </a:r>
+            <a:r>
+              <a:rPr lang="en-US" b="1" dirty="0" err="1"/>
+              <a:t>addr_state</a:t>
+            </a:r>
+            <a:r>
+              <a:rPr lang="en-US" dirty="0"/>
+              <a:t>” is a strong variable of default</a:t>
+            </a:r>
+          </a:p>
+          <a:p>
+            <a:r>
+              <a:rPr lang="en-US" dirty="0"/>
+              <a:t>Ex: </a:t>
+            </a:r>
+            <a:r>
+              <a:rPr lang="en-US" b="1" dirty="0"/>
+              <a:t>more than 20% of loans</a:t>
+            </a:r>
+            <a:r>
+              <a:rPr lang="en-US" dirty="0"/>
+              <a:t> in “NV” &amp; “AK” end up </a:t>
+            </a:r>
+            <a:r>
+              <a:rPr lang="en-US" b="1" dirty="0"/>
+              <a:t>defaulting</a:t>
+            </a:r>
+          </a:p>
+          <a:p>
+            <a:r>
+              <a:rPr lang="en-US" dirty="0"/>
+              <a:t>This helps the company to manage their portfolio by </a:t>
+            </a:r>
+            <a:r>
+              <a:rPr lang="en-US" b="1" dirty="0"/>
+              <a:t>not allocating a high number of loans in such  high risk “</a:t>
+            </a:r>
+            <a:r>
+              <a:rPr lang="en-US" b="1" dirty="0" err="1"/>
+              <a:t>addr_state</a:t>
+            </a:r>
+            <a:r>
+              <a:rPr lang="en-US" b="1" dirty="0"/>
+              <a:t>” categories </a:t>
+            </a:r>
+          </a:p>
+          <a:p>
+            <a:endParaRPr lang="en-US" dirty="0"/>
+          </a:p>
+        </p:txBody>
+      </p:sp>
+      <p:pic>
+        <p:nvPicPr>
+          <p:cNvPr id="4" name="Picture 3">
+            <a:extLst>
+              <a:ext uri="{FF2B5EF4-FFF2-40B4-BE49-F238E27FC236}">
+                <a16:creationId xmlns:a16="http://schemas.microsoft.com/office/drawing/2014/main" id="{1AF8E503-C1EB-B9A0-D7F7-5E37B8CC1E3D}"/>
+              </a:ext>
+            </a:extLst>
+          </p:cNvPr>
+          <p:cNvPicPr>
+            <a:picLocks noChangeAspect="1"/>
+          </p:cNvPicPr>
+          <p:nvPr/>
+        </p:nvPicPr>
+        <p:blipFill>
+          <a:blip r:embed="rId2"/>
+          <a:stretch>
+            <a:fillRect/>
+          </a:stretch>
+        </p:blipFill>
+        <p:spPr>
+          <a:xfrm>
+            <a:off x="914400" y="3050855"/>
+            <a:ext cx="7772400" cy="3274633"/>
+          </a:xfrm>
+          <a:prstGeom prst="rect">
+            <a:avLst/>
+          </a:prstGeom>
+        </p:spPr>
+      </p:pic>
+    </p:spTree>
+    <p:extLst>
+      <p:ext uri="{BB962C8B-B14F-4D97-AF65-F5344CB8AC3E}">
+        <p14:creationId xmlns:p14="http://schemas.microsoft.com/office/powerpoint/2010/main" val="506694138"/>
+      </p:ext>
+    </p:extLst>
+  </p:cSld>
+  <p:clrMapOvr>
+    <a:masterClrMapping/>
+  </p:clrMapOvr>
+</p:sld>
+</file>
+
+<file path=ppt/slides/slide6.xml><?xml version="1.0" encoding="utf-8"?>
+<p:sld xmlns:a="http://schemas.openxmlformats.org/drawingml/2006/main" xmlns:r="http://schemas.openxmlformats.org/officeDocument/2006/relationships" xmlns:p="http://schemas.openxmlformats.org/presentationml/2006/main">
+  <p:cSld>
+    <p:spTree>
+      <p:nvGrpSpPr>
+        <p:cNvPr id="1" name=""/>
+        <p:cNvGrpSpPr/>
+        <p:nvPr/>
+      </p:nvGrpSpPr>
+      <p:grpSpPr>
+        <a:xfrm>
+          <a:off x="0" y="0"/>
+          <a:ext cx="0" cy="0"/>
+          <a:chOff x="0" y="0"/>
+          <a:chExt cx="0" cy="0"/>
+        </a:xfrm>
+      </p:grpSpPr>
+      <p:sp>
+        <p:nvSpPr>
           <p:cNvPr id="7" name="Title 1">
             <a:extLst>
               <a:ext uri="{FF2B5EF4-FFF2-40B4-BE49-F238E27FC236}">
@@ -4095,7 +4413,7 @@
           <a:p>
             <a:r>
               <a:rPr lang="en-US" dirty="0"/>
-              <a:t>Conclusion 5</a:t>
+              <a:t>Conclusion 6</a:t>
             </a:r>
           </a:p>
         </p:txBody>
@@ -4243,7 +4561,7 @@
 </p:sld>
 </file>
 
-<file path=ppt/slides/slide6.xml><?xml version="1.0" encoding="utf-8"?>
+<file path=ppt/slides/slide7.xml><?xml version="1.0" encoding="utf-8"?>
 <p:sld xmlns:a="http://schemas.openxmlformats.org/drawingml/2006/main" xmlns:r="http://schemas.openxmlformats.org/officeDocument/2006/relationships" xmlns:p="http://schemas.openxmlformats.org/presentationml/2006/main">
   <p:cSld>
     <p:spTree>
@@ -4265,6 +4583,194 @@
           <p:cNvPr id="2" name="Title 1">
             <a:extLst>
               <a:ext uri="{FF2B5EF4-FFF2-40B4-BE49-F238E27FC236}">
+                <a16:creationId xmlns:a16="http://schemas.microsoft.com/office/drawing/2014/main" id="{B12A6531-678D-CA41-EFA9-21055F7D8FE9}"/>
+              </a:ext>
+            </a:extLst>
+          </p:cNvPr>
+          <p:cNvSpPr>
+            <a:spLocks noGrp="1"/>
+          </p:cNvSpPr>
+          <p:nvPr>
+            <p:ph type="title"/>
+          </p:nvPr>
+        </p:nvSpPr>
+        <p:spPr/>
+        <p:txBody>
+          <a:bodyPr/>
+          <a:lstStyle/>
+          <a:p>
+            <a:r>
+              <a:rPr lang="en-US" dirty="0"/>
+              <a:t>Conclusion 7</a:t>
+            </a:r>
+          </a:p>
+        </p:txBody>
+      </p:sp>
+      <p:pic>
+        <p:nvPicPr>
+          <p:cNvPr id="4" name="Content Placeholder 3">
+            <a:extLst>
+              <a:ext uri="{FF2B5EF4-FFF2-40B4-BE49-F238E27FC236}">
+                <a16:creationId xmlns:a16="http://schemas.microsoft.com/office/drawing/2014/main" id="{369BAECB-EB7A-E120-44C1-F4C10E5910C1}"/>
+              </a:ext>
+            </a:extLst>
+          </p:cNvPr>
+          <p:cNvPicPr>
+            <a:picLocks noGrp="1" noChangeAspect="1"/>
+          </p:cNvPicPr>
+          <p:nvPr>
+            <p:ph idx="1"/>
+          </p:nvPr>
+        </p:nvPicPr>
+        <p:blipFill>
+          <a:blip r:embed="rId2"/>
+          <a:stretch>
+            <a:fillRect/>
+          </a:stretch>
+        </p:blipFill>
+        <p:spPr>
+          <a:xfrm>
+            <a:off x="1437640" y="2829084"/>
+            <a:ext cx="6705600" cy="3543300"/>
+          </a:xfrm>
+          <a:prstGeom prst="rect">
+            <a:avLst/>
+          </a:prstGeom>
+        </p:spPr>
+      </p:pic>
+      <p:sp>
+        <p:nvSpPr>
+          <p:cNvPr id="6" name="TextBox 5">
+            <a:extLst>
+              <a:ext uri="{FF2B5EF4-FFF2-40B4-BE49-F238E27FC236}">
+                <a16:creationId xmlns:a16="http://schemas.microsoft.com/office/drawing/2014/main" id="{05BB2D0B-7BD6-1252-EDA8-560837D4BA38}"/>
+              </a:ext>
+            </a:extLst>
+          </p:cNvPr>
+          <p:cNvSpPr txBox="1"/>
+          <p:nvPr/>
+        </p:nvSpPr>
+        <p:spPr>
+          <a:xfrm>
+            <a:off x="681037" y="1505357"/>
+            <a:ext cx="8543924" cy="1200329"/>
+          </a:xfrm>
+          <a:prstGeom prst="rect">
+            <a:avLst/>
+          </a:prstGeom>
+          <a:noFill/>
+        </p:spPr>
+        <p:txBody>
+          <a:bodyPr wrap="square">
+            <a:spAutoFit/>
+          </a:bodyPr>
+          <a:lstStyle/>
+          <a:p>
+            <a:pPr marL="285750" indent="-285750">
+              <a:buFont typeface="Arial" panose="020B0604020202020204" pitchFamily="34" charset="0"/>
+              <a:buChar char="•"/>
+            </a:pPr>
+            <a:r>
+              <a:rPr lang="en-US" dirty="0"/>
+              <a:t>Defaulters have significantly higher “</a:t>
+            </a:r>
+            <a:r>
+              <a:rPr lang="en-US" b="1" dirty="0" err="1"/>
+              <a:t>loan_amnt</a:t>
+            </a:r>
+            <a:r>
+              <a:rPr lang="en-US" dirty="0"/>
+              <a:t>” for “purpose” – “</a:t>
+            </a:r>
+            <a:r>
+              <a:rPr lang="en-US" dirty="0" err="1"/>
+              <a:t>small_business</a:t>
+            </a:r>
+            <a:r>
+              <a:rPr lang="en-US" dirty="0"/>
+              <a:t>”, “</a:t>
+            </a:r>
+            <a:r>
+              <a:rPr lang="en-US" dirty="0" err="1"/>
+              <a:t>credit_card</a:t>
+            </a:r>
+            <a:r>
+              <a:rPr lang="en-US" dirty="0"/>
+              <a:t>”, “</a:t>
+            </a:r>
+            <a:r>
+              <a:rPr lang="en-US" dirty="0" err="1"/>
+              <a:t>renewable_energy</a:t>
+            </a:r>
+            <a:r>
+              <a:rPr lang="en-US" dirty="0"/>
+              <a:t>” categories</a:t>
+            </a:r>
+          </a:p>
+          <a:p>
+            <a:pPr marL="285750" indent="-285750">
+              <a:buFont typeface="Arial" panose="020B0604020202020204" pitchFamily="34" charset="0"/>
+              <a:buChar char="•"/>
+            </a:pPr>
+            <a:r>
+              <a:rPr lang="en-US" dirty="0"/>
+              <a:t>This helps the company to manage their portfolio by </a:t>
+            </a:r>
+            <a:r>
+              <a:rPr lang="en-US" b="1" dirty="0"/>
+              <a:t>not approving loans of higher “</a:t>
+            </a:r>
+            <a:r>
+              <a:rPr lang="en-US" b="1" dirty="0" err="1"/>
+              <a:t>loan_amnt</a:t>
+            </a:r>
+            <a:r>
+              <a:rPr lang="en-US" b="1" dirty="0"/>
+              <a:t>” among </a:t>
+            </a:r>
+            <a:r>
+              <a:rPr lang="en-US" b="1"/>
+              <a:t>such categories</a:t>
+            </a:r>
+            <a:endParaRPr lang="en-US" b="1" dirty="0"/>
+          </a:p>
+        </p:txBody>
+      </p:sp>
+    </p:spTree>
+    <p:extLst>
+      <p:ext uri="{BB962C8B-B14F-4D97-AF65-F5344CB8AC3E}">
+        <p14:creationId xmlns:p14="http://schemas.microsoft.com/office/powerpoint/2010/main" val="2903498369"/>
+      </p:ext>
+    </p:extLst>
+  </p:cSld>
+  <p:clrMapOvr>
+    <a:masterClrMapping/>
+  </p:clrMapOvr>
+</p:sld>
+</file>
+
+<file path=ppt/slides/slide8.xml><?xml version="1.0" encoding="utf-8"?>
+<p:sld xmlns:a="http://schemas.openxmlformats.org/drawingml/2006/main" xmlns:r="http://schemas.openxmlformats.org/officeDocument/2006/relationships" xmlns:p="http://schemas.openxmlformats.org/presentationml/2006/main" show="0">
+  <p:cSld>
+    <p:spTree>
+      <p:nvGrpSpPr>
+        <p:cNvPr id="1" name=""/>
+        <p:cNvGrpSpPr/>
+        <p:nvPr/>
+      </p:nvGrpSpPr>
+      <p:grpSpPr>
+        <a:xfrm>
+          <a:off x="0" y="0"/>
+          <a:ext cx="0" cy="0"/>
+          <a:chOff x="0" y="0"/>
+          <a:chExt cx="0" cy="0"/>
+        </a:xfrm>
+      </p:grpSpPr>
+      <p:sp>
+        <p:nvSpPr>
+          <p:cNvPr id="2" name="Title 1">
+            <a:extLst>
+              <a:ext uri="{FF2B5EF4-FFF2-40B4-BE49-F238E27FC236}">
                 <a16:creationId xmlns:a16="http://schemas.microsoft.com/office/drawing/2014/main" id="{481CC8F1-92C8-2C36-7E3A-C18FEA5CBDEF}"/>
               </a:ext>
             </a:extLst>
@@ -4283,7 +4789,7 @@
           <a:p>
             <a:r>
               <a:rPr lang="en-US" dirty="0"/>
-              <a:t>Recommendation 1:</a:t>
+              <a:t>Conclusion 6</a:t>
             </a:r>
           </a:p>
         </p:txBody>
@@ -4419,26 +4925,22 @@
             <a:pPr algn="just"/>
             <a:r>
               <a:rPr lang="en-US" dirty="0"/>
-              <a:t>Ex: For the state “WY”,  and a threshold of 10%,</a:t>
-            </a:r>
-          </a:p>
-          <a:p>
-            <a:pPr lvl="1" algn="just"/>
-            <a:r>
-              <a:rPr lang="en-US" b="1" dirty="0"/>
-              <a:t>Acceptable “</a:t>
-            </a:r>
-            <a:r>
-              <a:rPr lang="en-US" b="1" dirty="0" err="1"/>
+              <a:t>Ex: For the state “WY”, the loan could be rejected if ”</a:t>
+            </a:r>
+            <a:r>
+              <a:rPr lang="en-US" dirty="0" err="1"/>
               <a:t>loan_amnt</a:t>
             </a:r>
             <a:r>
-              <a:rPr lang="en-US" b="1" dirty="0"/>
-              <a:t>”</a:t>
-            </a:r>
-            <a:r>
-              <a:rPr lang="en-US" dirty="0"/>
-              <a:t> = 10375 + 10% of 10375</a:t>
+              <a:rPr lang="en-US" dirty="0"/>
+              <a:t>” is outside the 1.5 * IQR range.</a:t>
+            </a:r>
+          </a:p>
+          <a:p>
+            <a:pPr algn="just"/>
+            <a:r>
+              <a:rPr lang="en-US" dirty="0"/>
+              <a:t># change this chart</a:t>
             </a:r>
           </a:p>
         </p:txBody>
@@ -4486,8 +4988,8 @@
 </p:sld>
 </file>
 
-<file path=ppt/slides/slide7.xml><?xml version="1.0" encoding="utf-8"?>
-<p:sld xmlns:a="http://schemas.openxmlformats.org/drawingml/2006/main" xmlns:r="http://schemas.openxmlformats.org/officeDocument/2006/relationships" xmlns:p="http://schemas.openxmlformats.org/presentationml/2006/main">
+<file path=ppt/slides/slide9.xml><?xml version="1.0" encoding="utf-8"?>
+<p:sld xmlns:a="http://schemas.openxmlformats.org/drawingml/2006/main" xmlns:r="http://schemas.openxmlformats.org/officeDocument/2006/relationships" xmlns:p="http://schemas.openxmlformats.org/presentationml/2006/main" show="0">
   <p:cSld>
     <p:spTree>
       <p:nvGrpSpPr>
@@ -4526,7 +5028,7 @@
           <a:p>
             <a:r>
               <a:rPr lang="en-US" dirty="0"/>
-              <a:t>Recommendation 2:</a:t>
+              <a:t>Conclusion 7:</a:t>
             </a:r>
           </a:p>
         </p:txBody>
@@ -4550,12 +5052,12 @@
         <p:spPr>
           <a:xfrm>
             <a:off x="681037" y="1549244"/>
-            <a:ext cx="8543925" cy="1580036"/>
+            <a:ext cx="8543925" cy="1325563"/>
           </a:xfrm>
         </p:spPr>
         <p:txBody>
           <a:bodyPr>
-            <a:normAutofit fontScale="62500" lnSpcReduction="20000"/>
+            <a:normAutofit fontScale="55000" lnSpcReduction="20000"/>
           </a:bodyPr>
           <a:lstStyle/>
           <a:p>
@@ -4631,7 +5133,7 @@
             </a:r>
             <a:r>
               <a:rPr lang="en-US" b="1" dirty="0"/>
-              <a:t>use this data to determine “</a:t>
+              <a:t>use this data to determine the range of “</a:t>
             </a:r>
             <a:r>
               <a:rPr lang="en-US" b="1" dirty="0" err="1"/>
@@ -4678,7 +5180,7 @@
         </p:blipFill>
         <p:spPr>
           <a:xfrm>
-            <a:off x="812569" y="3259293"/>
+            <a:off x="1122564" y="3039186"/>
             <a:ext cx="7660871" cy="3091340"/>
           </a:xfrm>
           <a:prstGeom prst="rect">
@@ -4690,188 +5192,6 @@
     <p:extLst>
       <p:ext uri="{BB962C8B-B14F-4D97-AF65-F5344CB8AC3E}">
         <p14:creationId xmlns:p14="http://schemas.microsoft.com/office/powerpoint/2010/main" val="273810209"/>
-      </p:ext>
-    </p:extLst>
-  </p:cSld>
-  <p:clrMapOvr>
-    <a:masterClrMapping/>
-  </p:clrMapOvr>
-</p:sld>
-</file>
-
-<file path=ppt/slides/slide8.xml><?xml version="1.0" encoding="utf-8"?>
-<p:sld xmlns:a="http://schemas.openxmlformats.org/drawingml/2006/main" xmlns:r="http://schemas.openxmlformats.org/officeDocument/2006/relationships" xmlns:p="http://schemas.openxmlformats.org/presentationml/2006/main" show="0">
-  <p:cSld>
-    <p:spTree>
-      <p:nvGrpSpPr>
-        <p:cNvPr id="1" name=""/>
-        <p:cNvGrpSpPr/>
-        <p:nvPr/>
-      </p:nvGrpSpPr>
-      <p:grpSpPr>
-        <a:xfrm>
-          <a:off x="0" y="0"/>
-          <a:ext cx="0" cy="0"/>
-          <a:chOff x="0" y="0"/>
-          <a:chExt cx="0" cy="0"/>
-        </a:xfrm>
-      </p:grpSpPr>
-      <p:sp>
-        <p:nvSpPr>
-          <p:cNvPr id="2" name="Title 1">
-            <a:extLst>
-              <a:ext uri="{FF2B5EF4-FFF2-40B4-BE49-F238E27FC236}">
-                <a16:creationId xmlns:a16="http://schemas.microsoft.com/office/drawing/2014/main" id="{7DA748BE-91A5-B233-406E-EDF1C41DC6FC}"/>
-              </a:ext>
-            </a:extLst>
-          </p:cNvPr>
-          <p:cNvSpPr>
-            <a:spLocks noGrp="1"/>
-          </p:cNvSpPr>
-          <p:nvPr>
-            <p:ph type="title"/>
-          </p:nvPr>
-        </p:nvSpPr>
-        <p:spPr/>
-        <p:txBody>
-          <a:bodyPr/>
-          <a:lstStyle/>
-          <a:p>
-            <a:r>
-              <a:rPr lang="en-US" dirty="0" err="1"/>
-              <a:t>Loan_amnt</a:t>
-            </a:r>
-            <a:endParaRPr lang="en-US" dirty="0"/>
-          </a:p>
-        </p:txBody>
-      </p:sp>
-      <p:pic>
-        <p:nvPicPr>
-          <p:cNvPr id="4" name="Content Placeholder 3">
-            <a:extLst>
-              <a:ext uri="{FF2B5EF4-FFF2-40B4-BE49-F238E27FC236}">
-                <a16:creationId xmlns:a16="http://schemas.microsoft.com/office/drawing/2014/main" id="{99D203F8-58F7-D5A3-1D66-3D7F78404784}"/>
-              </a:ext>
-            </a:extLst>
-          </p:cNvPr>
-          <p:cNvPicPr>
-            <a:picLocks noGrp="1" noChangeAspect="1"/>
-          </p:cNvPicPr>
-          <p:nvPr>
-            <p:ph idx="1"/>
-          </p:nvPr>
-        </p:nvPicPr>
-        <p:blipFill>
-          <a:blip r:embed="rId2"/>
-          <a:stretch>
-            <a:fillRect/>
-          </a:stretch>
-        </p:blipFill>
-        <p:spPr>
-          <a:xfrm>
-            <a:off x="883998" y="2083690"/>
-            <a:ext cx="5857681" cy="2272213"/>
-          </a:xfrm>
-          <a:prstGeom prst="rect">
-            <a:avLst/>
-          </a:prstGeom>
-        </p:spPr>
-      </p:pic>
-    </p:spTree>
-    <p:extLst>
-      <p:ext uri="{BB962C8B-B14F-4D97-AF65-F5344CB8AC3E}">
-        <p14:creationId xmlns:p14="http://schemas.microsoft.com/office/powerpoint/2010/main" val="382822405"/>
-      </p:ext>
-    </p:extLst>
-  </p:cSld>
-  <p:clrMapOvr>
-    <a:masterClrMapping/>
-  </p:clrMapOvr>
-</p:sld>
-</file>
-
-<file path=ppt/slides/slide9.xml><?xml version="1.0" encoding="utf-8"?>
-<p:sld xmlns:a="http://schemas.openxmlformats.org/drawingml/2006/main" xmlns:r="http://schemas.openxmlformats.org/officeDocument/2006/relationships" xmlns:p="http://schemas.openxmlformats.org/presentationml/2006/main" show="0">
-  <p:cSld>
-    <p:spTree>
-      <p:nvGrpSpPr>
-        <p:cNvPr id="1" name=""/>
-        <p:cNvGrpSpPr/>
-        <p:nvPr/>
-      </p:nvGrpSpPr>
-      <p:grpSpPr>
-        <a:xfrm>
-          <a:off x="0" y="0"/>
-          <a:ext cx="0" cy="0"/>
-          <a:chOff x="0" y="0"/>
-          <a:chExt cx="0" cy="0"/>
-        </a:xfrm>
-      </p:grpSpPr>
-      <p:sp>
-        <p:nvSpPr>
-          <p:cNvPr id="2" name="Title 1">
-            <a:extLst>
-              <a:ext uri="{FF2B5EF4-FFF2-40B4-BE49-F238E27FC236}">
-                <a16:creationId xmlns:a16="http://schemas.microsoft.com/office/drawing/2014/main" id="{2D81569E-6542-9787-FD4D-65F652857A86}"/>
-              </a:ext>
-            </a:extLst>
-          </p:cNvPr>
-          <p:cNvSpPr>
-            <a:spLocks noGrp="1"/>
-          </p:cNvSpPr>
-          <p:nvPr>
-            <p:ph type="title"/>
-          </p:nvPr>
-        </p:nvSpPr>
-        <p:spPr/>
-        <p:txBody>
-          <a:bodyPr/>
-          <a:lstStyle/>
-          <a:p>
-            <a:r>
-              <a:rPr lang="en-US" dirty="0" err="1"/>
-              <a:t>Int_rate</a:t>
-            </a:r>
-            <a:endParaRPr lang="en-US" dirty="0"/>
-          </a:p>
-        </p:txBody>
-      </p:sp>
-      <p:pic>
-        <p:nvPicPr>
-          <p:cNvPr id="4" name="Content Placeholder 3">
-            <a:extLst>
-              <a:ext uri="{FF2B5EF4-FFF2-40B4-BE49-F238E27FC236}">
-                <a16:creationId xmlns:a16="http://schemas.microsoft.com/office/drawing/2014/main" id="{F0CA6EC1-B2F6-9EAA-0618-10DF21A5B603}"/>
-              </a:ext>
-            </a:extLst>
-          </p:cNvPr>
-          <p:cNvPicPr>
-            <a:picLocks noGrp="1" noChangeAspect="1"/>
-          </p:cNvPicPr>
-          <p:nvPr>
-            <p:ph idx="1"/>
-          </p:nvPr>
-        </p:nvPicPr>
-        <p:blipFill>
-          <a:blip r:embed="rId2"/>
-          <a:stretch>
-            <a:fillRect/>
-          </a:stretch>
-        </p:blipFill>
-        <p:spPr>
-          <a:xfrm>
-            <a:off x="870167" y="2348869"/>
-            <a:ext cx="7538317" cy="2924137"/>
-          </a:xfrm>
-          <a:prstGeom prst="rect">
-            <a:avLst/>
-          </a:prstGeom>
-        </p:spPr>
-      </p:pic>
-    </p:spTree>
-    <p:extLst>
-      <p:ext uri="{BB962C8B-B14F-4D97-AF65-F5344CB8AC3E}">
-        <p14:creationId xmlns:p14="http://schemas.microsoft.com/office/powerpoint/2010/main" val="38525610"/>
       </p:ext>
     </p:extLst>
   </p:cSld>

--- a/Insights.pptx
+++ b/Insights.pptx
@@ -3401,7 +3401,7 @@
             </a:r>
             <a:r>
               <a:rPr lang="en-US" sz="1800" dirty="0"/>
-              <a:t>” is a strong driver variables of default</a:t>
+              <a:t>” is a strong driver variable of default</a:t>
             </a:r>
           </a:p>
           <a:p>
@@ -3442,10 +3442,10 @@
       </p:sp>
       <p:pic>
         <p:nvPicPr>
-          <p:cNvPr id="2" name="Picture 1">
+          <p:cNvPr id="3" name="Picture 2">
             <a:extLst>
               <a:ext uri="{FF2B5EF4-FFF2-40B4-BE49-F238E27FC236}">
-                <a16:creationId xmlns:a16="http://schemas.microsoft.com/office/drawing/2014/main" id="{EDE47A01-33CA-AC68-9276-3F7B1E972504}"/>
+                <a16:creationId xmlns:a16="http://schemas.microsoft.com/office/drawing/2014/main" id="{C67D17A6-5F3C-F9B4-67DE-847E290D81BC}"/>
               </a:ext>
             </a:extLst>
           </p:cNvPr>
@@ -3462,8 +3462,8 @@
         </p:blipFill>
         <p:spPr>
           <a:xfrm>
-            <a:off x="4254817" y="1910782"/>
-            <a:ext cx="4724094" cy="2971305"/>
+            <a:off x="4472203" y="1897277"/>
+            <a:ext cx="4636566" cy="3063446"/>
           </a:xfrm>
           <a:prstGeom prst="rect">
             <a:avLst/>
@@ -3682,12 +3682,135 @@
           <a:chExt cx="0" cy="0"/>
         </a:xfrm>
       </p:grpSpPr>
+      <p:sp>
+        <p:nvSpPr>
+          <p:cNvPr id="7" name="Title 1">
+            <a:extLst>
+              <a:ext uri="{FF2B5EF4-FFF2-40B4-BE49-F238E27FC236}">
+                <a16:creationId xmlns:a16="http://schemas.microsoft.com/office/drawing/2014/main" id="{E6427DA3-4F5B-23BB-32EC-9EE25EBF4FA7}"/>
+              </a:ext>
+            </a:extLst>
+          </p:cNvPr>
+          <p:cNvSpPr>
+            <a:spLocks noGrp="1"/>
+          </p:cNvSpPr>
+          <p:nvPr>
+            <p:ph type="title"/>
+          </p:nvPr>
+        </p:nvSpPr>
+        <p:spPr>
+          <a:xfrm>
+            <a:off x="564844" y="898894"/>
+            <a:ext cx="8543925" cy="1077020"/>
+          </a:xfrm>
+        </p:spPr>
+        <p:txBody>
+          <a:bodyPr/>
+          <a:lstStyle/>
+          <a:p>
+            <a:r>
+              <a:rPr lang="en-US" dirty="0"/>
+              <a:t>Conclusion 2</a:t>
+            </a:r>
+          </a:p>
+        </p:txBody>
+      </p:sp>
+      <p:sp>
+        <p:nvSpPr>
+          <p:cNvPr id="10" name="Content Placeholder 9">
+            <a:extLst>
+              <a:ext uri="{FF2B5EF4-FFF2-40B4-BE49-F238E27FC236}">
+                <a16:creationId xmlns:a16="http://schemas.microsoft.com/office/drawing/2014/main" id="{2FFF1BF7-4939-F1C0-F776-656E4923C074}"/>
+              </a:ext>
+            </a:extLst>
+          </p:cNvPr>
+          <p:cNvSpPr>
+            <a:spLocks noGrp="1"/>
+          </p:cNvSpPr>
+          <p:nvPr>
+            <p:ph idx="1"/>
+          </p:nvPr>
+        </p:nvSpPr>
+        <p:spPr>
+          <a:xfrm>
+            <a:off x="564844" y="1844500"/>
+            <a:ext cx="8904276" cy="1077020"/>
+          </a:xfrm>
+        </p:spPr>
+        <p:txBody>
+          <a:bodyPr>
+            <a:normAutofit fontScale="55000" lnSpcReduction="20000"/>
+          </a:bodyPr>
+          <a:lstStyle/>
+          <a:p>
+            <a:pPr algn="just"/>
+            <a:r>
+              <a:rPr lang="en-US" dirty="0"/>
+              <a:t>“</a:t>
+            </a:r>
+            <a:r>
+              <a:rPr lang="en-US" b="1" dirty="0"/>
+              <a:t>purpose</a:t>
+            </a:r>
+            <a:r>
+              <a:rPr lang="en-US" dirty="0"/>
+              <a:t>” is a strong driver variable of default</a:t>
+            </a:r>
+          </a:p>
+          <a:p>
+            <a:pPr algn="just"/>
+            <a:r>
+              <a:rPr lang="en-US" dirty="0"/>
+              <a:t>Ex: at least </a:t>
+            </a:r>
+            <a:r>
+              <a:rPr lang="en-US" b="1" dirty="0"/>
+              <a:t>1 out of 4 loans </a:t>
+            </a:r>
+            <a:r>
+              <a:rPr lang="en-US" dirty="0"/>
+              <a:t>(&gt;25%) in “</a:t>
+            </a:r>
+            <a:r>
+              <a:rPr lang="en-US" b="1" dirty="0"/>
+              <a:t>small business</a:t>
+            </a:r>
+            <a:r>
+              <a:rPr lang="en-US" dirty="0"/>
+              <a:t>” end up defaulting</a:t>
+            </a:r>
+          </a:p>
+          <a:p>
+            <a:pPr algn="just"/>
+            <a:r>
+              <a:rPr lang="en-US" dirty="0"/>
+              <a:t>This helps the company to manage their portfolio by </a:t>
+            </a:r>
+            <a:r>
+              <a:rPr lang="en-US" b="1" dirty="0"/>
+              <a:t>not allocating a high number of loans in the high risk “purpose” categories </a:t>
+            </a:r>
+            <a:r>
+              <a:rPr lang="en-US" dirty="0"/>
+              <a:t>like</a:t>
+            </a:r>
+            <a:r>
+              <a:rPr lang="en-US" b="1" dirty="0"/>
+              <a:t> “small business”, “renewable energy”.</a:t>
+            </a:r>
+          </a:p>
+          <a:p>
+            <a:pPr algn="just"/>
+            <a:endParaRPr lang="en-US" dirty="0"/>
+          </a:p>
+        </p:txBody>
+      </p:sp>
       <p:pic>
         <p:nvPicPr>
-          <p:cNvPr id="6" name="Picture 5">
+          <p:cNvPr id="11" name="Picture 10">
             <a:extLst>
               <a:ext uri="{FF2B5EF4-FFF2-40B4-BE49-F238E27FC236}">
-                <a16:creationId xmlns:a16="http://schemas.microsoft.com/office/drawing/2014/main" id="{5DF6D78D-0AC0-08DE-C31D-D7F39554F3DE}"/>
+                <a16:creationId xmlns:a16="http://schemas.microsoft.com/office/drawing/2014/main" id="{B12B042D-B4CF-1F38-8E39-D533FCAE83E2}"/>
               </a:ext>
             </a:extLst>
           </p:cNvPr>
@@ -3704,137 +3827,14 @@
         </p:blipFill>
         <p:spPr>
           <a:xfrm>
-            <a:off x="1384386" y="3160354"/>
-            <a:ext cx="6835053" cy="3118741"/>
+            <a:off x="1153806" y="2938006"/>
+            <a:ext cx="7299314" cy="3427821"/>
           </a:xfrm>
           <a:prstGeom prst="rect">
             <a:avLst/>
           </a:prstGeom>
         </p:spPr>
       </p:pic>
-      <p:sp>
-        <p:nvSpPr>
-          <p:cNvPr id="7" name="Title 1">
-            <a:extLst>
-              <a:ext uri="{FF2B5EF4-FFF2-40B4-BE49-F238E27FC236}">
-                <a16:creationId xmlns:a16="http://schemas.microsoft.com/office/drawing/2014/main" id="{E6427DA3-4F5B-23BB-32EC-9EE25EBF4FA7}"/>
-              </a:ext>
-            </a:extLst>
-          </p:cNvPr>
-          <p:cNvSpPr>
-            <a:spLocks noGrp="1"/>
-          </p:cNvSpPr>
-          <p:nvPr>
-            <p:ph type="title"/>
-          </p:nvPr>
-        </p:nvSpPr>
-        <p:spPr>
-          <a:xfrm>
-            <a:off x="564844" y="898894"/>
-            <a:ext cx="8543925" cy="1077020"/>
-          </a:xfrm>
-        </p:spPr>
-        <p:txBody>
-          <a:bodyPr/>
-          <a:lstStyle/>
-          <a:p>
-            <a:r>
-              <a:rPr lang="en-US" dirty="0"/>
-              <a:t>Conclusion 2</a:t>
-            </a:r>
-          </a:p>
-        </p:txBody>
-      </p:sp>
-      <p:sp>
-        <p:nvSpPr>
-          <p:cNvPr id="10" name="Content Placeholder 9">
-            <a:extLst>
-              <a:ext uri="{FF2B5EF4-FFF2-40B4-BE49-F238E27FC236}">
-                <a16:creationId xmlns:a16="http://schemas.microsoft.com/office/drawing/2014/main" id="{2FFF1BF7-4939-F1C0-F776-656E4923C074}"/>
-              </a:ext>
-            </a:extLst>
-          </p:cNvPr>
-          <p:cNvSpPr>
-            <a:spLocks noGrp="1"/>
-          </p:cNvSpPr>
-          <p:nvPr>
-            <p:ph idx="1"/>
-          </p:nvPr>
-        </p:nvSpPr>
-        <p:spPr>
-          <a:xfrm>
-            <a:off x="564844" y="1844500"/>
-            <a:ext cx="8904276" cy="1077020"/>
-          </a:xfrm>
-        </p:spPr>
-        <p:txBody>
-          <a:bodyPr>
-            <a:normAutofit fontScale="55000" lnSpcReduction="20000"/>
-          </a:bodyPr>
-          <a:lstStyle/>
-          <a:p>
-            <a:pPr algn="just"/>
-            <a:r>
-              <a:rPr lang="en-US" dirty="0"/>
-              <a:t>“</a:t>
-            </a:r>
-            <a:r>
-              <a:rPr lang="en-US" b="1" dirty="0"/>
-              <a:t>purpose</a:t>
-            </a:r>
-            <a:r>
-              <a:rPr lang="en-US" dirty="0"/>
-              <a:t>” is a strong driver variable of default</a:t>
-            </a:r>
-          </a:p>
-          <a:p>
-            <a:pPr algn="just"/>
-            <a:r>
-              <a:rPr lang="en-US" dirty="0"/>
-              <a:t>Ex: at least </a:t>
-            </a:r>
-            <a:r>
-              <a:rPr lang="en-US" b="1" dirty="0"/>
-              <a:t>1 out of 4 loans </a:t>
-            </a:r>
-            <a:r>
-              <a:rPr lang="en-US" dirty="0"/>
-              <a:t>(&gt;25%) in “</a:t>
-            </a:r>
-            <a:r>
-              <a:rPr lang="en-US" b="1" dirty="0"/>
-              <a:t>small business</a:t>
-            </a:r>
-            <a:r>
-              <a:rPr lang="en-US" dirty="0"/>
-              <a:t>” end up defaulting</a:t>
-            </a:r>
-          </a:p>
-          <a:p>
-            <a:pPr algn="just"/>
-            <a:r>
-              <a:rPr lang="en-US" dirty="0"/>
-              <a:t>This helps the company to manage their portfolio by </a:t>
-            </a:r>
-            <a:r>
-              <a:rPr lang="en-US" b="1" dirty="0"/>
-              <a:t>not allocating a high number of loans in the high risk “purpose” categories </a:t>
-            </a:r>
-            <a:r>
-              <a:rPr lang="en-US" dirty="0"/>
-              <a:t>like</a:t>
-            </a:r>
-            <a:r>
-              <a:rPr lang="en-US" b="1" dirty="0"/>
-              <a:t> “small business”, “renewable energy”.</a:t>
-            </a:r>
-          </a:p>
-          <a:p>
-            <a:pPr algn="just"/>
-            <a:endParaRPr lang="en-US" dirty="0"/>
-          </a:p>
-        </p:txBody>
-      </p:sp>
     </p:spTree>
     <p:extLst>
       <p:ext uri="{BB962C8B-B14F-4D97-AF65-F5344CB8AC3E}">
@@ -3982,10 +3982,10 @@
       </p:sp>
       <p:pic>
         <p:nvPicPr>
-          <p:cNvPr id="2" name="Picture 1">
+          <p:cNvPr id="5" name="Picture 4">
             <a:extLst>
               <a:ext uri="{FF2B5EF4-FFF2-40B4-BE49-F238E27FC236}">
-                <a16:creationId xmlns:a16="http://schemas.microsoft.com/office/drawing/2014/main" id="{48890DF0-B02E-7911-C754-99631D673618}"/>
+                <a16:creationId xmlns:a16="http://schemas.microsoft.com/office/drawing/2014/main" id="{BD979EA1-D14F-33E4-CA39-93BC1E211F57}"/>
               </a:ext>
             </a:extLst>
           </p:cNvPr>
@@ -4002,8 +4002,8 @@
         </p:blipFill>
         <p:spPr>
           <a:xfrm>
-            <a:off x="564844" y="3088640"/>
-            <a:ext cx="8312724" cy="3322320"/>
+            <a:off x="815175" y="3022921"/>
+            <a:ext cx="8275649" cy="3417753"/>
           </a:xfrm>
           <a:prstGeom prst="rect">
             <a:avLst/>
@@ -4157,10 +4157,10 @@
       </p:sp>
       <p:pic>
         <p:nvPicPr>
-          <p:cNvPr id="3" name="Picture 2">
+          <p:cNvPr id="5" name="Picture 4">
             <a:extLst>
               <a:ext uri="{FF2B5EF4-FFF2-40B4-BE49-F238E27FC236}">
-                <a16:creationId xmlns:a16="http://schemas.microsoft.com/office/drawing/2014/main" id="{27B76326-7355-8154-A0AF-CE839A4BAC6A}"/>
+                <a16:creationId xmlns:a16="http://schemas.microsoft.com/office/drawing/2014/main" id="{890E44A5-A763-A450-10A2-D8DE44051757}"/>
               </a:ext>
             </a:extLst>
           </p:cNvPr>
@@ -4177,8 +4177,8 @@
         </p:blipFill>
         <p:spPr>
           <a:xfrm>
-            <a:off x="564845" y="3140814"/>
-            <a:ext cx="8121954" cy="3279889"/>
+            <a:off x="914399" y="3111126"/>
+            <a:ext cx="7772400" cy="3216388"/>
           </a:xfrm>
           <a:prstGeom prst="rect">
             <a:avLst/>
@@ -4327,10 +4327,10 @@
       </p:sp>
       <p:pic>
         <p:nvPicPr>
-          <p:cNvPr id="4" name="Picture 3">
+          <p:cNvPr id="5" name="Picture 4">
             <a:extLst>
               <a:ext uri="{FF2B5EF4-FFF2-40B4-BE49-F238E27FC236}">
-                <a16:creationId xmlns:a16="http://schemas.microsoft.com/office/drawing/2014/main" id="{1AF8E503-C1EB-B9A0-D7F7-5E37B8CC1E3D}"/>
+                <a16:creationId xmlns:a16="http://schemas.microsoft.com/office/drawing/2014/main" id="{A0DD884B-F43D-D2A7-F5E5-E4DAC78C1430}"/>
               </a:ext>
             </a:extLst>
           </p:cNvPr>
@@ -4347,8 +4347,8 @@
         </p:blipFill>
         <p:spPr>
           <a:xfrm>
-            <a:off x="914400" y="3050855"/>
-            <a:ext cx="7772400" cy="3274633"/>
+            <a:off x="1056640" y="3050855"/>
+            <a:ext cx="8046720" cy="3390208"/>
           </a:xfrm>
           <a:prstGeom prst="rect">
             <a:avLst/>
@@ -4437,12 +4437,12 @@
         <p:spPr>
           <a:xfrm>
             <a:off x="564844" y="1975914"/>
-            <a:ext cx="3946195" cy="3946702"/>
+            <a:ext cx="3946195" cy="3601926"/>
           </a:xfrm>
         </p:spPr>
         <p:txBody>
           <a:bodyPr>
-            <a:normAutofit fontScale="62500" lnSpcReduction="20000"/>
+            <a:normAutofit fontScale="55000" lnSpcReduction="20000"/>
           </a:bodyPr>
           <a:lstStyle/>
           <a:p>
@@ -4456,6 +4456,13 @@
             <a:pPr algn="just"/>
             <a:r>
               <a:rPr lang="en-US" dirty="0"/>
+              <a:t>Defined as the ratio of “annual_inc” to “installment”</a:t>
+            </a:r>
+          </a:p>
+          <a:p>
+            <a:pPr algn="just"/>
+            <a:r>
+              <a:rPr lang="en-US" dirty="0"/>
               <a:t>The medians of the calculated emi_burden are ”</a:t>
             </a:r>
             <a:r>
@@ -4498,6 +4505,12 @@
             </a:r>
           </a:p>
           <a:p>
+            <a:pPr marL="0" indent="0" algn="just">
+              <a:buNone/>
+            </a:pPr>
+            <a:endParaRPr lang="en-US" dirty="0"/>
+          </a:p>
+          <a:p>
             <a:pPr algn="just"/>
             <a:r>
               <a:rPr lang="en-US" b="1" dirty="0"/>
@@ -4520,10 +4533,10 @@
       </p:sp>
       <p:pic>
         <p:nvPicPr>
-          <p:cNvPr id="2" name="Picture 1">
+          <p:cNvPr id="5" name="Picture 4">
             <a:extLst>
               <a:ext uri="{FF2B5EF4-FFF2-40B4-BE49-F238E27FC236}">
-                <a16:creationId xmlns:a16="http://schemas.microsoft.com/office/drawing/2014/main" id="{CE040370-F5C2-3F72-3894-E7A213F95403}"/>
+                <a16:creationId xmlns:a16="http://schemas.microsoft.com/office/drawing/2014/main" id="{61F53E7C-910A-C149-2EF3-0121956C0493}"/>
               </a:ext>
             </a:extLst>
           </p:cNvPr>
@@ -4540,8 +4553,8 @@
         </p:blipFill>
         <p:spPr>
           <a:xfrm>
-            <a:off x="4836806" y="2330154"/>
-            <a:ext cx="4291708" cy="2729526"/>
+            <a:off x="4836806" y="2080260"/>
+            <a:ext cx="4445000" cy="2969260"/>
           </a:xfrm>
           <a:prstGeom prst="rect">
             <a:avLst/>
@@ -4606,38 +4619,6 @@
           </a:p>
         </p:txBody>
       </p:sp>
-      <p:pic>
-        <p:nvPicPr>
-          <p:cNvPr id="4" name="Content Placeholder 3">
-            <a:extLst>
-              <a:ext uri="{FF2B5EF4-FFF2-40B4-BE49-F238E27FC236}">
-                <a16:creationId xmlns:a16="http://schemas.microsoft.com/office/drawing/2014/main" id="{369BAECB-EB7A-E120-44C1-F4C10E5910C1}"/>
-              </a:ext>
-            </a:extLst>
-          </p:cNvPr>
-          <p:cNvPicPr>
-            <a:picLocks noGrp="1" noChangeAspect="1"/>
-          </p:cNvPicPr>
-          <p:nvPr>
-            <p:ph idx="1"/>
-          </p:nvPr>
-        </p:nvPicPr>
-        <p:blipFill>
-          <a:blip r:embed="rId2"/>
-          <a:stretch>
-            <a:fillRect/>
-          </a:stretch>
-        </p:blipFill>
-        <p:spPr>
-          <a:xfrm>
-            <a:off x="1437640" y="2829084"/>
-            <a:ext cx="6705600" cy="3543300"/>
-          </a:xfrm>
-          <a:prstGeom prst="rect">
-            <a:avLst/>
-          </a:prstGeom>
-        </p:spPr>
-      </p:pic>
       <p:sp>
         <p:nvSpPr>
           <p:cNvPr id="6" name="TextBox 5">
@@ -4726,16 +4707,43 @@
             </a:r>
             <a:r>
               <a:rPr lang="en-US" b="1" dirty="0"/>
-              <a:t>” among </a:t>
-            </a:r>
-            <a:r>
-              <a:rPr lang="en-US" b="1"/>
-              <a:t>such categories</a:t>
-            </a:r>
-            <a:endParaRPr lang="en-US" b="1" dirty="0"/>
-          </a:p>
-        </p:txBody>
-      </p:sp>
+              <a:t>” among such categories</a:t>
+            </a:r>
+          </a:p>
+        </p:txBody>
+      </p:sp>
+      <p:pic>
+        <p:nvPicPr>
+          <p:cNvPr id="9" name="Content Placeholder 8">
+            <a:extLst>
+              <a:ext uri="{FF2B5EF4-FFF2-40B4-BE49-F238E27FC236}">
+                <a16:creationId xmlns:a16="http://schemas.microsoft.com/office/drawing/2014/main" id="{0BA3DFC1-5CEF-287F-B6BF-71EDDB678159}"/>
+              </a:ext>
+            </a:extLst>
+          </p:cNvPr>
+          <p:cNvPicPr>
+            <a:picLocks noGrp="1" noChangeAspect="1"/>
+          </p:cNvPicPr>
+          <p:nvPr>
+            <p:ph idx="1"/>
+          </p:nvPr>
+        </p:nvPicPr>
+        <p:blipFill>
+          <a:blip r:embed="rId2"/>
+          <a:stretch>
+            <a:fillRect/>
+          </a:stretch>
+        </p:blipFill>
+        <p:spPr>
+          <a:xfrm>
+            <a:off x="1600199" y="2949573"/>
+            <a:ext cx="6705600" cy="3543300"/>
+          </a:xfrm>
+          <a:prstGeom prst="rect">
+            <a:avLst/>
+          </a:prstGeom>
+        </p:spPr>
+      </p:pic>
     </p:spTree>
     <p:extLst>
       <p:ext uri="{BB962C8B-B14F-4D97-AF65-F5344CB8AC3E}">

--- a/Insights.pptx
+++ b/Insights.pptx
@@ -5,20 +5,22 @@
     <p:sldMasterId id="2147483672" r:id="rId1"/>
   </p:sldMasterIdLst>
   <p:notesMasterIdLst>
-    <p:notesMasterId r:id="rId13"/>
+    <p:notesMasterId r:id="rId15"/>
   </p:notesMasterIdLst>
   <p:sldIdLst>
-    <p:sldId id="267" r:id="rId2"/>
-    <p:sldId id="261" r:id="rId3"/>
-    <p:sldId id="263" r:id="rId4"/>
-    <p:sldId id="264" r:id="rId5"/>
-    <p:sldId id="269" r:id="rId6"/>
-    <p:sldId id="265" r:id="rId7"/>
-    <p:sldId id="270" r:id="rId8"/>
-    <p:sldId id="259" r:id="rId9"/>
-    <p:sldId id="268" r:id="rId10"/>
-    <p:sldId id="257" r:id="rId11"/>
-    <p:sldId id="260" r:id="rId12"/>
+    <p:sldId id="272" r:id="rId2"/>
+    <p:sldId id="267" r:id="rId3"/>
+    <p:sldId id="261" r:id="rId4"/>
+    <p:sldId id="263" r:id="rId5"/>
+    <p:sldId id="264" r:id="rId6"/>
+    <p:sldId id="269" r:id="rId7"/>
+    <p:sldId id="265" r:id="rId8"/>
+    <p:sldId id="270" r:id="rId9"/>
+    <p:sldId id="271" r:id="rId10"/>
+    <p:sldId id="259" r:id="rId11"/>
+    <p:sldId id="268" r:id="rId12"/>
+    <p:sldId id="257" r:id="rId13"/>
+    <p:sldId id="260" r:id="rId14"/>
   </p:sldIdLst>
   <p:sldSz cx="9906000" cy="6858000" type="A4"/>
   <p:notesSz cx="6858000" cy="9144000"/>
@@ -3331,10 +3333,10 @@
       </p:grpSpPr>
       <p:sp>
         <p:nvSpPr>
-          <p:cNvPr id="7" name="Title 1">
+          <p:cNvPr id="3" name="Content Placeholder 2">
             <a:extLst>
               <a:ext uri="{FF2B5EF4-FFF2-40B4-BE49-F238E27FC236}">
-                <a16:creationId xmlns:a16="http://schemas.microsoft.com/office/drawing/2014/main" id="{E6427DA3-4F5B-23BB-32EC-9EE25EBF4FA7}"/>
+                <a16:creationId xmlns:a16="http://schemas.microsoft.com/office/drawing/2014/main" id="{6A9B97FD-4EB3-B05F-40EA-E7956B4E5A0C}"/>
               </a:ext>
             </a:extLst>
           </p:cNvPr>
@@ -3342,32 +3344,72 @@
             <a:spLocks noGrp="1"/>
           </p:cNvSpPr>
           <p:nvPr>
-            <p:ph type="title"/>
-          </p:nvPr>
-        </p:nvSpPr>
-        <p:spPr>
-          <a:xfrm>
-            <a:off x="564844" y="898894"/>
-            <a:ext cx="8543925" cy="1077020"/>
-          </a:xfrm>
-        </p:spPr>
-        <p:txBody>
-          <a:bodyPr/>
-          <a:lstStyle/>
-          <a:p>
-            <a:r>
-              <a:rPr lang="en-US" dirty="0"/>
-              <a:t>Conclusion 1</a:t>
-            </a:r>
-          </a:p>
-        </p:txBody>
-      </p:sp>
-      <p:sp>
-        <p:nvSpPr>
-          <p:cNvPr id="10" name="Content Placeholder 9">
+            <p:ph idx="1"/>
+          </p:nvPr>
+        </p:nvSpPr>
+        <p:spPr/>
+        <p:txBody>
+          <a:bodyPr/>
+          <a:lstStyle/>
+          <a:p>
+            <a:pPr marL="0" indent="0">
+              <a:buNone/>
+            </a:pPr>
+            <a:r>
+              <a:rPr lang="en-US" dirty="0"/>
+              <a:t>Note:</a:t>
+            </a:r>
+          </a:p>
+          <a:p>
+            <a:pPr lvl="1"/>
+            <a:r>
+              <a:rPr lang="en-US" dirty="0"/>
+              <a:t>If the presentation is viewed via the GitHub browser, please click on “More Pages” at the end of page 5, to view all </a:t>
+            </a:r>
+            <a:r>
+              <a:rPr lang="en-US"/>
+              <a:t>the pages &amp; conclusions</a:t>
+            </a:r>
+            <a:endParaRPr lang="en-US" dirty="0"/>
+          </a:p>
+        </p:txBody>
+      </p:sp>
+    </p:spTree>
+    <p:extLst>
+      <p:ext uri="{BB962C8B-B14F-4D97-AF65-F5344CB8AC3E}">
+        <p14:creationId xmlns:p14="http://schemas.microsoft.com/office/powerpoint/2010/main" val="1327548331"/>
+      </p:ext>
+    </p:extLst>
+  </p:cSld>
+  <p:clrMapOvr>
+    <a:masterClrMapping/>
+  </p:clrMapOvr>
+</p:sld>
+</file>
+
+<file path=ppt/slides/slide10.xml><?xml version="1.0" encoding="utf-8"?>
+<p:sld xmlns:a="http://schemas.openxmlformats.org/drawingml/2006/main" xmlns:r="http://schemas.openxmlformats.org/officeDocument/2006/relationships" xmlns:p="http://schemas.openxmlformats.org/presentationml/2006/main" show="0">
+  <p:cSld>
+    <p:spTree>
+      <p:nvGrpSpPr>
+        <p:cNvPr id="1" name=""/>
+        <p:cNvGrpSpPr/>
+        <p:nvPr/>
+      </p:nvGrpSpPr>
+      <p:grpSpPr>
+        <a:xfrm>
+          <a:off x="0" y="0"/>
+          <a:ext cx="0" cy="0"/>
+          <a:chOff x="0" y="0"/>
+          <a:chExt cx="0" cy="0"/>
+        </a:xfrm>
+      </p:grpSpPr>
+      <p:sp>
+        <p:nvSpPr>
+          <p:cNvPr id="2" name="Title 1">
             <a:extLst>
               <a:ext uri="{FF2B5EF4-FFF2-40B4-BE49-F238E27FC236}">
-                <a16:creationId xmlns:a16="http://schemas.microsoft.com/office/drawing/2014/main" id="{2FFF1BF7-4939-F1C0-F776-656E4923C074}"/>
+                <a16:creationId xmlns:a16="http://schemas.microsoft.com/office/drawing/2014/main" id="{481CC8F1-92C8-2C36-7E3A-C18FEA5CBDEF}"/>
               </a:ext>
             </a:extLst>
           </p:cNvPr>
@@ -3375,77 +3417,178 @@
             <a:spLocks noGrp="1"/>
           </p:cNvSpPr>
           <p:nvPr>
+            <p:ph type="title"/>
+          </p:nvPr>
+        </p:nvSpPr>
+        <p:spPr/>
+        <p:txBody>
+          <a:bodyPr/>
+          <a:lstStyle/>
+          <a:p>
+            <a:r>
+              <a:rPr lang="en-US" dirty="0"/>
+              <a:t>Conclusion 6</a:t>
+            </a:r>
+          </a:p>
+        </p:txBody>
+      </p:sp>
+      <p:sp>
+        <p:nvSpPr>
+          <p:cNvPr id="3" name="Content Placeholder 2">
+            <a:extLst>
+              <a:ext uri="{FF2B5EF4-FFF2-40B4-BE49-F238E27FC236}">
+                <a16:creationId xmlns:a16="http://schemas.microsoft.com/office/drawing/2014/main" id="{A00C3110-4BBC-027D-656C-D1E2250CC2CE}"/>
+              </a:ext>
+            </a:extLst>
+          </p:cNvPr>
+          <p:cNvSpPr>
+            <a:spLocks noGrp="1"/>
+          </p:cNvSpPr>
+          <p:nvPr>
             <p:ph idx="1"/>
           </p:nvPr>
         </p:nvSpPr>
         <p:spPr>
           <a:xfrm>
-            <a:off x="564844" y="1975914"/>
-            <a:ext cx="3560115" cy="3703945"/>
+            <a:off x="681038" y="1547813"/>
+            <a:ext cx="8543925" cy="1881187"/>
           </a:xfrm>
         </p:spPr>
         <p:txBody>
           <a:bodyPr>
-            <a:normAutofit/>
+            <a:normAutofit fontScale="55000" lnSpcReduction="20000"/>
           </a:bodyPr>
           <a:lstStyle/>
           <a:p>
             <a:pPr algn="just"/>
             <a:r>
-              <a:rPr lang="en-US" sz="1800" dirty="0"/>
-              <a:t>“</a:t>
-            </a:r>
-            <a:r>
-              <a:rPr lang="en-US" sz="1800" b="1" dirty="0"/>
-              <a:t>term</a:t>
-            </a:r>
-            <a:r>
-              <a:rPr lang="en-US" sz="1800" dirty="0"/>
-              <a:t>” is a strong driver variable of default</a:t>
+              <a:rPr lang="en-US" dirty="0"/>
+              <a:t>The fig shows median “</a:t>
+            </a:r>
+            <a:r>
+              <a:rPr lang="en-US" b="1" dirty="0" err="1"/>
+              <a:t>loan_amnt</a:t>
+            </a:r>
+            <a:r>
+              <a:rPr lang="en-US" dirty="0"/>
+              <a:t>” across “</a:t>
+            </a:r>
+            <a:r>
+              <a:rPr lang="en-US" b="1" dirty="0" err="1"/>
+              <a:t>addr_state</a:t>
+            </a:r>
+            <a:r>
+              <a:rPr lang="en-US" dirty="0"/>
+              <a:t>” categories, segmented by “</a:t>
+            </a:r>
+            <a:r>
+              <a:rPr lang="en-US" b="1" dirty="0" err="1"/>
+              <a:t>loan_status</a:t>
+            </a:r>
+            <a:r>
+              <a:rPr lang="en-US" dirty="0"/>
+              <a:t>”</a:t>
             </a:r>
           </a:p>
           <a:p>
             <a:pPr algn="just"/>
             <a:r>
-              <a:rPr lang="en-US" sz="1800" b="1" dirty="0"/>
-              <a:t>At least 1 out of 4 loans</a:t>
-            </a:r>
-            <a:r>
-              <a:rPr lang="en-US" sz="1800" dirty="0"/>
-              <a:t> (25%) in “60 months” end up defaulting</a:t>
+              <a:rPr lang="en-US" dirty="0"/>
+              <a:t>Ex: “</a:t>
+            </a:r>
+            <a:r>
+              <a:rPr lang="en-US" dirty="0" err="1"/>
+              <a:t>loan_amnt</a:t>
+            </a:r>
+            <a:r>
+              <a:rPr lang="en-US" dirty="0"/>
+              <a:t>” in the state “WY” has the following medians:</a:t>
+            </a:r>
+          </a:p>
+          <a:p>
+            <a:pPr lvl="1" algn="just"/>
+            <a:r>
+              <a:rPr lang="en-US" dirty="0"/>
+              <a:t>“Default” : </a:t>
+            </a:r>
+            <a:r>
+              <a:rPr lang="en-US" b="1" dirty="0"/>
+              <a:t>180000</a:t>
+            </a:r>
+            <a:r>
+              <a:rPr lang="en-US" dirty="0"/>
+              <a:t>,  “Fully Paid” :  </a:t>
+            </a:r>
+            <a:r>
+              <a:rPr lang="en-US" b="1" dirty="0"/>
+              <a:t>10375</a:t>
             </a:r>
           </a:p>
           <a:p>
             <a:pPr algn="just"/>
             <a:r>
-              <a:rPr lang="en-US" sz="1800" dirty="0"/>
-              <a:t>This helps the company to manage their portfolio by </a:t>
-            </a:r>
-            <a:r>
-              <a:rPr lang="en-US" sz="1800" b="1" dirty="0"/>
-              <a:t>not allocating a high number of loans </a:t>
-            </a:r>
-            <a:r>
-              <a:rPr lang="en-US" sz="1800" dirty="0"/>
-              <a:t>in the high risk </a:t>
-            </a:r>
-            <a:r>
-              <a:rPr lang="en-US" sz="1800" b="1" dirty="0"/>
-              <a:t>“60 month” </a:t>
-            </a:r>
-            <a:r>
-              <a:rPr lang="en-US" sz="1800" dirty="0"/>
-              <a:t>category</a:t>
+              <a:rPr lang="en-US" dirty="0"/>
+              <a:t>The data can be used as </a:t>
+            </a:r>
+            <a:r>
+              <a:rPr lang="en-US" b="1" dirty="0"/>
+              <a:t>Recommended “</a:t>
+            </a:r>
+            <a:r>
+              <a:rPr lang="en-US" b="1" dirty="0" err="1"/>
+              <a:t>loan_amnt</a:t>
+            </a:r>
+            <a:r>
+              <a:rPr lang="en-US" b="1" dirty="0"/>
+              <a:t>”</a:t>
+            </a:r>
+            <a:r>
+              <a:rPr lang="en-US" dirty="0"/>
+              <a:t> for </a:t>
+            </a:r>
+            <a:r>
+              <a:rPr lang="en-US" b="1" dirty="0"/>
+              <a:t>consideration of approval</a:t>
+            </a:r>
+            <a:r>
+              <a:rPr lang="en-US" dirty="0"/>
+              <a:t> with a certain </a:t>
+            </a:r>
+            <a:r>
+              <a:rPr lang="en-US" b="1" dirty="0"/>
+              <a:t>threshold</a:t>
+            </a:r>
+          </a:p>
+          <a:p>
+            <a:pPr algn="just"/>
+            <a:r>
+              <a:rPr lang="en-US" dirty="0"/>
+              <a:t>Ex: For the state “WY”, the loan could be rejected if ”</a:t>
+            </a:r>
+            <a:r>
+              <a:rPr lang="en-US" dirty="0" err="1"/>
+              <a:t>loan_amnt</a:t>
+            </a:r>
+            <a:r>
+              <a:rPr lang="en-US" dirty="0"/>
+              <a:t>” is outside the 1.5 * IQR range.</a:t>
+            </a:r>
+          </a:p>
+          <a:p>
+            <a:pPr algn="just"/>
+            <a:r>
+              <a:rPr lang="en-US" dirty="0"/>
+              <a:t># change this chart</a:t>
             </a:r>
           </a:p>
         </p:txBody>
       </p:sp>
       <p:pic>
         <p:nvPicPr>
-          <p:cNvPr id="3" name="Picture 2">
+          <p:cNvPr id="4" name="Content Placeholder 3">
             <a:extLst>
               <a:ext uri="{FF2B5EF4-FFF2-40B4-BE49-F238E27FC236}">
-                <a16:creationId xmlns:a16="http://schemas.microsoft.com/office/drawing/2014/main" id="{C67D17A6-5F3C-F9B4-67DE-847E290D81BC}"/>
+                <a16:creationId xmlns:a16="http://schemas.microsoft.com/office/drawing/2014/main" id="{4B145BFA-A2F0-F382-4DF5-24440B7AC4F3}"/>
               </a:ext>
             </a:extLst>
           </p:cNvPr>
@@ -3462,8 +3605,8 @@
         </p:blipFill>
         <p:spPr>
           <a:xfrm>
-            <a:off x="4472203" y="1897277"/>
-            <a:ext cx="4636566" cy="3063446"/>
+            <a:off x="884237" y="3429000"/>
+            <a:ext cx="7883820" cy="3131393"/>
           </a:xfrm>
           <a:prstGeom prst="rect">
             <a:avLst/>
@@ -3473,7 +3616,7 @@
     </p:spTree>
     <p:extLst>
       <p:ext uri="{BB962C8B-B14F-4D97-AF65-F5344CB8AC3E}">
-        <p14:creationId xmlns:p14="http://schemas.microsoft.com/office/powerpoint/2010/main" val="2758493559"/>
+        <p14:creationId xmlns:p14="http://schemas.microsoft.com/office/powerpoint/2010/main" val="3680336890"/>
       </p:ext>
     </p:extLst>
   </p:cSld>
@@ -3483,7 +3626,220 @@
 </p:sld>
 </file>
 
-<file path=ppt/slides/slide10.xml><?xml version="1.0" encoding="utf-8"?>
+<file path=ppt/slides/slide11.xml><?xml version="1.0" encoding="utf-8"?>
+<p:sld xmlns:a="http://schemas.openxmlformats.org/drawingml/2006/main" xmlns:r="http://schemas.openxmlformats.org/officeDocument/2006/relationships" xmlns:p="http://schemas.openxmlformats.org/presentationml/2006/main" show="0">
+  <p:cSld>
+    <p:spTree>
+      <p:nvGrpSpPr>
+        <p:cNvPr id="1" name=""/>
+        <p:cNvGrpSpPr/>
+        <p:nvPr/>
+      </p:nvGrpSpPr>
+      <p:grpSpPr>
+        <a:xfrm>
+          <a:off x="0" y="0"/>
+          <a:ext cx="0" cy="0"/>
+          <a:chOff x="0" y="0"/>
+          <a:chExt cx="0" cy="0"/>
+        </a:xfrm>
+      </p:grpSpPr>
+      <p:sp>
+        <p:nvSpPr>
+          <p:cNvPr id="2" name="Title 1">
+            <a:extLst>
+              <a:ext uri="{FF2B5EF4-FFF2-40B4-BE49-F238E27FC236}">
+                <a16:creationId xmlns:a16="http://schemas.microsoft.com/office/drawing/2014/main" id="{600941A2-D398-6BD5-16BD-3C981BA84809}"/>
+              </a:ext>
+            </a:extLst>
+          </p:cNvPr>
+          <p:cNvSpPr>
+            <a:spLocks noGrp="1"/>
+          </p:cNvSpPr>
+          <p:nvPr>
+            <p:ph type="title"/>
+          </p:nvPr>
+        </p:nvSpPr>
+        <p:spPr/>
+        <p:txBody>
+          <a:bodyPr/>
+          <a:lstStyle/>
+          <a:p>
+            <a:r>
+              <a:rPr lang="en-US" dirty="0"/>
+              <a:t>Conclusion 7:</a:t>
+            </a:r>
+          </a:p>
+        </p:txBody>
+      </p:sp>
+      <p:sp>
+        <p:nvSpPr>
+          <p:cNvPr id="3" name="Content Placeholder 2">
+            <a:extLst>
+              <a:ext uri="{FF2B5EF4-FFF2-40B4-BE49-F238E27FC236}">
+                <a16:creationId xmlns:a16="http://schemas.microsoft.com/office/drawing/2014/main" id="{9D8D5F3F-530C-46EC-6B9F-69DDB51FF770}"/>
+              </a:ext>
+            </a:extLst>
+          </p:cNvPr>
+          <p:cNvSpPr>
+            <a:spLocks noGrp="1"/>
+          </p:cNvSpPr>
+          <p:nvPr>
+            <p:ph idx="1"/>
+          </p:nvPr>
+        </p:nvSpPr>
+        <p:spPr>
+          <a:xfrm>
+            <a:off x="681037" y="1549244"/>
+            <a:ext cx="8543925" cy="1325563"/>
+          </a:xfrm>
+        </p:spPr>
+        <p:txBody>
+          <a:bodyPr>
+            <a:normAutofit fontScale="55000" lnSpcReduction="20000"/>
+          </a:bodyPr>
+          <a:lstStyle/>
+          <a:p>
+            <a:pPr algn="just"/>
+            <a:r>
+              <a:rPr lang="en-US" dirty="0"/>
+              <a:t>The fig shows the “</a:t>
+            </a:r>
+            <a:r>
+              <a:rPr lang="en-US" b="1" dirty="0" err="1"/>
+              <a:t>int_rate</a:t>
+            </a:r>
+            <a:r>
+              <a:rPr lang="en-US" dirty="0"/>
+              <a:t>” across “</a:t>
+            </a:r>
+            <a:r>
+              <a:rPr lang="en-US" b="1" dirty="0" err="1"/>
+              <a:t>addr_state</a:t>
+            </a:r>
+            <a:r>
+              <a:rPr lang="en-US" dirty="0"/>
+              <a:t>” categories, segmented by “</a:t>
+            </a:r>
+            <a:r>
+              <a:rPr lang="en-US" b="1" dirty="0" err="1"/>
+              <a:t>loan_status</a:t>
+            </a:r>
+            <a:r>
+              <a:rPr lang="en-US" dirty="0"/>
+              <a:t>”</a:t>
+            </a:r>
+          </a:p>
+          <a:p>
+            <a:pPr algn="just"/>
+            <a:r>
+              <a:rPr lang="en-US" dirty="0"/>
+              <a:t>Ex: “</a:t>
+            </a:r>
+            <a:r>
+              <a:rPr lang="en-US" dirty="0" err="1"/>
+              <a:t>int_rate</a:t>
+            </a:r>
+            <a:r>
+              <a:rPr lang="en-US" dirty="0"/>
+              <a:t>” in the state “WY” has the following medians:</a:t>
+            </a:r>
+          </a:p>
+          <a:p>
+            <a:pPr lvl="1" algn="just"/>
+            <a:r>
+              <a:rPr lang="en-US" dirty="0"/>
+              <a:t>“Default” : </a:t>
+            </a:r>
+            <a:r>
+              <a:rPr lang="en-US" b="1" dirty="0"/>
+              <a:t>16.45</a:t>
+            </a:r>
+            <a:r>
+              <a:rPr lang="en-US" dirty="0"/>
+              <a:t>,  “Fully Paid” :  </a:t>
+            </a:r>
+            <a:r>
+              <a:rPr lang="en-US" b="1" dirty="0"/>
+              <a:t>12.61</a:t>
+            </a:r>
+          </a:p>
+          <a:p>
+            <a:pPr algn="just"/>
+            <a:r>
+              <a:rPr lang="en-US" dirty="0"/>
+              <a:t>The company can </a:t>
+            </a:r>
+            <a:r>
+              <a:rPr lang="en-US" b="1" dirty="0"/>
+              <a:t>use this data to determine the range of “</a:t>
+            </a:r>
+            <a:r>
+              <a:rPr lang="en-US" b="1" dirty="0" err="1"/>
+              <a:t>int_rate</a:t>
+            </a:r>
+            <a:r>
+              <a:rPr lang="en-US" b="1" dirty="0"/>
+              <a:t>” for each state</a:t>
+            </a:r>
+            <a:r>
+              <a:rPr lang="en-US" dirty="0"/>
+              <a:t> and thereby </a:t>
+            </a:r>
+            <a:r>
+              <a:rPr lang="en-US" b="1" dirty="0"/>
+              <a:t>increase the overall success rate of the loans.</a:t>
+            </a:r>
+          </a:p>
+          <a:p>
+            <a:pPr algn="just"/>
+            <a:endParaRPr lang="en-US" dirty="0"/>
+          </a:p>
+        </p:txBody>
+      </p:sp>
+      <p:pic>
+        <p:nvPicPr>
+          <p:cNvPr id="5" name="Picture 4">
+            <a:extLst>
+              <a:ext uri="{FF2B5EF4-FFF2-40B4-BE49-F238E27FC236}">
+                <a16:creationId xmlns:a16="http://schemas.microsoft.com/office/drawing/2014/main" id="{A66D51DE-F590-AAE7-87D1-9880F2E47315}"/>
+              </a:ext>
+            </a:extLst>
+          </p:cNvPr>
+          <p:cNvPicPr>
+            <a:picLocks noChangeAspect="1"/>
+          </p:cNvPicPr>
+          <p:nvPr/>
+        </p:nvPicPr>
+        <p:blipFill>
+          <a:blip r:embed="rId2"/>
+          <a:stretch>
+            <a:fillRect/>
+          </a:stretch>
+        </p:blipFill>
+        <p:spPr>
+          <a:xfrm>
+            <a:off x="1122564" y="3039186"/>
+            <a:ext cx="7660871" cy="3091340"/>
+          </a:xfrm>
+          <a:prstGeom prst="rect">
+            <a:avLst/>
+          </a:prstGeom>
+        </p:spPr>
+      </p:pic>
+    </p:spTree>
+    <p:extLst>
+      <p:ext uri="{BB962C8B-B14F-4D97-AF65-F5344CB8AC3E}">
+        <p14:creationId xmlns:p14="http://schemas.microsoft.com/office/powerpoint/2010/main" val="273810209"/>
+      </p:ext>
+    </p:extLst>
+  </p:cSld>
+  <p:clrMapOvr>
+    <a:masterClrMapping/>
+  </p:clrMapOvr>
+</p:sld>
+</file>
+
+<file path=ppt/slides/slide12.xml><?xml version="1.0" encoding="utf-8"?>
 <p:sld xmlns:a="http://schemas.openxmlformats.org/drawingml/2006/main" xmlns:r="http://schemas.openxmlformats.org/officeDocument/2006/relationships" xmlns:p="http://schemas.openxmlformats.org/presentationml/2006/main" show="0">
   <p:cSld>
     <p:spTree>
@@ -3574,7 +3930,7 @@
 </p:sld>
 </file>
 
-<file path=ppt/slides/slide11.xml><?xml version="1.0" encoding="utf-8"?>
+<file path=ppt/slides/slide13.xml><?xml version="1.0" encoding="utf-8"?>
 <p:sld xmlns:a="http://schemas.openxmlformats.org/drawingml/2006/main" xmlns:r="http://schemas.openxmlformats.org/officeDocument/2006/relationships" xmlns:p="http://schemas.openxmlformats.org/presentationml/2006/main" show="0">
   <p:cSld>
     <p:spTree>
@@ -3710,6 +4066,177 @@
           <a:p>
             <a:r>
               <a:rPr lang="en-US" dirty="0"/>
+              <a:t>Conclusion 1</a:t>
+            </a:r>
+          </a:p>
+        </p:txBody>
+      </p:sp>
+      <p:sp>
+        <p:nvSpPr>
+          <p:cNvPr id="10" name="Content Placeholder 9">
+            <a:extLst>
+              <a:ext uri="{FF2B5EF4-FFF2-40B4-BE49-F238E27FC236}">
+                <a16:creationId xmlns:a16="http://schemas.microsoft.com/office/drawing/2014/main" id="{2FFF1BF7-4939-F1C0-F776-656E4923C074}"/>
+              </a:ext>
+            </a:extLst>
+          </p:cNvPr>
+          <p:cNvSpPr>
+            <a:spLocks noGrp="1"/>
+          </p:cNvSpPr>
+          <p:nvPr>
+            <p:ph idx="1"/>
+          </p:nvPr>
+        </p:nvSpPr>
+        <p:spPr>
+          <a:xfrm>
+            <a:off x="564844" y="1975914"/>
+            <a:ext cx="3560115" cy="3703945"/>
+          </a:xfrm>
+        </p:spPr>
+        <p:txBody>
+          <a:bodyPr>
+            <a:normAutofit/>
+          </a:bodyPr>
+          <a:lstStyle/>
+          <a:p>
+            <a:pPr algn="just"/>
+            <a:r>
+              <a:rPr lang="en-US" sz="1800" dirty="0"/>
+              <a:t>“</a:t>
+            </a:r>
+            <a:r>
+              <a:rPr lang="en-US" sz="1800" b="1" dirty="0"/>
+              <a:t>term</a:t>
+            </a:r>
+            <a:r>
+              <a:rPr lang="en-US" sz="1800" dirty="0"/>
+              <a:t>” is a strong driver variable of default</a:t>
+            </a:r>
+          </a:p>
+          <a:p>
+            <a:pPr algn="just"/>
+            <a:r>
+              <a:rPr lang="en-US" sz="1800" b="1" dirty="0"/>
+              <a:t>At least 1 out of 4 loans</a:t>
+            </a:r>
+            <a:r>
+              <a:rPr lang="en-US" sz="1800" dirty="0"/>
+              <a:t> (25%) in “60 months” end up defaulting</a:t>
+            </a:r>
+          </a:p>
+          <a:p>
+            <a:pPr algn="just"/>
+            <a:r>
+              <a:rPr lang="en-US" sz="1800" dirty="0"/>
+              <a:t>This helps the company to manage their portfolio by </a:t>
+            </a:r>
+            <a:r>
+              <a:rPr lang="en-US" sz="1800" b="1" dirty="0"/>
+              <a:t>not allocating a high number of loans </a:t>
+            </a:r>
+            <a:r>
+              <a:rPr lang="en-US" sz="1800" dirty="0"/>
+              <a:t>in the high risk </a:t>
+            </a:r>
+            <a:r>
+              <a:rPr lang="en-US" sz="1800" b="1" dirty="0"/>
+              <a:t>“60 month” </a:t>
+            </a:r>
+            <a:r>
+              <a:rPr lang="en-US" sz="1800" dirty="0"/>
+              <a:t>category</a:t>
+            </a:r>
+          </a:p>
+        </p:txBody>
+      </p:sp>
+      <p:pic>
+        <p:nvPicPr>
+          <p:cNvPr id="3" name="Picture 2">
+            <a:extLst>
+              <a:ext uri="{FF2B5EF4-FFF2-40B4-BE49-F238E27FC236}">
+                <a16:creationId xmlns:a16="http://schemas.microsoft.com/office/drawing/2014/main" id="{C67D17A6-5F3C-F9B4-67DE-847E290D81BC}"/>
+              </a:ext>
+            </a:extLst>
+          </p:cNvPr>
+          <p:cNvPicPr>
+            <a:picLocks noChangeAspect="1"/>
+          </p:cNvPicPr>
+          <p:nvPr/>
+        </p:nvPicPr>
+        <p:blipFill>
+          <a:blip r:embed="rId2"/>
+          <a:stretch>
+            <a:fillRect/>
+          </a:stretch>
+        </p:blipFill>
+        <p:spPr>
+          <a:xfrm>
+            <a:off x="4472203" y="1897277"/>
+            <a:ext cx="4636566" cy="3063446"/>
+          </a:xfrm>
+          <a:prstGeom prst="rect">
+            <a:avLst/>
+          </a:prstGeom>
+        </p:spPr>
+      </p:pic>
+    </p:spTree>
+    <p:extLst>
+      <p:ext uri="{BB962C8B-B14F-4D97-AF65-F5344CB8AC3E}">
+        <p14:creationId xmlns:p14="http://schemas.microsoft.com/office/powerpoint/2010/main" val="2758493559"/>
+      </p:ext>
+    </p:extLst>
+  </p:cSld>
+  <p:clrMapOvr>
+    <a:masterClrMapping/>
+  </p:clrMapOvr>
+</p:sld>
+</file>
+
+<file path=ppt/slides/slide3.xml><?xml version="1.0" encoding="utf-8"?>
+<p:sld xmlns:a="http://schemas.openxmlformats.org/drawingml/2006/main" xmlns:r="http://schemas.openxmlformats.org/officeDocument/2006/relationships" xmlns:p="http://schemas.openxmlformats.org/presentationml/2006/main">
+  <p:cSld>
+    <p:spTree>
+      <p:nvGrpSpPr>
+        <p:cNvPr id="1" name=""/>
+        <p:cNvGrpSpPr/>
+        <p:nvPr/>
+      </p:nvGrpSpPr>
+      <p:grpSpPr>
+        <a:xfrm>
+          <a:off x="0" y="0"/>
+          <a:ext cx="0" cy="0"/>
+          <a:chOff x="0" y="0"/>
+          <a:chExt cx="0" cy="0"/>
+        </a:xfrm>
+      </p:grpSpPr>
+      <p:sp>
+        <p:nvSpPr>
+          <p:cNvPr id="7" name="Title 1">
+            <a:extLst>
+              <a:ext uri="{FF2B5EF4-FFF2-40B4-BE49-F238E27FC236}">
+                <a16:creationId xmlns:a16="http://schemas.microsoft.com/office/drawing/2014/main" id="{E6427DA3-4F5B-23BB-32EC-9EE25EBF4FA7}"/>
+              </a:ext>
+            </a:extLst>
+          </p:cNvPr>
+          <p:cNvSpPr>
+            <a:spLocks noGrp="1"/>
+          </p:cNvSpPr>
+          <p:nvPr>
+            <p:ph type="title"/>
+          </p:nvPr>
+        </p:nvSpPr>
+        <p:spPr>
+          <a:xfrm>
+            <a:off x="564844" y="898894"/>
+            <a:ext cx="8543925" cy="1077020"/>
+          </a:xfrm>
+        </p:spPr>
+        <p:txBody>
+          <a:bodyPr/>
+          <a:lstStyle/>
+          <a:p>
+            <a:r>
+              <a:rPr lang="en-US" dirty="0"/>
               <a:t>Conclusion 2</a:t>
             </a:r>
           </a:p>
@@ -3848,7 +4375,7 @@
 </p:sld>
 </file>
 
-<file path=ppt/slides/slide3.xml><?xml version="1.0" encoding="utf-8"?>
+<file path=ppt/slides/slide4.xml><?xml version="1.0" encoding="utf-8"?>
 <p:sld xmlns:a="http://schemas.openxmlformats.org/drawingml/2006/main" xmlns:r="http://schemas.openxmlformats.org/officeDocument/2006/relationships" xmlns:p="http://schemas.openxmlformats.org/presentationml/2006/main">
   <p:cSld>
     <p:spTree>
@@ -4023,7 +4550,7 @@
 </p:sld>
 </file>
 
-<file path=ppt/slides/slide4.xml><?xml version="1.0" encoding="utf-8"?>
+<file path=ppt/slides/slide5.xml><?xml version="1.0" encoding="utf-8"?>
 <p:sld xmlns:a="http://schemas.openxmlformats.org/drawingml/2006/main" xmlns:r="http://schemas.openxmlformats.org/officeDocument/2006/relationships" xmlns:p="http://schemas.openxmlformats.org/presentationml/2006/main">
   <p:cSld>
     <p:spTree>
@@ -4198,7 +4725,7 @@
 </p:sld>
 </file>
 
-<file path=ppt/slides/slide5.xml><?xml version="1.0" encoding="utf-8"?>
+<file path=ppt/slides/slide6.xml><?xml version="1.0" encoding="utf-8"?>
 <p:sld xmlns:a="http://schemas.openxmlformats.org/drawingml/2006/main" xmlns:r="http://schemas.openxmlformats.org/officeDocument/2006/relationships" xmlns:p="http://schemas.openxmlformats.org/presentationml/2006/main">
   <p:cSld>
     <p:spTree>
@@ -4368,7 +4895,7 @@
 </p:sld>
 </file>
 
-<file path=ppt/slides/slide6.xml><?xml version="1.0" encoding="utf-8"?>
+<file path=ppt/slides/slide7.xml><?xml version="1.0" encoding="utf-8"?>
 <p:sld xmlns:a="http://schemas.openxmlformats.org/drawingml/2006/main" xmlns:r="http://schemas.openxmlformats.org/officeDocument/2006/relationships" xmlns:p="http://schemas.openxmlformats.org/presentationml/2006/main">
   <p:cSld>
     <p:spTree>
@@ -4574,7 +5101,7 @@
 </p:sld>
 </file>
 
-<file path=ppt/slides/slide7.xml><?xml version="1.0" encoding="utf-8"?>
+<file path=ppt/slides/slide8.xml><?xml version="1.0" encoding="utf-8"?>
 <p:sld xmlns:a="http://schemas.openxmlformats.org/drawingml/2006/main" xmlns:r="http://schemas.openxmlformats.org/officeDocument/2006/relationships" xmlns:p="http://schemas.openxmlformats.org/presentationml/2006/main">
   <p:cSld>
     <p:spTree>
@@ -4757,8 +5284,8 @@
 </p:sld>
 </file>
 
-<file path=ppt/slides/slide8.xml><?xml version="1.0" encoding="utf-8"?>
-<p:sld xmlns:a="http://schemas.openxmlformats.org/drawingml/2006/main" xmlns:r="http://schemas.openxmlformats.org/officeDocument/2006/relationships" xmlns:p="http://schemas.openxmlformats.org/presentationml/2006/main" show="0">
+<file path=ppt/slides/slide9.xml><?xml version="1.0" encoding="utf-8"?>
+<p:sld xmlns:a="http://schemas.openxmlformats.org/drawingml/2006/main" xmlns:r="http://schemas.openxmlformats.org/officeDocument/2006/relationships" xmlns:p="http://schemas.openxmlformats.org/presentationml/2006/main">
   <p:cSld>
     <p:spTree>
       <p:nvGrpSpPr>
@@ -4779,7 +5306,7 @@
           <p:cNvPr id="2" name="Title 1">
             <a:extLst>
               <a:ext uri="{FF2B5EF4-FFF2-40B4-BE49-F238E27FC236}">
-                <a16:creationId xmlns:a16="http://schemas.microsoft.com/office/drawing/2014/main" id="{481CC8F1-92C8-2C36-7E3A-C18FEA5CBDEF}"/>
+                <a16:creationId xmlns:a16="http://schemas.microsoft.com/office/drawing/2014/main" id="{5C5864C7-441F-D004-7908-54C6A91E56D5}"/>
               </a:ext>
             </a:extLst>
           </p:cNvPr>
@@ -4797,17 +5324,17 @@
           <a:p>
             <a:r>
               <a:rPr lang="en-US" dirty="0"/>
-              <a:t>Conclusion 6</a:t>
-            </a:r>
-          </a:p>
-        </p:txBody>
-      </p:sp>
-      <p:sp>
-        <p:nvSpPr>
-          <p:cNvPr id="3" name="Content Placeholder 2">
+              <a:t>Conclusion 8</a:t>
+            </a:r>
+          </a:p>
+        </p:txBody>
+      </p:sp>
+      <p:sp>
+        <p:nvSpPr>
+          <p:cNvPr id="7" name="Content Placeholder 6">
             <a:extLst>
               <a:ext uri="{FF2B5EF4-FFF2-40B4-BE49-F238E27FC236}">
-                <a16:creationId xmlns:a16="http://schemas.microsoft.com/office/drawing/2014/main" id="{A00C3110-4BBC-027D-656C-D1E2250CC2CE}"/>
+                <a16:creationId xmlns:a16="http://schemas.microsoft.com/office/drawing/2014/main" id="{0165D37F-02B9-EA4D-ACA1-A47B885F0426}"/>
               </a:ext>
             </a:extLst>
           </p:cNvPr>
@@ -4820,145 +5347,49 @@
         </p:nvSpPr>
         <p:spPr>
           <a:xfrm>
-            <a:off x="681038" y="1547813"/>
-            <a:ext cx="8543925" cy="1881187"/>
+            <a:off x="681038" y="1825625"/>
+            <a:ext cx="8543925" cy="897255"/>
           </a:xfrm>
         </p:spPr>
         <p:txBody>
           <a:bodyPr>
-            <a:normAutofit fontScale="55000" lnSpcReduction="20000"/>
+            <a:normAutofit fontScale="70000" lnSpcReduction="20000"/>
           </a:bodyPr>
           <a:lstStyle/>
           <a:p>
             <a:pPr algn="just"/>
             <a:r>
-              <a:rPr lang="en-US" dirty="0"/>
-              <a:t>The fig shows median “</a:t>
-            </a:r>
-            <a:r>
-              <a:rPr lang="en-US" b="1" dirty="0" err="1"/>
-              <a:t>loan_amnt</a:t>
-            </a:r>
-            <a:r>
-              <a:rPr lang="en-US" dirty="0"/>
-              <a:t>” across “</a:t>
-            </a:r>
-            <a:r>
-              <a:rPr lang="en-US" b="1" dirty="0" err="1"/>
-              <a:t>addr_state</a:t>
-            </a:r>
-            <a:r>
-              <a:rPr lang="en-US" dirty="0"/>
-              <a:t>” categories, segmented by “</a:t>
-            </a:r>
-            <a:r>
-              <a:rPr lang="en-US" b="1" dirty="0" err="1"/>
-              <a:t>loan_status</a:t>
-            </a:r>
-            <a:r>
-              <a:rPr lang="en-US" dirty="0"/>
-              <a:t>”</a:t>
+              <a:rPr lang="en-US" sz="2000" dirty="0"/>
+              <a:t>Among loans in grade “G”, “defaulters” have </a:t>
+            </a:r>
+            <a:r>
+              <a:rPr lang="en-US" sz="2000" b="1" dirty="0"/>
+              <a:t>significantly lesser “annual_inc”</a:t>
+            </a:r>
+            <a:r>
+              <a:rPr lang="en-US" sz="2000" dirty="0"/>
+              <a:t> compared to the ones who have “Fully Paid”</a:t>
             </a:r>
           </a:p>
           <a:p>
             <a:pPr algn="just"/>
             <a:r>
-              <a:rPr lang="en-US" dirty="0"/>
-              <a:t>Ex: “</a:t>
-            </a:r>
-            <a:r>
-              <a:rPr lang="en-US" dirty="0" err="1"/>
-              <a:t>loan_amnt</a:t>
-            </a:r>
-            <a:r>
-              <a:rPr lang="en-US" dirty="0"/>
-              <a:t>” in the state “WY” has the following medians:</a:t>
-            </a:r>
-          </a:p>
-          <a:p>
-            <a:pPr lvl="1" algn="just"/>
-            <a:r>
-              <a:rPr lang="en-US" dirty="0"/>
-              <a:t>“Default” : </a:t>
-            </a:r>
-            <a:r>
-              <a:rPr lang="en-US" b="1" dirty="0"/>
-              <a:t>180000</a:t>
-            </a:r>
-            <a:r>
-              <a:rPr lang="en-US" dirty="0"/>
-              <a:t>,  “Fully Paid” :  </a:t>
-            </a:r>
-            <a:r>
-              <a:rPr lang="en-US" b="1" dirty="0"/>
-              <a:t>10375</a:t>
+              <a:rPr lang="en-US" sz="2000" dirty="0"/>
+              <a:t>This potentially means that the company must consider higher values of “annual_inc” for approval of loans among applicants of grade “G”</a:t>
             </a:r>
           </a:p>
           <a:p>
             <a:pPr algn="just"/>
-            <a:r>
-              <a:rPr lang="en-US" dirty="0"/>
-              <a:t>The data can be used as </a:t>
-            </a:r>
-            <a:r>
-              <a:rPr lang="en-US" b="1" dirty="0"/>
-              <a:t>Recommended “</a:t>
-            </a:r>
-            <a:r>
-              <a:rPr lang="en-US" b="1" dirty="0" err="1"/>
-              <a:t>loan_amnt</a:t>
-            </a:r>
-            <a:r>
-              <a:rPr lang="en-US" b="1" dirty="0"/>
-              <a:t>”</a:t>
-            </a:r>
-            <a:r>
-              <a:rPr lang="en-US" dirty="0"/>
-              <a:t> for </a:t>
-            </a:r>
-            <a:r>
-              <a:rPr lang="en-US" b="1" dirty="0"/>
-              <a:t>consideration of approval</a:t>
-            </a:r>
-            <a:r>
-              <a:rPr lang="en-US" dirty="0"/>
-              <a:t> with a certain </a:t>
-            </a:r>
-            <a:r>
-              <a:rPr lang="en-US" b="1" dirty="0"/>
-              <a:t>threshold</a:t>
-            </a:r>
-          </a:p>
-          <a:p>
-            <a:pPr algn="just"/>
-            <a:r>
-              <a:rPr lang="en-US" dirty="0"/>
-              <a:t>Ex: For the state “WY”, the loan could be rejected if ”</a:t>
-            </a:r>
-            <a:r>
-              <a:rPr lang="en-US" dirty="0" err="1"/>
-              <a:t>loan_amnt</a:t>
-            </a:r>
-            <a:r>
-              <a:rPr lang="en-US" dirty="0"/>
-              <a:t>” is outside the 1.5 * IQR range.</a:t>
-            </a:r>
-          </a:p>
-          <a:p>
-            <a:pPr algn="just"/>
-            <a:r>
-              <a:rPr lang="en-US" dirty="0"/>
-              <a:t># change this chart</a:t>
-            </a:r>
+            <a:endParaRPr lang="en-US" sz="2000" dirty="0"/>
           </a:p>
         </p:txBody>
       </p:sp>
       <p:pic>
         <p:nvPicPr>
-          <p:cNvPr id="4" name="Content Placeholder 3">
+          <p:cNvPr id="8" name="Picture 7">
             <a:extLst>
               <a:ext uri="{FF2B5EF4-FFF2-40B4-BE49-F238E27FC236}">
-                <a16:creationId xmlns:a16="http://schemas.microsoft.com/office/drawing/2014/main" id="{4B145BFA-A2F0-F382-4DF5-24440B7AC4F3}"/>
+                <a16:creationId xmlns:a16="http://schemas.microsoft.com/office/drawing/2014/main" id="{5A002981-2063-DD5E-F2FF-4F0FCB278A8B}"/>
               </a:ext>
             </a:extLst>
           </p:cNvPr>
@@ -4975,8 +5406,8 @@
         </p:blipFill>
         <p:spPr>
           <a:xfrm>
-            <a:off x="884237" y="3429000"/>
-            <a:ext cx="7883820" cy="3131393"/>
+            <a:off x="2021840" y="2845550"/>
+            <a:ext cx="5699760" cy="3647323"/>
           </a:xfrm>
           <a:prstGeom prst="rect">
             <a:avLst/>
@@ -4986,220 +5417,7 @@
     </p:spTree>
     <p:extLst>
       <p:ext uri="{BB962C8B-B14F-4D97-AF65-F5344CB8AC3E}">
-        <p14:creationId xmlns:p14="http://schemas.microsoft.com/office/powerpoint/2010/main" val="3680336890"/>
-      </p:ext>
-    </p:extLst>
-  </p:cSld>
-  <p:clrMapOvr>
-    <a:masterClrMapping/>
-  </p:clrMapOvr>
-</p:sld>
-</file>
-
-<file path=ppt/slides/slide9.xml><?xml version="1.0" encoding="utf-8"?>
-<p:sld xmlns:a="http://schemas.openxmlformats.org/drawingml/2006/main" xmlns:r="http://schemas.openxmlformats.org/officeDocument/2006/relationships" xmlns:p="http://schemas.openxmlformats.org/presentationml/2006/main" show="0">
-  <p:cSld>
-    <p:spTree>
-      <p:nvGrpSpPr>
-        <p:cNvPr id="1" name=""/>
-        <p:cNvGrpSpPr/>
-        <p:nvPr/>
-      </p:nvGrpSpPr>
-      <p:grpSpPr>
-        <a:xfrm>
-          <a:off x="0" y="0"/>
-          <a:ext cx="0" cy="0"/>
-          <a:chOff x="0" y="0"/>
-          <a:chExt cx="0" cy="0"/>
-        </a:xfrm>
-      </p:grpSpPr>
-      <p:sp>
-        <p:nvSpPr>
-          <p:cNvPr id="2" name="Title 1">
-            <a:extLst>
-              <a:ext uri="{FF2B5EF4-FFF2-40B4-BE49-F238E27FC236}">
-                <a16:creationId xmlns:a16="http://schemas.microsoft.com/office/drawing/2014/main" id="{600941A2-D398-6BD5-16BD-3C981BA84809}"/>
-              </a:ext>
-            </a:extLst>
-          </p:cNvPr>
-          <p:cNvSpPr>
-            <a:spLocks noGrp="1"/>
-          </p:cNvSpPr>
-          <p:nvPr>
-            <p:ph type="title"/>
-          </p:nvPr>
-        </p:nvSpPr>
-        <p:spPr/>
-        <p:txBody>
-          <a:bodyPr/>
-          <a:lstStyle/>
-          <a:p>
-            <a:r>
-              <a:rPr lang="en-US" dirty="0"/>
-              <a:t>Conclusion 7:</a:t>
-            </a:r>
-          </a:p>
-        </p:txBody>
-      </p:sp>
-      <p:sp>
-        <p:nvSpPr>
-          <p:cNvPr id="3" name="Content Placeholder 2">
-            <a:extLst>
-              <a:ext uri="{FF2B5EF4-FFF2-40B4-BE49-F238E27FC236}">
-                <a16:creationId xmlns:a16="http://schemas.microsoft.com/office/drawing/2014/main" id="{9D8D5F3F-530C-46EC-6B9F-69DDB51FF770}"/>
-              </a:ext>
-            </a:extLst>
-          </p:cNvPr>
-          <p:cNvSpPr>
-            <a:spLocks noGrp="1"/>
-          </p:cNvSpPr>
-          <p:nvPr>
-            <p:ph idx="1"/>
-          </p:nvPr>
-        </p:nvSpPr>
-        <p:spPr>
-          <a:xfrm>
-            <a:off x="681037" y="1549244"/>
-            <a:ext cx="8543925" cy="1325563"/>
-          </a:xfrm>
-        </p:spPr>
-        <p:txBody>
-          <a:bodyPr>
-            <a:normAutofit fontScale="55000" lnSpcReduction="20000"/>
-          </a:bodyPr>
-          <a:lstStyle/>
-          <a:p>
-            <a:pPr algn="just"/>
-            <a:r>
-              <a:rPr lang="en-US" dirty="0"/>
-              <a:t>The fig shows the “</a:t>
-            </a:r>
-            <a:r>
-              <a:rPr lang="en-US" b="1" dirty="0" err="1"/>
-              <a:t>int_rate</a:t>
-            </a:r>
-            <a:r>
-              <a:rPr lang="en-US" dirty="0"/>
-              <a:t>” across “</a:t>
-            </a:r>
-            <a:r>
-              <a:rPr lang="en-US" b="1" dirty="0" err="1"/>
-              <a:t>addr_state</a:t>
-            </a:r>
-            <a:r>
-              <a:rPr lang="en-US" dirty="0"/>
-              <a:t>” categories, segmented by “</a:t>
-            </a:r>
-            <a:r>
-              <a:rPr lang="en-US" b="1" dirty="0" err="1"/>
-              <a:t>loan_status</a:t>
-            </a:r>
-            <a:r>
-              <a:rPr lang="en-US" dirty="0"/>
-              <a:t>”</a:t>
-            </a:r>
-          </a:p>
-          <a:p>
-            <a:pPr algn="just"/>
-            <a:r>
-              <a:rPr lang="en-US" dirty="0"/>
-              <a:t>Ex: “</a:t>
-            </a:r>
-            <a:r>
-              <a:rPr lang="en-US" dirty="0" err="1"/>
-              <a:t>int_rate</a:t>
-            </a:r>
-            <a:r>
-              <a:rPr lang="en-US" dirty="0"/>
-              <a:t>” in the state “WY” has the following medians:</a:t>
-            </a:r>
-          </a:p>
-          <a:p>
-            <a:pPr lvl="1" algn="just"/>
-            <a:r>
-              <a:rPr lang="en-US" dirty="0"/>
-              <a:t>“Default” : </a:t>
-            </a:r>
-            <a:r>
-              <a:rPr lang="en-US" b="1" dirty="0"/>
-              <a:t>16.45</a:t>
-            </a:r>
-            <a:r>
-              <a:rPr lang="en-US" dirty="0"/>
-              <a:t>,  “Fully Paid” :  </a:t>
-            </a:r>
-            <a:r>
-              <a:rPr lang="en-US" b="1" dirty="0"/>
-              <a:t>12.61</a:t>
-            </a:r>
-          </a:p>
-          <a:p>
-            <a:pPr algn="just"/>
-            <a:r>
-              <a:rPr lang="en-US" dirty="0"/>
-              <a:t>The company can </a:t>
-            </a:r>
-            <a:r>
-              <a:rPr lang="en-US" b="1" dirty="0"/>
-              <a:t>use this data to determine the range of “</a:t>
-            </a:r>
-            <a:r>
-              <a:rPr lang="en-US" b="1" dirty="0" err="1"/>
-              <a:t>int_rate</a:t>
-            </a:r>
-            <a:r>
-              <a:rPr lang="en-US" b="1" dirty="0"/>
-              <a:t>” for each state</a:t>
-            </a:r>
-            <a:r>
-              <a:rPr lang="en-US" dirty="0"/>
-              <a:t> and thereby </a:t>
-            </a:r>
-            <a:r>
-              <a:rPr lang="en-US" b="1" dirty="0"/>
-              <a:t>increase the overall success rate of the loans.</a:t>
-            </a:r>
-          </a:p>
-          <a:p>
-            <a:pPr algn="just"/>
-            <a:endParaRPr lang="en-US" dirty="0"/>
-          </a:p>
-        </p:txBody>
-      </p:sp>
-      <p:pic>
-        <p:nvPicPr>
-          <p:cNvPr id="5" name="Picture 4">
-            <a:extLst>
-              <a:ext uri="{FF2B5EF4-FFF2-40B4-BE49-F238E27FC236}">
-                <a16:creationId xmlns:a16="http://schemas.microsoft.com/office/drawing/2014/main" id="{A66D51DE-F590-AAE7-87D1-9880F2E47315}"/>
-              </a:ext>
-            </a:extLst>
-          </p:cNvPr>
-          <p:cNvPicPr>
-            <a:picLocks noChangeAspect="1"/>
-          </p:cNvPicPr>
-          <p:nvPr/>
-        </p:nvPicPr>
-        <p:blipFill>
-          <a:blip r:embed="rId2"/>
-          <a:stretch>
-            <a:fillRect/>
-          </a:stretch>
-        </p:blipFill>
-        <p:spPr>
-          <a:xfrm>
-            <a:off x="1122564" y="3039186"/>
-            <a:ext cx="7660871" cy="3091340"/>
-          </a:xfrm>
-          <a:prstGeom prst="rect">
-            <a:avLst/>
-          </a:prstGeom>
-        </p:spPr>
-      </p:pic>
-    </p:spTree>
-    <p:extLst>
-      <p:ext uri="{BB962C8B-B14F-4D97-AF65-F5344CB8AC3E}">
-        <p14:creationId xmlns:p14="http://schemas.microsoft.com/office/powerpoint/2010/main" val="273810209"/>
+        <p14:creationId xmlns:p14="http://schemas.microsoft.com/office/powerpoint/2010/main" val="4173725062"/>
       </p:ext>
     </p:extLst>
   </p:cSld>

--- a/Insights.pptx
+++ b/Insights.pptx
@@ -3349,28 +3349,101 @@
         </p:nvSpPr>
         <p:spPr/>
         <p:txBody>
+          <a:bodyPr>
+            <a:normAutofit fontScale="92500" lnSpcReduction="20000"/>
+          </a:bodyPr>
+          <a:lstStyle/>
+          <a:p>
+            <a:pPr marL="0" indent="0">
+              <a:buNone/>
+            </a:pPr>
+            <a:r>
+              <a:rPr lang="en-US" dirty="0"/>
+              <a:t>Problem Statement:</a:t>
+            </a:r>
+          </a:p>
+          <a:p>
+            <a:pPr lvl="1"/>
+            <a:r>
+              <a:rPr lang="en-US" dirty="0"/>
+              <a:t>Given the past data of a lending company, apply the basics of data analysis and come up with meaningful conclusions about its defaulters</a:t>
+            </a:r>
+          </a:p>
+          <a:p>
+            <a:pPr marL="0" indent="0">
+              <a:buNone/>
+            </a:pPr>
+            <a:r>
+              <a:rPr lang="en-US" dirty="0"/>
+              <a:t>Approach: </a:t>
+            </a:r>
+          </a:p>
+          <a:p>
+            <a:pPr lvl="1"/>
+            <a:r>
+              <a:rPr lang="en-US" dirty="0"/>
+              <a:t>We started by Understanding the problem domain and the variables in the data. We moved onto to cleaning up the data, removing outliers, if any and formatting them. </a:t>
+            </a:r>
+          </a:p>
+          <a:p>
+            <a:pPr lvl="1"/>
+            <a:r>
+              <a:rPr lang="en-US" dirty="0"/>
+              <a:t>For the data analysis itself, we began with univariate analysis and segmented univariate analysis to identify the driver variables. We then extended this with Bivariate analysis. </a:t>
+            </a:r>
+          </a:p>
+          <a:p>
+            <a:pPr lvl="1"/>
+            <a:endParaRPr lang="en-US" dirty="0"/>
+          </a:p>
+          <a:p>
+            <a:pPr marL="0" indent="0">
+              <a:buNone/>
+            </a:pPr>
+            <a:r>
+              <a:rPr lang="en-US" sz="2600" dirty="0"/>
+              <a:t>Note:</a:t>
+            </a:r>
+          </a:p>
+          <a:p>
+            <a:pPr lvl="1"/>
+            <a:r>
+              <a:rPr lang="en-US" sz="2200" dirty="0"/>
+              <a:t>If the presentation is viewed via the GitHub browser, please click on “More Pages” at the end of page 5, to view all the pages &amp; conclusions</a:t>
+            </a:r>
+          </a:p>
+        </p:txBody>
+      </p:sp>
+      <p:sp>
+        <p:nvSpPr>
+          <p:cNvPr id="4" name="Title 1">
+            <a:extLst>
+              <a:ext uri="{FF2B5EF4-FFF2-40B4-BE49-F238E27FC236}">
+                <a16:creationId xmlns:a16="http://schemas.microsoft.com/office/drawing/2014/main" id="{50554496-6384-2728-B1FF-6921B5DB9D2B}"/>
+              </a:ext>
+            </a:extLst>
+          </p:cNvPr>
+          <p:cNvSpPr>
+            <a:spLocks noGrp="1"/>
+          </p:cNvSpPr>
+          <p:nvPr>
+            <p:ph type="title"/>
+          </p:nvPr>
+        </p:nvSpPr>
+        <p:spPr>
+          <a:xfrm>
+            <a:off x="544524" y="630554"/>
+            <a:ext cx="8543925" cy="1077020"/>
+          </a:xfrm>
+        </p:spPr>
+        <p:txBody>
           <a:bodyPr/>
           <a:lstStyle/>
           <a:p>
-            <a:pPr marL="0" indent="0">
-              <a:buNone/>
-            </a:pPr>
-            <a:r>
-              <a:rPr lang="en-US" dirty="0"/>
-              <a:t>Note:</a:t>
-            </a:r>
-          </a:p>
-          <a:p>
-            <a:pPr lvl="1"/>
-            <a:r>
-              <a:rPr lang="en-US" dirty="0"/>
-              <a:t>If the presentation is viewed via the GitHub browser, please click on “More Pages” at the end of page 5, to view all </a:t>
-            </a:r>
-            <a:r>
-              <a:rPr lang="en-US"/>
-              <a:t>the pages &amp; conclusions</a:t>
-            </a:r>
-            <a:endParaRPr lang="en-US" dirty="0"/>
+            <a:r>
+              <a:rPr lang="en-US" dirty="0"/>
+              <a:t>Lending Club Case Study</a:t>
+            </a:r>
           </a:p>
         </p:txBody>
       </p:sp>
@@ -5347,13 +5420,13 @@
         </p:nvSpPr>
         <p:spPr>
           <a:xfrm>
-            <a:off x="681038" y="1825625"/>
-            <a:ext cx="8543925" cy="897255"/>
+            <a:off x="681038" y="1595121"/>
+            <a:ext cx="8543925" cy="1127760"/>
           </a:xfrm>
         </p:spPr>
         <p:txBody>
           <a:bodyPr>
-            <a:normAutofit fontScale="70000" lnSpcReduction="20000"/>
+            <a:normAutofit fontScale="92500" lnSpcReduction="20000"/>
           </a:bodyPr>
           <a:lstStyle/>
           <a:p>
@@ -5375,7 +5448,15 @@
             <a:pPr algn="just"/>
             <a:r>
               <a:rPr lang="en-US" sz="2000" dirty="0"/>
-              <a:t>This potentially means that the company must consider higher values of “annual_inc” for approval of loans among applicants of grade “G”</a:t>
+              <a:t>This potentially means that the </a:t>
+            </a:r>
+            <a:r>
+              <a:rPr lang="en-US" sz="2000" b="1" dirty="0"/>
+              <a:t>company must consider higher values of “annual_inc”</a:t>
+            </a:r>
+            <a:r>
+              <a:rPr lang="en-US" sz="2000" dirty="0"/>
+              <a:t> for approval of loans among applicants of grade “G”</a:t>
             </a:r>
           </a:p>
           <a:p>

--- a/Insights.pptx
+++ b/Insights.pptx
@@ -5056,7 +5056,7 @@
             <a:pPr algn="just"/>
             <a:r>
               <a:rPr lang="en-US" dirty="0"/>
-              <a:t>Defined as the ratio of “annual_inc” to “installment”</a:t>
+              <a:t>Defined as the ratio of “annual_inc” to “installment”. It tries to quantify the ability to handle the burden of installments.</a:t>
             </a:r>
           </a:p>
           <a:p>
@@ -5067,7 +5067,7 @@
             </a:r>
             <a:r>
               <a:rPr lang="en-US" b="1" dirty="0"/>
-              <a:t>173</a:t>
+              <a:t>175</a:t>
             </a:r>
             <a:r>
               <a:rPr lang="en-US" dirty="0"/>
@@ -5075,7 +5075,7 @@
             </a:r>
             <a:r>
               <a:rPr lang="en-US" b="1" dirty="0"/>
-              <a:t>205</a:t>
+              <a:t>200</a:t>
             </a:r>
             <a:r>
               <a:rPr lang="en-US" dirty="0"/>
